--- a/solutions/azure/devops/enterprise-platform/presales/solution-briefing.pptx
+++ b/solutions/azure/devops/enterprise-platform/presales/solution-briefing.pptx
@@ -3357,40 +3357,19 @@
         <p:nvPr/>
       </p:nvGrpSpPr>
       <p:grpSpPr/>
-      <p:sp>
-        <p:nvSpPr>
-          <p:cNvPr id="2" name="Text Placeholder 1"/>
-          <p:cNvSpPr>
-            <a:spLocks noGrp="1"/>
-          </p:cNvSpPr>
-          <p:nvPr>
-            <p:ph type="body" idx="10" sz="quarter"/>
-          </p:nvPr>
-        </p:nvSpPr>
-        <p:spPr/>
-        <p:txBody>
-          <a:bodyPr/>
-          <a:lstStyle/>
-          <a:p>
-            <a:r>
-              <a:t>Slide 10: Call to Action</a:t>
-            </a:r>
-          </a:p>
-        </p:txBody>
-      </p:sp>
       <p:pic>
         <p:nvPicPr>
-          <p:cNvPr id="3" name="Picture Placeholder 2" descr="consulting_company_logo.png"/>
+          <p:cNvPr id="2" name="Picture Placeholder 1" descr="client_logo.png"/>
           <p:cNvPicPr>
             <a:picLocks noGrp="1" noChangeAspect="1"/>
           </p:cNvPicPr>
           <p:nvPr>
-            <p:ph type="pic" idx="13" sz="quarter"/>
+            <p:ph type="pic" idx="10" sz="quarter"/>
           </p:nvPr>
         </p:nvPicPr>
         <p:blipFill>
           <a:blip r:embed="rId2"/>
-          <a:srcRect t="6762" b="6762"/>
+          <a:srcRect t="433" b="433"/>
           <a:stretch>
             <a:fillRect/>
           </a:stretch>
@@ -3399,12 +3378,12 @@
       </p:pic>
       <p:sp>
         <p:nvSpPr>
-          <p:cNvPr id="4" name="Text Placeholder 3"/>
+          <p:cNvPr id="3" name="Text Placeholder 2"/>
           <p:cNvSpPr>
             <a:spLocks noGrp="1"/>
           </p:cNvSpPr>
           <p:nvPr>
-            <p:ph type="body" idx="14" sz="quarter"/>
+            <p:ph type="body" idx="12" sz="quarter"/>
           </p:nvPr>
         </p:nvSpPr>
         <p:spPr/>
@@ -3412,104 +3391,84 @@
           <a:bodyPr/>
           <a:lstStyle/>
           <a:p>
-            <a:pPr/>
-            <a:r>
-              <a:rPr b="1"/>
-              <a:t>Next Steps</a:t>
-            </a:r>
-          </a:p>
-          <a:p>
-            <a:pPr lvl="1"/>
-            <a:r>
-              <a:t>Schedule architecture workshop with our DevOps specialists (2 hours)</a:t>
-            </a:r>
-          </a:p>
-          <a:p>
-            <a:pPr lvl="1"/>
-            <a:r>
-              <a:t>Detailed assessment of current state and baseline metrics</a:t>
-            </a:r>
-          </a:p>
-          <a:p>
-            <a:pPr lvl="1"/>
-            <a:r>
-              <a:t>Customized proposal with timeline and investment details</a:t>
-            </a:r>
-          </a:p>
-          <a:p>
-            <a:pPr lvl="1"/>
-            <a:r>
-              <a:t>30-day SOW upon agreement</a:t>
-            </a:r>
-          </a:p>
-          <a:p>
-            <a:pPr/>
-            <a:r>
-              <a:rPr b="1"/>
-              <a:t>Your Investment</a:t>
-            </a:r>
-          </a:p>
-          <a:p>
-            <a:pPr lvl="1"/>
-            <a:r>
-              <a:t>$100,200 Year 1 net (with partner credits)</a:t>
-            </a:r>
-          </a:p>
-          <a:p>
-            <a:pPr lvl="1"/>
-            <a:r>
-              <a:t>Payback in 8 months through team productivity</a:t>
-            </a:r>
-          </a:p>
-          <a:p>
-            <a:pPr lvl="1"/>
-            <a:r>
-              <a:t>Ongoing platform operations at $7.7K/year</a:t>
-            </a:r>
-          </a:p>
-          <a:p>
-            <a:pPr/>
-            <a:r>
-              <a:rPr b="1"/>
-              <a:t>Your Outcome</a:t>
-            </a:r>
-          </a:p>
-          <a:p>
-            <a:pPr lvl="1"/>
-            <a:r>
-              <a:t>Deploy code 10x faster with confidence</a:t>
-            </a:r>
-          </a:p>
-          <a:p>
-            <a:pPr lvl="1"/>
-            <a:r>
-              <a:t>99%+ deployment success rate</a:t>
-            </a:r>
-          </a:p>
-          <a:p>
-            <a:pPr lvl="1"/>
-            <a:r>
-              <a:t>Automated security and compliance controls</a:t>
-            </a:r>
-          </a:p>
-          <a:p>
-            <a:pPr lvl="1"/>
-            <a:r>
-              <a:t>Team prepared for enterprise DevOps maturity</a:t>
+            <a:r>
+              <a:t>Thank You</a:t>
             </a:r>
           </a:p>
         </p:txBody>
       </p:sp>
       <p:pic>
         <p:nvPicPr>
-          <p:cNvPr id="5" name="Picture 4" descr="eo-framework-logo-real.png"/>
+          <p:cNvPr id="4" name="Picture Placeholder 3" descr="consulting_company_logo.png"/>
+          <p:cNvPicPr>
+            <a:picLocks noGrp="1" noChangeAspect="1"/>
+          </p:cNvPicPr>
+          <p:nvPr>
+            <p:ph type="pic" idx="13" sz="quarter"/>
+          </p:nvPr>
+        </p:nvPicPr>
+        <p:blipFill>
+          <a:blip r:embed="rId3"/>
+          <a:srcRect t="7166" b="7166"/>
+          <a:stretch>
+            <a:fillRect/>
+          </a:stretch>
+        </p:blipFill>
+        <p:spPr/>
+      </p:pic>
+      <p:sp>
+        <p:nvSpPr>
+          <p:cNvPr id="5" name="Text Placeholder 4"/>
+          <p:cNvSpPr>
+            <a:spLocks noGrp="1"/>
+          </p:cNvSpPr>
+          <p:nvPr>
+            <p:ph type="body" idx="14" sz="quarter"/>
+          </p:nvPr>
+        </p:nvSpPr>
+        <p:spPr/>
+        <p:txBody>
+          <a:bodyPr/>
+          <a:lstStyle/>
+          <a:p/>
+        </p:txBody>
+      </p:sp>
+      <p:sp>
+        <p:nvSpPr>
+          <p:cNvPr id="6" name="Text Placeholder 5"/>
+          <p:cNvSpPr>
+            <a:spLocks noGrp="1"/>
+          </p:cNvSpPr>
+          <p:nvPr>
+            <p:ph type="body" idx="15" sz="quarter"/>
+          </p:nvPr>
+        </p:nvSpPr>
+        <p:spPr/>
+        <p:txBody>
+          <a:bodyPr/>
+          <a:lstStyle/>
+          <a:p>
+            <a:pPr/>
+            <a:r>
+              <a:rPr b="1"/>
+              <a:t>Your Account Manager:</a:t>
+            </a:r>
+            <a:r>
+              <a:t> [Name, Title] | [Email] | [Phone]</a:t>
+            </a:r>
+          </a:p>
+        </p:txBody>
+      </p:sp>
+      <p:pic>
+        <p:nvPicPr>
+          <p:cNvPr id="7" name="Picture 6" descr="eo-framework-logo-real.png"/>
           <p:cNvPicPr>
             <a:picLocks noChangeAspect="1"/>
           </p:cNvPicPr>
           <p:nvPr/>
         </p:nvPicPr>
         <p:blipFill>
-          <a:blip r:embed="rId3"/>
+          <a:blip r:embed="rId4"/>
           <a:stretch>
             <a:fillRect/>
           </a:stretch>
@@ -3558,7 +3517,7 @@
           <a:lstStyle/>
           <a:p>
             <a:r>
-              <a:t>Slide 2: Business Opportunity</a:t>
+              <a:t>Business Opportunity</a:t>
             </a:r>
           </a:p>
         </p:txBody>
@@ -3570,12 +3529,12 @@
             <a:picLocks noGrp="1" noChangeAspect="1"/>
           </p:cNvPicPr>
           <p:nvPr>
-            <p:ph type="pic" idx="13" sz="quarter"/>
+            <p:ph type="pic" idx="14" sz="quarter"/>
           </p:nvPr>
         </p:nvPicPr>
         <p:blipFill>
           <a:blip r:embed="rId2"/>
-          <a:srcRect t="6762" b="6762"/>
+          <a:srcRect t="6314" b="6314"/>
           <a:stretch>
             <a:fillRect/>
           </a:stretch>
@@ -3589,7 +3548,7 @@
             <a:spLocks noGrp="1"/>
           </p:cNvSpPr>
           <p:nvPr>
-            <p:ph type="body" idx="14" sz="quarter"/>
+            <p:ph type="body" idx="16" sz="quarter"/>
           </p:nvPr>
         </p:nvSpPr>
         <p:spPr/>
@@ -3621,6 +3580,22 @@
               <a:t>Enable development teams to ship code safely with built-in security and compliance controls</a:t>
             </a:r>
           </a:p>
+        </p:txBody>
+      </p:sp>
+      <p:sp>
+        <p:nvSpPr>
+          <p:cNvPr id="5" name="Text Placeholder 4"/>
+          <p:cNvSpPr>
+            <a:spLocks noGrp="1"/>
+          </p:cNvSpPr>
+          <p:nvPr>
+            <p:ph type="body" idx="17" sz="quarter"/>
+          </p:nvPr>
+        </p:nvSpPr>
+        <p:spPr/>
+        <p:txBody>
+          <a:bodyPr/>
+          <a:lstStyle/>
           <a:p>
             <a:pPr/>
             <a:r>
@@ -3650,7 +3625,7 @@
       </p:sp>
       <p:pic>
         <p:nvPicPr>
-          <p:cNvPr id="5" name="Picture 4" descr="eo-framework-logo-real.png"/>
+          <p:cNvPr id="6" name="Picture 5" descr="eo-framework-logo-real.png"/>
           <p:cNvPicPr>
             <a:picLocks noChangeAspect="1"/>
           </p:cNvPicPr>
@@ -3706,7 +3681,7 @@
           <a:lstStyle/>
           <a:p>
             <a:r>
-              <a:t>Slide 3: Solution Overview</a:t>
+              <a:t>Solution Overview</a:t>
             </a:r>
           </a:p>
         </p:txBody>
@@ -3873,7 +3848,7 @@
           <a:lstStyle/>
           <a:p>
             <a:r>
-              <a:t>Slide 4: Implementation Approach</a:t>
+              <a:t>Implementation Approach</a:t>
             </a:r>
           </a:p>
         </p:txBody>
@@ -4048,7 +4023,7 @@
             <a:pPr algn="l"/>
             <a:r>
               <a:rPr b="1"/>
-              <a:t>Slide 5: Timeline &amp; Milestones</a:t>
+              <a:t>Timeline &amp; Milestones</a:t>
             </a:r>
           </a:p>
         </p:txBody>
@@ -4105,7 +4080,7 @@
                     <a:lstStyle/>
                     <a:p>
                       <a:r>
-                        <a:rPr b="1" sz="1400">
+                        <a:rPr sz="1400">
                           <a:solidFill>
                             <a:srgbClr val="FFFFFF"/>
                           </a:solidFill>
@@ -4126,7 +4101,7 @@
                     <a:lstStyle/>
                     <a:p>
                       <a:r>
-                        <a:rPr b="1" sz="1400">
+                        <a:rPr sz="1400">
                           <a:solidFill>
                             <a:srgbClr val="FFFFFF"/>
                           </a:solidFill>
@@ -4147,7 +4122,7 @@
                     <a:lstStyle/>
                     <a:p>
                       <a:r>
-                        <a:rPr b="1" sz="1400">
+                        <a:rPr sz="1400">
                           <a:solidFill>
                             <a:srgbClr val="FFFFFF"/>
                           </a:solidFill>
@@ -4168,7 +4143,7 @@
                     <a:lstStyle/>
                     <a:p>
                       <a:r>
-                        <a:rPr b="1" sz="1400">
+                        <a:rPr sz="1400">
                           <a:solidFill>
                             <a:srgbClr val="FFFFFF"/>
                           </a:solidFill>
@@ -4331,7 +4306,7 @@
                     <a:lstStyle/>
                     <a:p>
                       <a:r>
-                        <a:rPr b="1" sz="1100"/>
+                        <a:rPr sz="1100"/>
                         <a:t>Phase 3</a:t>
                       </a:r>
                     </a:p>
@@ -4348,7 +4323,7 @@
                     <a:lstStyle/>
                     <a:p>
                       <a:r>
-                        <a:rPr b="1" sz="1100"/>
+                        <a:rPr sz="1100"/>
                         <a:t>Security &amp; Operations</a:t>
                       </a:r>
                     </a:p>
@@ -4365,7 +4340,7 @@
                     <a:lstStyle/>
                     <a:p>
                       <a:r>
-                        <a:rPr b="1" sz="1100"/>
+                        <a:rPr sz="1100"/>
                         <a:t>Weeks 9-12</a:t>
                       </a:r>
                     </a:p>
@@ -4382,7 +4357,7 @@
                     <a:lstStyle/>
                     <a:p>
                       <a:r>
-                        <a:rPr b="1" sz="1100"/>
+                        <a:rPr sz="1100"/>
                         <a:t>Key Vault integration, Advanced deployments (blue-green, canary), Monitoring and alerting live</a:t>
                       </a:r>
                     </a:p>
@@ -4456,7 +4431,7 @@
           <a:lstStyle/>
           <a:p>
             <a:r>
-              <a:t>Slide 6: Success Stories</a:t>
+              <a:t>Success Stories</a:t>
             </a:r>
           </a:p>
         </p:txBody>
@@ -4618,7 +4593,7 @@
           <a:lstStyle/>
           <a:p>
             <a:r>
-              <a:t>Slide 7: Our Partnership Advantage</a:t>
+              <a:t>Our Partnership Advantage</a:t>
             </a:r>
           </a:p>
         </p:txBody>
@@ -4808,7 +4783,7 @@
             <a:pPr algn="l"/>
             <a:r>
               <a:rPr b="1"/>
-              <a:t>Slide 8: Investment Summary</a:t>
+              <a:t>Investment Summary</a:t>
             </a:r>
           </a:p>
         </p:txBody>
@@ -4868,7 +4843,7 @@
                     <a:lstStyle/>
                     <a:p>
                       <a:r>
-                        <a:rPr b="1" sz="1400">
+                        <a:rPr sz="1400">
                           <a:solidFill>
                             <a:srgbClr val="FFFFFF"/>
                           </a:solidFill>
@@ -4889,7 +4864,7 @@
                     <a:lstStyle/>
                     <a:p>
                       <a:r>
-                        <a:rPr b="1" sz="1400">
+                        <a:rPr sz="1400">
                           <a:solidFill>
                             <a:srgbClr val="FFFFFF"/>
                           </a:solidFill>
@@ -4910,7 +4885,7 @@
                     <a:lstStyle/>
                     <a:p>
                       <a:r>
-                        <a:rPr b="1" sz="1400">
+                        <a:rPr sz="1400">
                           <a:solidFill>
                             <a:srgbClr val="FFFFFF"/>
                           </a:solidFill>
@@ -4931,7 +4906,7 @@
                     <a:lstStyle/>
                     <a:p>
                       <a:r>
-                        <a:rPr b="1" sz="1400">
+                        <a:rPr sz="1400">
                           <a:solidFill>
                             <a:srgbClr val="FFFFFF"/>
                           </a:solidFill>
@@ -4952,7 +4927,7 @@
                     <a:lstStyle/>
                     <a:p>
                       <a:r>
-                        <a:rPr b="1" sz="1400">
+                        <a:rPr sz="1400">
                           <a:solidFill>
                             <a:srgbClr val="FFFFFF"/>
                           </a:solidFill>
@@ -4973,7 +4948,7 @@
                     <a:lstStyle/>
                     <a:p>
                       <a:r>
-                        <a:rPr b="1" sz="1400">
+                        <a:rPr sz="1400">
                           <a:solidFill>
                             <a:srgbClr val="FFFFFF"/>
                           </a:solidFill>
@@ -4994,7 +4969,7 @@
                     <a:lstStyle/>
                     <a:p>
                       <a:r>
-                        <a:rPr b="1" sz="1400">
+                        <a:rPr sz="1400">
                           <a:solidFill>
                             <a:srgbClr val="FFFFFF"/>
                           </a:solidFill>
@@ -5676,10 +5651,8 @@
           <a:bodyPr/>
           <a:lstStyle/>
           <a:p>
-            <a:pPr algn="l"/>
-            <a:r>
-              <a:rPr b="1"/>
-              <a:t>Slide 9: Implementation Roadmap</a:t>
+            <a:r>
+              <a:t>Next Steps</a:t>
             </a:r>
           </a:p>
         </p:txBody>
@@ -5696,7 +5669,7 @@
         </p:nvPicPr>
         <p:blipFill>
           <a:blip r:embed="rId2"/>
-          <a:srcRect t="6404" b="6404"/>
+          <a:srcRect t="6762" b="6762"/>
           <a:stretch>
             <a:fillRect/>
           </a:stretch>
@@ -5705,15 +5678,79 @@
       </p:pic>
       <p:sp>
         <p:nvSpPr>
-          <p:cNvPr id="4" name="Table Placeholder 3"/>
+          <p:cNvPr id="4" name="Text Placeholder 3"/>
           <p:cNvSpPr>
             <a:spLocks noGrp="1"/>
           </p:cNvSpPr>
           <p:nvPr>
-            <p:ph type="tbl" idx="14" sz="quarter"/>
+            <p:ph type="body" idx="14" sz="quarter"/>
           </p:nvPr>
         </p:nvSpPr>
         <p:spPr/>
+        <p:txBody>
+          <a:bodyPr/>
+          <a:lstStyle/>
+          <a:p>
+            <a:pPr/>
+            <a:r>
+              <a:rPr b="1"/>
+              <a:t>Decision:</a:t>
+            </a:r>
+            <a:r>
+              <a:t> Executive approval for DevOps platform implementation by [specific date]</a:t>
+            </a:r>
+          </a:p>
+          <a:p>
+            <a:pPr/>
+            <a:r>
+              <a:rPr b="1"/>
+              <a:t>Kickoff:</a:t>
+            </a:r>
+            <a:r>
+              <a:t> Target deployment start [30 days from approval]</a:t>
+            </a:r>
+          </a:p>
+          <a:p>
+            <a:pPr/>
+            <a:r>
+              <a:rPr b="1"/>
+              <a:t>Team Formation:</a:t>
+            </a:r>
+            <a:r>
+              <a:t> Identify DevOps engineer lead, development team contacts, security lead</a:t>
+            </a:r>
+          </a:p>
+          <a:p>
+            <a:pPr/>
+            <a:r>
+              <a:rPr b="1"/>
+              <a:t>Week 1-4:</a:t>
+            </a:r>
+            <a:r>
+              <a:t> Foundation and CI setup (Azure DevOps, repositories, pipeline templates)</a:t>
+            </a:r>
+          </a:p>
+          <a:p>
+            <a:pPr/>
+            <a:r>
+              <a:rPr b="1"/>
+              <a:t>Week 5-8:</a:t>
+            </a:r>
+            <a:r>
+              <a:t> Build and deployment (container registry, AKS cluster, automated releases)</a:t>
+            </a:r>
+          </a:p>
+          <a:p>
+            <a:pPr/>
+            <a:r>
+              <a:rPr b="1"/>
+              <a:t>Week 9-12:</a:t>
+            </a:r>
+            <a:r>
+              <a:t> Security and operations (Key Vault, monitoring, advanced deployments)</a:t>
+            </a:r>
+          </a:p>
+        </p:txBody>
       </p:sp>
       <p:pic>
         <p:nvPicPr>

--- a/solutions/azure/devops/enterprise-platform/presales/solution-briefing.pptx
+++ b/solutions/azure/devops/enterprise-platform/presales/solution-briefing.pptx
@@ -4059,7 +4059,7 @@
         </p:nvGraphicFramePr>
         <p:xfrm>
           <a:off x="256855" y="677011"/>
-          <a:ext cx="8710930" cy="1483360"/>
+          <a:ext cx="8710931" cy="1483360"/>
         </p:xfrm>
         <a:graphic>
           <a:graphicData uri="http://schemas.openxmlformats.org/drawingml/2006/table">
@@ -4068,10 +4068,10 @@
                 <a:tableStyleId>{5C22544A-7EE6-4342-B048-85BDC9FD1C3A}</a:tableStyleId>
               </a:tblPr>
               <a:tblGrid>
-                <a:gridCol w="1045311"/>
+                <a:gridCol w="871093"/>
                 <a:gridCol w="2177733"/>
-                <a:gridCol w="1045311"/>
-                <a:gridCol w="4442575"/>
+                <a:gridCol w="1306639"/>
+                <a:gridCol w="4355466"/>
               </a:tblGrid>
               <a:tr h="370840">
                 <a:tc>
@@ -4819,7 +4819,7 @@
         </p:nvGraphicFramePr>
         <p:xfrm>
           <a:off x="256855" y="677011"/>
-          <a:ext cx="8719641" cy="2225040"/>
+          <a:ext cx="8710929" cy="2225040"/>
         </p:xfrm>
         <a:graphic>
           <a:graphicData uri="http://schemas.openxmlformats.org/drawingml/2006/table">
@@ -4828,13 +4828,13 @@
                 <a:tableStyleId>{5C22544A-7EE6-4342-B048-85BDC9FD1C3A}</a:tableStyleId>
               </a:tblPr>
               <a:tblGrid>
-                <a:gridCol w="1567967"/>
+                <a:gridCol w="1742186"/>
+                <a:gridCol w="1045311"/>
+                <a:gridCol w="2003514"/>
                 <a:gridCol w="1132421"/>
-                <a:gridCol w="1742186"/>
-                <a:gridCol w="1132421"/>
-                <a:gridCol w="993046"/>
-                <a:gridCol w="993046"/>
-                <a:gridCol w="1158554"/>
+                <a:gridCol w="871093"/>
+                <a:gridCol w="871093"/>
+                <a:gridCol w="1045311"/>
               </a:tblGrid>
               <a:tr h="370840">
                 <a:tc>

--- a/solutions/azure/devops/enterprise-platform/presales/solution-briefing.pptx
+++ b/solutions/azure/devops/enterprise-platform/presales/solution-briefing.pptx
@@ -18,6 +18,7 @@
     <p:sldId id="263" r:id="rId14"/>
     <p:sldId id="264" r:id="rId15"/>
     <p:sldId id="265" r:id="rId16"/>
+    <p:sldId id="266" r:id="rId17"/>
   </p:sldIdLst>
   <p:sldSz cx="9144000" cy="5143500" type="screen16x9"/>
   <p:notesSz cx="5143500" cy="9144000"/>
@@ -297,6 +298,56 @@
 </file>
 
 <file path=ppt/notesSlides/notesSlide3.xml><?xml version="1.0" encoding="utf-8"?>
+<p:notes xmlns:a="http://schemas.openxmlformats.org/drawingml/2006/main" xmlns:p="http://schemas.openxmlformats.org/presentationml/2006/main" xmlns:r="http://schemas.openxmlformats.org/officeDocument/2006/relationships">
+  <p:cSld>
+    <p:spTree>
+      <p:nvGrpSpPr>
+        <p:cNvPr id="1" name=""/>
+        <p:cNvGrpSpPr/>
+        <p:nvPr/>
+      </p:nvGrpSpPr>
+      <p:grpSpPr>
+        <a:xfrm>
+          <a:off x="0" y="0"/>
+          <a:ext cx="0" cy="0"/>
+          <a:chOff x="0" y="0"/>
+          <a:chExt cx="0" cy="0"/>
+        </a:xfrm>
+      </p:grpSpPr>
+    </p:spTree>
+  </p:cSld>
+  <p:clrMapOvr>
+    <a:masterClrMapping/>
+  </p:clrMapOvr>
+</p:notes>
+</file>
+
+<file path=ppt/notesSlides/notesSlide4.xml><?xml version="1.0" encoding="utf-8"?>
+<p:notes xmlns:a="http://schemas.openxmlformats.org/drawingml/2006/main" xmlns:p="http://schemas.openxmlformats.org/presentationml/2006/main" xmlns:r="http://schemas.openxmlformats.org/officeDocument/2006/relationships">
+  <p:cSld>
+    <p:spTree>
+      <p:nvGrpSpPr>
+        <p:cNvPr id="1" name=""/>
+        <p:cNvGrpSpPr/>
+        <p:nvPr/>
+      </p:nvGrpSpPr>
+      <p:grpSpPr>
+        <a:xfrm>
+          <a:off x="0" y="0"/>
+          <a:ext cx="0" cy="0"/>
+          <a:chOff x="0" y="0"/>
+          <a:chExt cx="0" cy="0"/>
+        </a:xfrm>
+      </p:grpSpPr>
+    </p:spTree>
+  </p:cSld>
+  <p:clrMapOvr>
+    <a:masterClrMapping/>
+  </p:clrMapOvr>
+</p:notes>
+</file>
+
+<file path=ppt/notesSlides/notesSlide5.xml><?xml version="1.0" encoding="utf-8"?>
 <p:notes xmlns:a="http://schemas.openxmlformats.org/drawingml/2006/main" xmlns:p="http://schemas.openxmlformats.org/presentationml/2006/main" xmlns:r="http://schemas.openxmlformats.org/officeDocument/2006/relationships">
   <p:cSld>
     <p:spTree>
@@ -3310,7 +3361,7 @@
           <a:lstStyle/>
           <a:p>
             <a:r>
-              <a:t>[Presenter Name] | November 15, 2025</a:t>
+              <a:t>Alison Smith | November 16, 2025</a:t>
             </a:r>
           </a:p>
         </p:txBody>
@@ -3348,6 +3399,174 @@
 </file>
 
 <file path=ppt/slides/slide10.xml><?xml version="1.0" encoding="utf-8"?>
+<p:sld xmlns:a="http://schemas.openxmlformats.org/drawingml/2006/main" xmlns:p="http://schemas.openxmlformats.org/presentationml/2006/main" xmlns:r="http://schemas.openxmlformats.org/officeDocument/2006/relationships">
+  <p:cSld>
+    <p:spTree>
+      <p:nvGrpSpPr>
+        <p:cNvPr id="1" name=""/>
+        <p:cNvGrpSpPr/>
+        <p:nvPr/>
+      </p:nvGrpSpPr>
+      <p:grpSpPr/>
+      <p:sp>
+        <p:nvSpPr>
+          <p:cNvPr id="2" name="Text Placeholder 1"/>
+          <p:cNvSpPr>
+            <a:spLocks noGrp="1"/>
+          </p:cNvSpPr>
+          <p:nvPr>
+            <p:ph type="body" idx="10" sz="quarter"/>
+          </p:nvPr>
+        </p:nvSpPr>
+        <p:spPr/>
+        <p:txBody>
+          <a:bodyPr/>
+          <a:lstStyle/>
+          <a:p>
+            <a:r>
+              <a:t>Next Steps</a:t>
+            </a:r>
+          </a:p>
+        </p:txBody>
+      </p:sp>
+      <p:pic>
+        <p:nvPicPr>
+          <p:cNvPr id="3" name="Picture Placeholder 2" descr="consulting_company_logo.png"/>
+          <p:cNvPicPr>
+            <a:picLocks noGrp="1" noChangeAspect="1"/>
+          </p:cNvPicPr>
+          <p:nvPr>
+            <p:ph type="pic" idx="13" sz="quarter"/>
+          </p:nvPr>
+        </p:nvPicPr>
+        <p:blipFill>
+          <a:blip r:embed="rId2"/>
+          <a:srcRect t="6762" b="6762"/>
+          <a:stretch>
+            <a:fillRect/>
+          </a:stretch>
+        </p:blipFill>
+        <p:spPr/>
+      </p:pic>
+      <p:sp>
+        <p:nvSpPr>
+          <p:cNvPr id="4" name="Text Placeholder 3"/>
+          <p:cNvSpPr>
+            <a:spLocks noGrp="1"/>
+          </p:cNvSpPr>
+          <p:nvPr>
+            <p:ph type="body" idx="14" sz="quarter"/>
+          </p:nvPr>
+        </p:nvSpPr>
+        <p:spPr/>
+        <p:txBody>
+          <a:bodyPr/>
+          <a:lstStyle/>
+          <a:p>
+            <a:pPr/>
+            <a:r>
+              <a:rPr b="1"/>
+              <a:t>Decision:</a:t>
+            </a:r>
+            <a:r>
+              <a:t> Confirm DevOps platform investment by [specific date]</a:t>
+            </a:r>
+          </a:p>
+          <a:p>
+            <a:pPr/>
+            <a:r>
+              <a:rPr b="1"/>
+              <a:t>Kickoff:</a:t>
+            </a:r>
+            <a:r>
+              <a:t> Target project start in [Month]</a:t>
+            </a:r>
+          </a:p>
+          <a:p>
+            <a:pPr/>
+            <a:r>
+              <a:rPr b="1"/>
+              <a:t>Team Formation:</a:t>
+            </a:r>
+            <a:r>
+              <a:t> Identify platform owner and pilot team</a:t>
+            </a:r>
+          </a:p>
+          <a:p>
+            <a:pPr/>
+            <a:r>
+              <a:rPr b="1"/>
+              <a:t>Week 1:</a:t>
+            </a:r>
+            <a:r>
+              <a:t> Contract finalization and Azure DevOps organization setup</a:t>
+            </a:r>
+          </a:p>
+          <a:p>
+            <a:pPr/>
+            <a:r>
+              <a:rPr b="1"/>
+              <a:t>Week 2:</a:t>
+            </a:r>
+            <a:r>
+              <a:t> Current state assessment and stakeholder interviews</a:t>
+            </a:r>
+          </a:p>
+          <a:p>
+            <a:pPr/>
+            <a:r>
+              <a:rPr b="1"/>
+              <a:t>Week 3:</a:t>
+            </a:r>
+            <a:r>
+              <a:t> Pipeline strategy workshop with development leads</a:t>
+            </a:r>
+          </a:p>
+          <a:p>
+            <a:pPr/>
+            <a:r>
+              <a:rPr b="1"/>
+              <a:t>Week 4:</a:t>
+            </a:r>
+            <a:r>
+              <a:t> Pilot project selection and migration planning</a:t>
+            </a:r>
+          </a:p>
+        </p:txBody>
+      </p:sp>
+      <p:pic>
+        <p:nvPicPr>
+          <p:cNvPr id="5" name="Picture 4" descr="eo-framework-logo-real.png"/>
+          <p:cNvPicPr>
+            <a:picLocks noChangeAspect="1"/>
+          </p:cNvPicPr>
+          <p:nvPr/>
+        </p:nvPicPr>
+        <p:blipFill>
+          <a:blip r:embed="rId3"/>
+          <a:stretch>
+            <a:fillRect/>
+          </a:stretch>
+        </p:blipFill>
+        <p:spPr>
+          <a:xfrm>
+            <a:off x="6684264" y="4535424"/>
+            <a:ext cx="2139696" cy="530352"/>
+          </a:xfrm>
+          <a:prstGeom prst="rect">
+            <a:avLst/>
+          </a:prstGeom>
+        </p:spPr>
+      </p:pic>
+    </p:spTree>
+  </p:cSld>
+  <p:clrMapOvr>
+    <a:masterClrMapping/>
+  </p:clrMapOvr>
+</p:sld>
+</file>
+
+<file path=ppt/slides/slide11.xml><?xml version="1.0" encoding="utf-8"?>
 <p:sld xmlns:a="http://schemas.openxmlformats.org/drawingml/2006/main" xmlns:p="http://schemas.openxmlformats.org/presentationml/2006/main" xmlns:r="http://schemas.openxmlformats.org/officeDocument/2006/relationships">
   <p:cSld>
     <p:spTree>
@@ -3565,19 +3784,19 @@
           <a:p>
             <a:pPr lvl="1"/>
             <a:r>
-              <a:t>Reduce time-to-market by 10x through automated CI/CD pipelines and orchestration</a:t>
+              <a:t>Reduce time-to-market with automated build and release pipelines that eliminate manual deployment bottlenecks</a:t>
             </a:r>
           </a:p>
           <a:p>
             <a:pPr lvl="1"/>
             <a:r>
-              <a:t>Achieve 99%+ deployment success rates and eliminate manual deployment errors</a:t>
+              <a:t>Improve team productivity through centralized code management and streamlined collaboration workflows</a:t>
             </a:r>
           </a:p>
           <a:p>
             <a:pPr lvl="1"/>
             <a:r>
-              <a:t>Enable development teams to ship code safely with built-in security and compliance controls</a:t>
+              <a:t>Increase software quality and reliability with consistent testing and deployment practices across all projects</a:t>
             </a:r>
           </a:p>
         </p:txBody>
@@ -3606,19 +3825,19 @@
           <a:p>
             <a:pPr lvl="1"/>
             <a:r>
-              <a:t>Deploy to production 10+ times per day with zero-downtime releases</a:t>
+              <a:t>Achieve 70% reduction in deployment time within 6 months with fully automated pipelines</a:t>
             </a:r>
           </a:p>
           <a:p>
             <a:pPr lvl="1"/>
             <a:r>
-              <a:t>Reduce manual deployment effort by 90% through pipeline automation</a:t>
+              <a:t>Standardize development practices across all teams with 100% adoption of unified tooling</a:t>
             </a:r>
           </a:p>
           <a:p>
             <a:pPr lvl="1"/>
             <a:r>
-              <a:t>ROI realization within 6-12 months through improved productivity and reduced firefighting</a:t>
+              <a:t>Establish foundation for continuous delivery enabling multiple production releases per day</a:t>
             </a:r>
           </a:p>
         </p:txBody>
@@ -3680,6 +3899,1032 @@
           <a:bodyPr/>
           <a:lstStyle/>
           <a:p>
+            <a:pPr algn="l"/>
+            <a:r>
+              <a:rPr b="1"/>
+              <a:t>Engagement Scope</a:t>
+            </a:r>
+          </a:p>
+        </p:txBody>
+      </p:sp>
+      <p:pic>
+        <p:nvPicPr>
+          <p:cNvPr id="3" name="Picture Placeholder 2" descr="consulting_company_logo.png"/>
+          <p:cNvPicPr>
+            <a:picLocks noGrp="1" noChangeAspect="1"/>
+          </p:cNvPicPr>
+          <p:nvPr>
+            <p:ph type="pic" idx="13" sz="quarter"/>
+          </p:nvPr>
+        </p:nvPicPr>
+        <p:blipFill>
+          <a:blip r:embed="rId2"/>
+          <a:srcRect t="6404" b="6404"/>
+          <a:stretch>
+            <a:fillRect/>
+          </a:stretch>
+        </p:blipFill>
+        <p:spPr/>
+      </p:pic>
+      <p:graphicFrame>
+        <p:nvGraphicFramePr>
+          <p:cNvPr id="4" name="Table Placeholder 3"/>
+          <p:cNvGraphicFramePr>
+            <a:graphicFrameLocks noGrp="1"/>
+          </p:cNvGraphicFramePr>
+          <p:nvPr>
+            <p:ph type="tbl" idx="14" sz="quarter"/>
+          </p:nvPr>
+        </p:nvGraphicFramePr>
+        <p:xfrm>
+          <a:off x="256855" y="677011"/>
+          <a:ext cx="8710931" cy="6304280"/>
+        </p:xfrm>
+        <a:graphic>
+          <a:graphicData uri="http://schemas.openxmlformats.org/drawingml/2006/table">
+            <a:tbl>
+              <a:tblPr firstRow="1" bandRow="1">
+                <a:tableStyleId>{5C22544A-7EE6-4342-B048-85BDC9FD1C3A}</a:tableStyleId>
+              </a:tblPr>
+              <a:tblGrid>
+                <a:gridCol w="2613279"/>
+                <a:gridCol w="3048826"/>
+                <a:gridCol w="3048826"/>
+              </a:tblGrid>
+              <a:tr h="370840">
+                <a:tc>
+                  <a:txBody>
+                    <a:bodyPr/>
+                    <a:lstStyle/>
+                    <a:p>
+                      <a:r>
+                        <a:rPr sz="1400">
+                          <a:solidFill>
+                            <a:srgbClr val="FFFFFF"/>
+                          </a:solidFill>
+                        </a:rPr>
+                        <a:t>Category</a:t>
+                      </a:r>
+                    </a:p>
+                  </a:txBody>
+                  <a:tcPr>
+                    <a:solidFill>
+                      <a:srgbClr val="A01C02"/>
+                    </a:solidFill>
+                  </a:tcPr>
+                </a:tc>
+                <a:tc>
+                  <a:txBody>
+                    <a:bodyPr/>
+                    <a:lstStyle/>
+                    <a:p>
+                      <a:r>
+                        <a:rPr sz="1400">
+                          <a:solidFill>
+                            <a:srgbClr val="FFFFFF"/>
+                          </a:solidFill>
+                        </a:rPr>
+                        <a:t>Parameter</a:t>
+                      </a:r>
+                    </a:p>
+                  </a:txBody>
+                  <a:tcPr>
+                    <a:solidFill>
+                      <a:srgbClr val="A01C02"/>
+                    </a:solidFill>
+                  </a:tcPr>
+                </a:tc>
+                <a:tc>
+                  <a:txBody>
+                    <a:bodyPr/>
+                    <a:lstStyle/>
+                    <a:p>
+                      <a:r>
+                        <a:rPr sz="1400">
+                          <a:solidFill>
+                            <a:srgbClr val="FFFFFF"/>
+                          </a:solidFill>
+                        </a:rPr>
+                        <a:t>Scope</a:t>
+                      </a:r>
+                    </a:p>
+                  </a:txBody>
+                  <a:tcPr>
+                    <a:solidFill>
+                      <a:srgbClr val="A01C02"/>
+                    </a:solidFill>
+                  </a:tcPr>
+                </a:tc>
+              </a:tr>
+              <a:tr h="370840">
+                <a:tc>
+                  <a:txBody>
+                    <a:bodyPr/>
+                    <a:lstStyle/>
+                    <a:p>
+                      <a:r>
+                        <a:rPr sz="1100"/>
+                        <a:t>Solution Scope</a:t>
+                      </a:r>
+                    </a:p>
+                  </a:txBody>
+                  <a:tcPr>
+                    <a:solidFill>
+                      <a:srgbClr val="E7E6E6"/>
+                    </a:solidFill>
+                  </a:tcPr>
+                </a:tc>
+                <a:tc>
+                  <a:txBody>
+                    <a:bodyPr/>
+                    <a:lstStyle/>
+                    <a:p>
+                      <a:r>
+                        <a:rPr sz="1100"/>
+                        <a:t>Projects/Repositories</a:t>
+                      </a:r>
+                    </a:p>
+                  </a:txBody>
+                  <a:tcPr>
+                    <a:solidFill>
+                      <a:srgbClr val="E7E6E6"/>
+                    </a:solidFill>
+                  </a:tcPr>
+                </a:tc>
+                <a:tc>
+                  <a:txBody>
+                    <a:bodyPr/>
+                    <a:lstStyle/>
+                    <a:p>
+                      <a:r>
+                        <a:rPr sz="1100"/>
+                        <a:t>10-20 repositories</a:t>
+                      </a:r>
+                    </a:p>
+                  </a:txBody>
+                  <a:tcPr>
+                    <a:solidFill>
+                      <a:srgbClr val="E7E6E6"/>
+                    </a:solidFill>
+                  </a:tcPr>
+                </a:tc>
+              </a:tr>
+              <a:tr h="370840">
+                <a:tc>
+                  <a:txBody>
+                    <a:bodyPr/>
+                    <a:lstStyle/>
+                    <a:p>
+                      <a:r>
+                        <a:rPr sz="1100"/>
+                        <a:t>Solution Scope</a:t>
+                      </a:r>
+                    </a:p>
+                  </a:txBody>
+                  <a:tcPr>
+                    <a:solidFill>
+                      <a:srgbClr val="E7E6E6"/>
+                    </a:solidFill>
+                  </a:tcPr>
+                </a:tc>
+                <a:tc>
+                  <a:txBody>
+                    <a:bodyPr/>
+                    <a:lstStyle/>
+                    <a:p>
+                      <a:r>
+                        <a:rPr sz="1100"/>
+                        <a:t>CI/CD Pipelines</a:t>
+                      </a:r>
+                    </a:p>
+                  </a:txBody>
+                  <a:tcPr>
+                    <a:solidFill>
+                      <a:srgbClr val="E7E6E6"/>
+                    </a:solidFill>
+                  </a:tcPr>
+                </a:tc>
+                <a:tc>
+                  <a:txBody>
+                    <a:bodyPr/>
+                    <a:lstStyle/>
+                    <a:p>
+                      <a:r>
+                        <a:rPr sz="1100"/>
+                        <a:t>25-50 pipelines</a:t>
+                      </a:r>
+                    </a:p>
+                  </a:txBody>
+                  <a:tcPr>
+                    <a:solidFill>
+                      <a:srgbClr val="E7E6E6"/>
+                    </a:solidFill>
+                  </a:tcPr>
+                </a:tc>
+              </a:tr>
+              <a:tr h="370840">
+                <a:tc>
+                  <a:txBody>
+                    <a:bodyPr/>
+                    <a:lstStyle/>
+                    <a:p>
+                      <a:r>
+                        <a:rPr sz="1100"/>
+                        <a:t>Integration</a:t>
+                      </a:r>
+                    </a:p>
+                  </a:txBody>
+                  <a:tcPr>
+                    <a:solidFill>
+                      <a:srgbClr val="E7E6E6"/>
+                    </a:solidFill>
+                  </a:tcPr>
+                </a:tc>
+                <a:tc>
+                  <a:txBody>
+                    <a:bodyPr/>
+                    <a:lstStyle/>
+                    <a:p>
+                      <a:r>
+                        <a:rPr sz="1100"/>
+                        <a:t>External Integrations</a:t>
+                      </a:r>
+                    </a:p>
+                  </a:txBody>
+                  <a:tcPr>
+                    <a:solidFill>
+                      <a:srgbClr val="E7E6E6"/>
+                    </a:solidFill>
+                  </a:tcPr>
+                </a:tc>
+                <a:tc>
+                  <a:txBody>
+                    <a:bodyPr/>
+                    <a:lstStyle/>
+                    <a:p>
+                      <a:r>
+                        <a:rPr sz="1100"/>
+                        <a:t>GitHub SonarQube Artifactory</a:t>
+                      </a:r>
+                    </a:p>
+                  </a:txBody>
+                  <a:tcPr>
+                    <a:solidFill>
+                      <a:srgbClr val="E7E6E6"/>
+                    </a:solidFill>
+                  </a:tcPr>
+                </a:tc>
+              </a:tr>
+              <a:tr h="370840">
+                <a:tc>
+                  <a:txBody>
+                    <a:bodyPr/>
+                    <a:lstStyle/>
+                    <a:p>
+                      <a:r>
+                        <a:rPr sz="1100"/>
+                        <a:t>Integration</a:t>
+                      </a:r>
+                    </a:p>
+                  </a:txBody>
+                  <a:tcPr>
+                    <a:solidFill>
+                      <a:srgbClr val="E7E6E6"/>
+                    </a:solidFill>
+                  </a:tcPr>
+                </a:tc>
+                <a:tc>
+                  <a:txBody>
+                    <a:bodyPr/>
+                    <a:lstStyle/>
+                    <a:p>
+                      <a:r>
+                        <a:rPr sz="1100"/>
+                        <a:t>Deployment Targets</a:t>
+                      </a:r>
+                    </a:p>
+                  </a:txBody>
+                  <a:tcPr>
+                    <a:solidFill>
+                      <a:srgbClr val="E7E6E6"/>
+                    </a:solidFill>
+                  </a:tcPr>
+                </a:tc>
+                <a:tc>
+                  <a:txBody>
+                    <a:bodyPr/>
+                    <a:lstStyle/>
+                    <a:p>
+                      <a:r>
+                        <a:rPr sz="1100"/>
+                        <a:t>Azure Kubernetes Service VMs</a:t>
+                      </a:r>
+                    </a:p>
+                  </a:txBody>
+                  <a:tcPr>
+                    <a:solidFill>
+                      <a:srgbClr val="E7E6E6"/>
+                    </a:solidFill>
+                  </a:tcPr>
+                </a:tc>
+              </a:tr>
+              <a:tr h="370840">
+                <a:tc>
+                  <a:txBody>
+                    <a:bodyPr/>
+                    <a:lstStyle/>
+                    <a:p>
+                      <a:r>
+                        <a:rPr sz="1100"/>
+                        <a:t>User Base</a:t>
+                      </a:r>
+                    </a:p>
+                  </a:txBody>
+                  <a:tcPr>
+                    <a:solidFill>
+                      <a:srgbClr val="E7E6E6"/>
+                    </a:solidFill>
+                  </a:tcPr>
+                </a:tc>
+                <a:tc>
+                  <a:txBody>
+                    <a:bodyPr/>
+                    <a:lstStyle/>
+                    <a:p>
+                      <a:r>
+                        <a:rPr sz="1100"/>
+                        <a:t>Total Users</a:t>
+                      </a:r>
+                    </a:p>
+                  </a:txBody>
+                  <a:tcPr>
+                    <a:solidFill>
+                      <a:srgbClr val="E7E6E6"/>
+                    </a:solidFill>
+                  </a:tcPr>
+                </a:tc>
+                <a:tc>
+                  <a:txBody>
+                    <a:bodyPr/>
+                    <a:lstStyle/>
+                    <a:p>
+                      <a:r>
+                        <a:rPr sz="1100"/>
+                        <a:t>50 developers</a:t>
+                      </a:r>
+                    </a:p>
+                  </a:txBody>
+                  <a:tcPr>
+                    <a:solidFill>
+                      <a:srgbClr val="E7E6E6"/>
+                    </a:solidFill>
+                  </a:tcPr>
+                </a:tc>
+              </a:tr>
+              <a:tr h="370840">
+                <a:tc>
+                  <a:txBody>
+                    <a:bodyPr/>
+                    <a:lstStyle/>
+                    <a:p>
+                      <a:r>
+                        <a:rPr sz="1100"/>
+                        <a:t>User Base</a:t>
+                      </a:r>
+                    </a:p>
+                  </a:txBody>
+                  <a:tcPr>
+                    <a:solidFill>
+                      <a:srgbClr val="E7E6E6"/>
+                    </a:solidFill>
+                  </a:tcPr>
+                </a:tc>
+                <a:tc>
+                  <a:txBody>
+                    <a:bodyPr/>
+                    <a:lstStyle/>
+                    <a:p>
+                      <a:r>
+                        <a:rPr sz="1100"/>
+                        <a:t>User Roles</a:t>
+                      </a:r>
+                    </a:p>
+                  </a:txBody>
+                  <a:tcPr>
+                    <a:solidFill>
+                      <a:srgbClr val="E7E6E6"/>
+                    </a:solidFill>
+                  </a:tcPr>
+                </a:tc>
+                <a:tc>
+                  <a:txBody>
+                    <a:bodyPr/>
+                    <a:lstStyle/>
+                    <a:p>
+                      <a:r>
+                        <a:rPr sz="1100"/>
+                        <a:t>4 roles (dev lead ops admin)</a:t>
+                      </a:r>
+                    </a:p>
+                  </a:txBody>
+                  <a:tcPr>
+                    <a:solidFill>
+                      <a:srgbClr val="E7E6E6"/>
+                    </a:solidFill>
+                  </a:tcPr>
+                </a:tc>
+              </a:tr>
+              <a:tr h="370840">
+                <a:tc>
+                  <a:txBody>
+                    <a:bodyPr/>
+                    <a:lstStyle/>
+                    <a:p>
+                      <a:r>
+                        <a:rPr sz="1100"/>
+                        <a:t>Data Volume</a:t>
+                      </a:r>
+                    </a:p>
+                  </a:txBody>
+                  <a:tcPr>
+                    <a:solidFill>
+                      <a:srgbClr val="E7E6E6"/>
+                    </a:solidFill>
+                  </a:tcPr>
+                </a:tc>
+                <a:tc>
+                  <a:txBody>
+                    <a:bodyPr/>
+                    <a:lstStyle/>
+                    <a:p>
+                      <a:r>
+                        <a:rPr sz="1100"/>
+                        <a:t>Build Artifacts</a:t>
+                      </a:r>
+                    </a:p>
+                  </a:txBody>
+                  <a:tcPr>
+                    <a:solidFill>
+                      <a:srgbClr val="E7E6E6"/>
+                    </a:solidFill>
+                  </a:tcPr>
+                </a:tc>
+                <a:tc>
+                  <a:txBody>
+                    <a:bodyPr/>
+                    <a:lstStyle/>
+                    <a:p>
+                      <a:r>
+                        <a:rPr sz="1100"/>
+                        <a:t>100 GB storage</a:t>
+                      </a:r>
+                    </a:p>
+                  </a:txBody>
+                  <a:tcPr>
+                    <a:solidFill>
+                      <a:srgbClr val="E7E6E6"/>
+                    </a:solidFill>
+                  </a:tcPr>
+                </a:tc>
+              </a:tr>
+              <a:tr h="370840">
+                <a:tc>
+                  <a:txBody>
+                    <a:bodyPr/>
+                    <a:lstStyle/>
+                    <a:p>
+                      <a:r>
+                        <a:rPr sz="1100"/>
+                        <a:t>Data Volume</a:t>
+                      </a:r>
+                    </a:p>
+                  </a:txBody>
+                  <a:tcPr>
+                    <a:solidFill>
+                      <a:srgbClr val="E7E6E6"/>
+                    </a:solidFill>
+                  </a:tcPr>
+                </a:tc>
+                <a:tc>
+                  <a:txBody>
+                    <a:bodyPr/>
+                    <a:lstStyle/>
+                    <a:p>
+                      <a:r>
+                        <a:rPr sz="1100"/>
+                        <a:t>Pipeline Runs</a:t>
+                      </a:r>
+                    </a:p>
+                  </a:txBody>
+                  <a:tcPr>
+                    <a:solidFill>
+                      <a:srgbClr val="E7E6E6"/>
+                    </a:solidFill>
+                  </a:tcPr>
+                </a:tc>
+                <a:tc>
+                  <a:txBody>
+                    <a:bodyPr/>
+                    <a:lstStyle/>
+                    <a:p>
+                      <a:r>
+                        <a:rPr sz="1100"/>
+                        <a:t>500 runs/month</a:t>
+                      </a:r>
+                    </a:p>
+                  </a:txBody>
+                  <a:tcPr>
+                    <a:solidFill>
+                      <a:srgbClr val="E7E6E6"/>
+                    </a:solidFill>
+                  </a:tcPr>
+                </a:tc>
+              </a:tr>
+              <a:tr h="370840">
+                <a:tc>
+                  <a:txBody>
+                    <a:bodyPr/>
+                    <a:lstStyle/>
+                    <a:p>
+                      <a:r>
+                        <a:rPr sz="1100"/>
+                        <a:t>Technical Environment</a:t>
+                      </a:r>
+                    </a:p>
+                  </a:txBody>
+                  <a:tcPr>
+                    <a:solidFill>
+                      <a:srgbClr val="E7E6E6"/>
+                    </a:solidFill>
+                  </a:tcPr>
+                </a:tc>
+                <a:tc>
+                  <a:txBody>
+                    <a:bodyPr/>
+                    <a:lstStyle/>
+                    <a:p>
+                      <a:r>
+                        <a:rPr sz="1100"/>
+                        <a:t>Deployment Regions</a:t>
+                      </a:r>
+                    </a:p>
+                  </a:txBody>
+                  <a:tcPr>
+                    <a:solidFill>
+                      <a:srgbClr val="E7E6E6"/>
+                    </a:solidFill>
+                  </a:tcPr>
+                </a:tc>
+                <a:tc>
+                  <a:txBody>
+                    <a:bodyPr/>
+                    <a:lstStyle/>
+                    <a:p>
+                      <a:r>
+                        <a:rPr sz="1100"/>
+                        <a:t>Single Azure region</a:t>
+                      </a:r>
+                    </a:p>
+                  </a:txBody>
+                  <a:tcPr>
+                    <a:solidFill>
+                      <a:srgbClr val="E7E6E6"/>
+                    </a:solidFill>
+                  </a:tcPr>
+                </a:tc>
+              </a:tr>
+              <a:tr h="370840">
+                <a:tc>
+                  <a:txBody>
+                    <a:bodyPr/>
+                    <a:lstStyle/>
+                    <a:p>
+                      <a:r>
+                        <a:rPr sz="1100"/>
+                        <a:t>Technical Environment</a:t>
+                      </a:r>
+                    </a:p>
+                  </a:txBody>
+                  <a:tcPr>
+                    <a:solidFill>
+                      <a:srgbClr val="E7E6E6"/>
+                    </a:solidFill>
+                  </a:tcPr>
+                </a:tc>
+                <a:tc>
+                  <a:txBody>
+                    <a:bodyPr/>
+                    <a:lstStyle/>
+                    <a:p>
+                      <a:r>
+                        <a:rPr sz="1100"/>
+                        <a:t>Availability Requirements</a:t>
+                      </a:r>
+                    </a:p>
+                  </a:txBody>
+                  <a:tcPr>
+                    <a:solidFill>
+                      <a:srgbClr val="E7E6E6"/>
+                    </a:solidFill>
+                  </a:tcPr>
+                </a:tc>
+                <a:tc>
+                  <a:txBody>
+                    <a:bodyPr/>
+                    <a:lstStyle/>
+                    <a:p>
+                      <a:r>
+                        <a:rPr sz="1100"/>
+                        <a:t>Standard (99.5%)</a:t>
+                      </a:r>
+                    </a:p>
+                  </a:txBody>
+                  <a:tcPr>
+                    <a:solidFill>
+                      <a:srgbClr val="E7E6E6"/>
+                    </a:solidFill>
+                  </a:tcPr>
+                </a:tc>
+              </a:tr>
+              <a:tr h="370840">
+                <a:tc>
+                  <a:txBody>
+                    <a:bodyPr/>
+                    <a:lstStyle/>
+                    <a:p>
+                      <a:r>
+                        <a:rPr sz="1100"/>
+                        <a:t>Technical Environment</a:t>
+                      </a:r>
+                    </a:p>
+                  </a:txBody>
+                  <a:tcPr>
+                    <a:solidFill>
+                      <a:srgbClr val="E7E6E6"/>
+                    </a:solidFill>
+                  </a:tcPr>
+                </a:tc>
+                <a:tc>
+                  <a:txBody>
+                    <a:bodyPr/>
+                    <a:lstStyle/>
+                    <a:p>
+                      <a:r>
+                        <a:rPr sz="1100"/>
+                        <a:t>Infrastructure Complexity</a:t>
+                      </a:r>
+                    </a:p>
+                  </a:txBody>
+                  <a:tcPr>
+                    <a:solidFill>
+                      <a:srgbClr val="E7E6E6"/>
+                    </a:solidFill>
+                  </a:tcPr>
+                </a:tc>
+                <a:tc>
+                  <a:txBody>
+                    <a:bodyPr/>
+                    <a:lstStyle/>
+                    <a:p>
+                      <a:r>
+                        <a:rPr sz="1100"/>
+                        <a:t>Azure DevOps + self-hosted agents</a:t>
+                      </a:r>
+                    </a:p>
+                  </a:txBody>
+                  <a:tcPr>
+                    <a:solidFill>
+                      <a:srgbClr val="E7E6E6"/>
+                    </a:solidFill>
+                  </a:tcPr>
+                </a:tc>
+              </a:tr>
+              <a:tr h="370840">
+                <a:tc>
+                  <a:txBody>
+                    <a:bodyPr/>
+                    <a:lstStyle/>
+                    <a:p>
+                      <a:r>
+                        <a:rPr sz="1100"/>
+                        <a:t>Security &amp; Compliance</a:t>
+                      </a:r>
+                    </a:p>
+                  </a:txBody>
+                  <a:tcPr>
+                    <a:solidFill>
+                      <a:srgbClr val="E7E6E6"/>
+                    </a:solidFill>
+                  </a:tcPr>
+                </a:tc>
+                <a:tc>
+                  <a:txBody>
+                    <a:bodyPr/>
+                    <a:lstStyle/>
+                    <a:p>
+                      <a:r>
+                        <a:rPr sz="1100"/>
+                        <a:t>Security Requirements</a:t>
+                      </a:r>
+                    </a:p>
+                  </a:txBody>
+                  <a:tcPr>
+                    <a:solidFill>
+                      <a:srgbClr val="E7E6E6"/>
+                    </a:solidFill>
+                  </a:tcPr>
+                </a:tc>
+                <a:tc>
+                  <a:txBody>
+                    <a:bodyPr/>
+                    <a:lstStyle/>
+                    <a:p>
+                      <a:r>
+                        <a:rPr sz="1100"/>
+                        <a:t>Service connections branch policies</a:t>
+                      </a:r>
+                    </a:p>
+                  </a:txBody>
+                  <a:tcPr>
+                    <a:solidFill>
+                      <a:srgbClr val="E7E6E6"/>
+                    </a:solidFill>
+                  </a:tcPr>
+                </a:tc>
+              </a:tr>
+              <a:tr h="370840">
+                <a:tc>
+                  <a:txBody>
+                    <a:bodyPr/>
+                    <a:lstStyle/>
+                    <a:p>
+                      <a:r>
+                        <a:rPr sz="1100"/>
+                        <a:t>Security &amp; Compliance</a:t>
+                      </a:r>
+                    </a:p>
+                  </a:txBody>
+                  <a:tcPr>
+                    <a:solidFill>
+                      <a:srgbClr val="E7E6E6"/>
+                    </a:solidFill>
+                  </a:tcPr>
+                </a:tc>
+                <a:tc>
+                  <a:txBody>
+                    <a:bodyPr/>
+                    <a:lstStyle/>
+                    <a:p>
+                      <a:r>
+                        <a:rPr sz="1100"/>
+                        <a:t>Compliance Frameworks</a:t>
+                      </a:r>
+                    </a:p>
+                  </a:txBody>
+                  <a:tcPr>
+                    <a:solidFill>
+                      <a:srgbClr val="E7E6E6"/>
+                    </a:solidFill>
+                  </a:tcPr>
+                </a:tc>
+                <a:tc>
+                  <a:txBody>
+                    <a:bodyPr/>
+                    <a:lstStyle/>
+                    <a:p>
+                      <a:r>
+                        <a:rPr sz="1100"/>
+                        <a:t>SOC2</a:t>
+                      </a:r>
+                    </a:p>
+                  </a:txBody>
+                  <a:tcPr>
+                    <a:solidFill>
+                      <a:srgbClr val="E7E6E6"/>
+                    </a:solidFill>
+                  </a:tcPr>
+                </a:tc>
+              </a:tr>
+              <a:tr h="370840">
+                <a:tc>
+                  <a:txBody>
+                    <a:bodyPr/>
+                    <a:lstStyle/>
+                    <a:p>
+                      <a:r>
+                        <a:rPr sz="1100"/>
+                        <a:t>Performance</a:t>
+                      </a:r>
+                    </a:p>
+                  </a:txBody>
+                  <a:tcPr>
+                    <a:solidFill>
+                      <a:srgbClr val="E7E6E6"/>
+                    </a:solidFill>
+                  </a:tcPr>
+                </a:tc>
+                <a:tc>
+                  <a:txBody>
+                    <a:bodyPr/>
+                    <a:lstStyle/>
+                    <a:p>
+                      <a:r>
+                        <a:rPr sz="1100"/>
+                        <a:t>Build Performance</a:t>
+                      </a:r>
+                    </a:p>
+                  </a:txBody>
+                  <a:tcPr>
+                    <a:solidFill>
+                      <a:srgbClr val="E7E6E6"/>
+                    </a:solidFill>
+                  </a:tcPr>
+                </a:tc>
+                <a:tc>
+                  <a:txBody>
+                    <a:bodyPr/>
+                    <a:lstStyle/>
+                    <a:p>
+                      <a:r>
+                        <a:rPr sz="1100"/>
+                        <a:t>Standard build times</a:t>
+                      </a:r>
+                    </a:p>
+                  </a:txBody>
+                  <a:tcPr>
+                    <a:solidFill>
+                      <a:srgbClr val="E7E6E6"/>
+                    </a:solidFill>
+                  </a:tcPr>
+                </a:tc>
+              </a:tr>
+              <a:tr h="370840">
+                <a:tc>
+                  <a:txBody>
+                    <a:bodyPr/>
+                    <a:lstStyle/>
+                    <a:p>
+                      <a:r>
+                        <a:rPr sz="1100"/>
+                        <a:t>Performance</a:t>
+                      </a:r>
+                    </a:p>
+                  </a:txBody>
+                  <a:tcPr>
+                    <a:solidFill>
+                      <a:srgbClr val="E7E6E6"/>
+                    </a:solidFill>
+                  </a:tcPr>
+                </a:tc>
+                <a:tc>
+                  <a:txBody>
+                    <a:bodyPr/>
+                    <a:lstStyle/>
+                    <a:p>
+                      <a:r>
+                        <a:rPr sz="1100"/>
+                        <a:t>Deployment Frequency</a:t>
+                      </a:r>
+                    </a:p>
+                  </a:txBody>
+                  <a:tcPr>
+                    <a:solidFill>
+                      <a:srgbClr val="E7E6E6"/>
+                    </a:solidFill>
+                  </a:tcPr>
+                </a:tc>
+                <a:tc>
+                  <a:txBody>
+                    <a:bodyPr/>
+                    <a:lstStyle/>
+                    <a:p>
+                      <a:r>
+                        <a:rPr sz="1100"/>
+                        <a:t>Daily deployments</a:t>
+                      </a:r>
+                    </a:p>
+                  </a:txBody>
+                  <a:tcPr>
+                    <a:solidFill>
+                      <a:srgbClr val="E7E6E6"/>
+                    </a:solidFill>
+                  </a:tcPr>
+                </a:tc>
+              </a:tr>
+              <a:tr h="370840">
+                <a:tc>
+                  <a:txBody>
+                    <a:bodyPr/>
+                    <a:lstStyle/>
+                    <a:p>
+                      <a:r>
+                        <a:rPr sz="1100"/>
+                        <a:t>Environment</a:t>
+                      </a:r>
+                    </a:p>
+                  </a:txBody>
+                  <a:tcPr>
+                    <a:solidFill>
+                      <a:srgbClr val="E7E6E6"/>
+                    </a:solidFill>
+                  </a:tcPr>
+                </a:tc>
+                <a:tc>
+                  <a:txBody>
+                    <a:bodyPr/>
+                    <a:lstStyle/>
+                    <a:p>
+                      <a:r>
+                        <a:rPr sz="1100"/>
+                        <a:t>Deployment Environments</a:t>
+                      </a:r>
+                    </a:p>
+                  </a:txBody>
+                  <a:tcPr>
+                    <a:solidFill>
+                      <a:srgbClr val="E7E6E6"/>
+                    </a:solidFill>
+                  </a:tcPr>
+                </a:tc>
+                <a:tc>
+                  <a:txBody>
+                    <a:bodyPr/>
+                    <a:lstStyle/>
+                    <a:p>
+                      <a:r>
+                        <a:rPr sz="1100"/>
+                        <a:t>3 environments (dev staging prod)</a:t>
+                      </a:r>
+                    </a:p>
+                  </a:txBody>
+                  <a:tcPr>
+                    <a:solidFill>
+                      <a:srgbClr val="E7E6E6"/>
+                    </a:solidFill>
+                  </a:tcPr>
+                </a:tc>
+              </a:tr>
+            </a:tbl>
+          </a:graphicData>
+        </a:graphic>
+      </p:graphicFrame>
+      <p:pic>
+        <p:nvPicPr>
+          <p:cNvPr id="5" name="Picture 4" descr="eo-framework-logo-real.png"/>
+          <p:cNvPicPr>
+            <a:picLocks noChangeAspect="1"/>
+          </p:cNvPicPr>
+          <p:nvPr/>
+        </p:nvPicPr>
+        <p:blipFill>
+          <a:blip r:embed="rId3"/>
+          <a:stretch>
+            <a:fillRect/>
+          </a:stretch>
+        </p:blipFill>
+        <p:spPr>
+          <a:xfrm>
+            <a:off x="6684264" y="4535424"/>
+            <a:ext cx="2139696" cy="530352"/>
+          </a:xfrm>
+          <a:prstGeom prst="rect">
+            <a:avLst/>
+          </a:prstGeom>
+        </p:spPr>
+      </p:pic>
+    </p:spTree>
+  </p:cSld>
+  <p:clrMapOvr>
+    <a:masterClrMapping/>
+  </p:clrMapOvr>
+</p:sld>
+</file>
+
+<file path=ppt/slides/slide4.xml><?xml version="1.0" encoding="utf-8"?>
+<p:sld xmlns:a="http://schemas.openxmlformats.org/drawingml/2006/main" xmlns:p="http://schemas.openxmlformats.org/presentationml/2006/main" xmlns:r="http://schemas.openxmlformats.org/officeDocument/2006/relationships">
+  <p:cSld>
+    <p:spTree>
+      <p:nvGrpSpPr>
+        <p:cNvPr id="1" name=""/>
+        <p:cNvGrpSpPr/>
+        <p:nvPr/>
+      </p:nvGrpSpPr>
+      <p:grpSpPr/>
+      <p:sp>
+        <p:nvSpPr>
+          <p:cNvPr id="2" name="Text Placeholder 1"/>
+          <p:cNvSpPr>
+            <a:spLocks noGrp="1"/>
+          </p:cNvSpPr>
+          <p:nvPr>
+            <p:ph type="body" idx="10" sz="quarter"/>
+          </p:nvPr>
+        </p:nvSpPr>
+        <p:spPr/>
+        <p:txBody>
+          <a:bodyPr/>
+          <a:lstStyle/>
+          <a:p>
             <a:r>
               <a:t>Solution Overview</a:t>
             </a:r>
@@ -3735,57 +4980,68 @@
             <a:pPr/>
             <a:r>
               <a:rPr b="1"/>
-              <a:t>CI/CD Orchestration</a:t>
+              <a:t>Key Components</a:t>
             </a:r>
           </a:p>
           <a:p>
             <a:pPr lvl="1"/>
             <a:r>
-              <a:t>Azure DevOps (Repos + Pipelines) for unified source control and pipeline automation</a:t>
+              <a:rPr b="1"/>
+              <a:t>Azure DevOps Services:</a:t>
+            </a:r>
+            <a:r>
+              <a:t> Central hub for project management, code repositories, and pipeline orchestration</a:t>
             </a:r>
           </a:p>
           <a:p>
             <a:pPr lvl="1"/>
             <a:r>
-              <a:t>Multi-stage pipelines with automated testing, security scanning, and approval workflows</a:t>
+              <a:rPr b="1"/>
+              <a:t>Azure Pipelines:</a:t>
+            </a:r>
+            <a:r>
+              <a:t> Automated build, test, and deployment workflows with multi-stage release management</a:t>
+            </a:r>
+          </a:p>
+          <a:p>
+            <a:pPr lvl="1"/>
+            <a:r>
+              <a:rPr b="1"/>
+              <a:t>Azure Repos &amp; Artifacts:</a:t>
+            </a:r>
+            <a:r>
+              <a:t> Version control for source code with centralized package management</a:t>
             </a:r>
           </a:p>
           <a:p>
             <a:pPr/>
             <a:r>
               <a:rPr b="1"/>
-              <a:t>Container &amp; Deployment</a:t>
+              <a:t>Technology Stack</a:t>
             </a:r>
           </a:p>
           <a:p>
             <a:pPr lvl="1"/>
             <a:r>
-              <a:t>Azure Container Registry for secure image storage and vulnerability scanning</a:t>
+              <a:t>Platform: Azure DevOps Services</a:t>
             </a:r>
           </a:p>
           <a:p>
             <a:pPr lvl="1"/>
             <a:r>
-              <a:t>Azure Kubernetes Service (AKS) for scalable container orchestration and auto-scaling</a:t>
-            </a:r>
-          </a:p>
-          <a:p>
-            <a:pPr/>
-            <a:r>
-              <a:rPr b="1"/>
-              <a:t>Security &amp; Operations</a:t>
+              <a:t>Source Control: Git with Azure Repos</a:t>
             </a:r>
           </a:p>
           <a:p>
             <a:pPr lvl="1"/>
             <a:r>
-              <a:t>Azure Key Vault for centralized secrets management and compliance</a:t>
+              <a:t>Build Automation: YAML-based Azure Pipelines</a:t>
             </a:r>
           </a:p>
           <a:p>
             <a:pPr lvl="1"/>
             <a:r>
-              <a:t>Azure Monitor for comprehensive logging, metrics, and alerting</a:t>
+              <a:t>Package Management: Azure Artifacts feeds</a:t>
             </a:r>
           </a:p>
         </p:txBody>
@@ -3808,179 +5064,6 @@
           <a:xfrm>
             <a:off x="4662488" y="1238400"/>
             <a:ext cx="4337050" cy="2710656"/>
-          </a:xfrm>
-          <a:prstGeom prst="rect">
-            <a:avLst/>
-          </a:prstGeom>
-        </p:spPr>
-      </p:pic>
-    </p:spTree>
-  </p:cSld>
-  <p:clrMapOvr>
-    <a:masterClrMapping/>
-  </p:clrMapOvr>
-</p:sld>
-</file>
-
-<file path=ppt/slides/slide4.xml><?xml version="1.0" encoding="utf-8"?>
-<p:sld xmlns:a="http://schemas.openxmlformats.org/drawingml/2006/main" xmlns:p="http://schemas.openxmlformats.org/presentationml/2006/main" xmlns:r="http://schemas.openxmlformats.org/officeDocument/2006/relationships">
-  <p:cSld>
-    <p:spTree>
-      <p:nvGrpSpPr>
-        <p:cNvPr id="1" name=""/>
-        <p:cNvGrpSpPr/>
-        <p:nvPr/>
-      </p:nvGrpSpPr>
-      <p:grpSpPr/>
-      <p:sp>
-        <p:nvSpPr>
-          <p:cNvPr id="2" name="Text Placeholder 1"/>
-          <p:cNvSpPr>
-            <a:spLocks noGrp="1"/>
-          </p:cNvSpPr>
-          <p:nvPr>
-            <p:ph type="body" idx="10" sz="quarter"/>
-          </p:nvPr>
-        </p:nvSpPr>
-        <p:spPr/>
-        <p:txBody>
-          <a:bodyPr/>
-          <a:lstStyle/>
-          <a:p>
-            <a:r>
-              <a:t>Implementation Approach</a:t>
-            </a:r>
-          </a:p>
-        </p:txBody>
-      </p:sp>
-      <p:pic>
-        <p:nvPicPr>
-          <p:cNvPr id="3" name="Picture Placeholder 2" descr="consulting_company_logo.png"/>
-          <p:cNvPicPr>
-            <a:picLocks noGrp="1" noChangeAspect="1"/>
-          </p:cNvPicPr>
-          <p:nvPr>
-            <p:ph type="pic" idx="13" sz="quarter"/>
-          </p:nvPr>
-        </p:nvPicPr>
-        <p:blipFill>
-          <a:blip r:embed="rId2"/>
-          <a:srcRect t="6762" b="6762"/>
-          <a:stretch>
-            <a:fillRect/>
-          </a:stretch>
-        </p:blipFill>
-        <p:spPr/>
-      </p:pic>
-      <p:sp>
-        <p:nvSpPr>
-          <p:cNvPr id="4" name="Text Placeholder 3"/>
-          <p:cNvSpPr>
-            <a:spLocks noGrp="1"/>
-          </p:cNvSpPr>
-          <p:nvPr>
-            <p:ph type="body" idx="14" sz="quarter"/>
-          </p:nvPr>
-        </p:nvSpPr>
-        <p:spPr/>
-        <p:txBody>
-          <a:bodyPr/>
-          <a:lstStyle/>
-          <a:p>
-            <a:pPr/>
-            <a:r>
-              <a:rPr b="1"/>
-              <a:t>Phase 1: Foundation (Weeks 1-4)</a:t>
-            </a:r>
-          </a:p>
-          <a:p>
-            <a:pPr lvl="1"/>
-            <a:r>
-              <a:t>Azure DevOps repository setup and branching strategy</a:t>
-            </a:r>
-          </a:p>
-          <a:p>
-            <a:pPr lvl="1"/>
-            <a:r>
-              <a:t>Design core CI/CD pipeline framework and reusable templates</a:t>
-            </a:r>
-          </a:p>
-          <a:p>
-            <a:pPr lvl="1"/>
-            <a:r>
-              <a:t>Establish security policies and approval workflows</a:t>
-            </a:r>
-          </a:p>
-          <a:p>
-            <a:pPr/>
-            <a:r>
-              <a:rPr b="1"/>
-              <a:t>Phase 2: Build &amp; Deploy (Weeks 5-8)</a:t>
-            </a:r>
-          </a:p>
-          <a:p>
-            <a:pPr lvl="1"/>
-            <a:r>
-              <a:t>Implement automated testing and security scanning</a:t>
-            </a:r>
-          </a:p>
-          <a:p>
-            <a:pPr lvl="1"/>
-            <a:r>
-              <a:t>Deploy container registry and Kubernetes cluster</a:t>
-            </a:r>
-          </a:p>
-          <a:p>
-            <a:pPr lvl="1"/>
-            <a:r>
-              <a:t>Configure artifact management and release orchestration</a:t>
-            </a:r>
-          </a:p>
-          <a:p>
-            <a:pPr/>
-            <a:r>
-              <a:rPr b="1"/>
-              <a:t>Phase 3: Security &amp; Scale (Weeks 9-12)</a:t>
-            </a:r>
-          </a:p>
-          <a:p>
-            <a:pPr lvl="1"/>
-            <a:r>
-              <a:t>Integrate Key Vault for secrets rotation and compliance</a:t>
-            </a:r>
-          </a:p>
-          <a:p>
-            <a:pPr lvl="1"/>
-            <a:r>
-              <a:t>Configure monitoring and alerting for production visibility</a:t>
-            </a:r>
-          </a:p>
-          <a:p>
-            <a:pPr lvl="1"/>
-            <a:r>
-              <a:t>Enable blue-green and canary deployments for safe releases</a:t>
-            </a:r>
-          </a:p>
-        </p:txBody>
-      </p:sp>
-      <p:pic>
-        <p:nvPicPr>
-          <p:cNvPr id="5" name="Picture 4" descr="eo-framework-logo-real.png"/>
-          <p:cNvPicPr>
-            <a:picLocks noChangeAspect="1"/>
-          </p:cNvPicPr>
-          <p:nvPr/>
-        </p:nvPicPr>
-        <p:blipFill>
-          <a:blip r:embed="rId3"/>
-          <a:stretch>
-            <a:fillRect/>
-          </a:stretch>
-        </p:blipFill>
-        <p:spPr>
-          <a:xfrm>
-            <a:off x="6684264" y="4535424"/>
-            <a:ext cx="2139696" cy="530352"/>
           </a:xfrm>
           <a:prstGeom prst="rect">
             <a:avLst/>
@@ -4020,10 +5103,8 @@
           <a:bodyPr/>
           <a:lstStyle/>
           <a:p>
-            <a:pPr algn="l"/>
-            <a:r>
-              <a:rPr b="1"/>
-              <a:t>Timeline &amp; Milestones</a:t>
+            <a:r>
+              <a:t>Implementation Approach</a:t>
             </a:r>
           </a:p>
         </p:txBody>
@@ -4040,339 +5121,113 @@
         </p:nvPicPr>
         <p:blipFill>
           <a:blip r:embed="rId2"/>
-          <a:srcRect t="6404" b="6404"/>
+          <a:srcRect t="6762" b="6762"/>
           <a:stretch>
             <a:fillRect/>
           </a:stretch>
         </p:blipFill>
         <p:spPr/>
       </p:pic>
-      <p:graphicFrame>
-        <p:nvGraphicFramePr>
-          <p:cNvPr id="4" name="Table Placeholder 3"/>
-          <p:cNvGraphicFramePr>
-            <a:graphicFrameLocks noGrp="1"/>
-          </p:cNvGraphicFramePr>
+      <p:sp>
+        <p:nvSpPr>
+          <p:cNvPr id="4" name="Text Placeholder 3"/>
+          <p:cNvSpPr>
+            <a:spLocks noGrp="1"/>
+          </p:cNvSpPr>
           <p:nvPr>
-            <p:ph type="tbl" idx="14" sz="quarter"/>
+            <p:ph type="body" idx="14" sz="quarter"/>
           </p:nvPr>
-        </p:nvGraphicFramePr>
-        <p:xfrm>
-          <a:off x="256855" y="677011"/>
-          <a:ext cx="8710931" cy="1483360"/>
-        </p:xfrm>
-        <a:graphic>
-          <a:graphicData uri="http://schemas.openxmlformats.org/drawingml/2006/table">
-            <a:tbl>
-              <a:tblPr firstRow="1" bandRow="1">
-                <a:tableStyleId>{5C22544A-7EE6-4342-B048-85BDC9FD1C3A}</a:tableStyleId>
-              </a:tblPr>
-              <a:tblGrid>
-                <a:gridCol w="871093"/>
-                <a:gridCol w="2177733"/>
-                <a:gridCol w="1306639"/>
-                <a:gridCol w="4355466"/>
-              </a:tblGrid>
-              <a:tr h="370840">
-                <a:tc>
-                  <a:txBody>
-                    <a:bodyPr/>
-                    <a:lstStyle/>
-                    <a:p>
-                      <a:r>
-                        <a:rPr sz="1400">
-                          <a:solidFill>
-                            <a:srgbClr val="FFFFFF"/>
-                          </a:solidFill>
-                        </a:rPr>
-                        <a:t>Phase No</a:t>
-                      </a:r>
-                    </a:p>
-                  </a:txBody>
-                  <a:tcPr>
-                    <a:solidFill>
-                      <a:srgbClr val="A01C02"/>
-                    </a:solidFill>
-                  </a:tcPr>
-                </a:tc>
-                <a:tc>
-                  <a:txBody>
-                    <a:bodyPr/>
-                    <a:lstStyle/>
-                    <a:p>
-                      <a:r>
-                        <a:rPr sz="1400">
-                          <a:solidFill>
-                            <a:srgbClr val="FFFFFF"/>
-                          </a:solidFill>
-                        </a:rPr>
-                        <a:t>Phase Description</a:t>
-                      </a:r>
-                    </a:p>
-                  </a:txBody>
-                  <a:tcPr>
-                    <a:solidFill>
-                      <a:srgbClr val="A01C02"/>
-                    </a:solidFill>
-                  </a:tcPr>
-                </a:tc>
-                <a:tc>
-                  <a:txBody>
-                    <a:bodyPr/>
-                    <a:lstStyle/>
-                    <a:p>
-                      <a:r>
-                        <a:rPr sz="1400">
-                          <a:solidFill>
-                            <a:srgbClr val="FFFFFF"/>
-                          </a:solidFill>
-                        </a:rPr>
-                        <a:t>Timeline</a:t>
-                      </a:r>
-                    </a:p>
-                  </a:txBody>
-                  <a:tcPr>
-                    <a:solidFill>
-                      <a:srgbClr val="A01C02"/>
-                    </a:solidFill>
-                  </a:tcPr>
-                </a:tc>
-                <a:tc>
-                  <a:txBody>
-                    <a:bodyPr/>
-                    <a:lstStyle/>
-                    <a:p>
-                      <a:r>
-                        <a:rPr sz="1400">
-                          <a:solidFill>
-                            <a:srgbClr val="FFFFFF"/>
-                          </a:solidFill>
-                        </a:rPr>
-                        <a:t>Key Deliverables</a:t>
-                      </a:r>
-                    </a:p>
-                  </a:txBody>
-                  <a:tcPr>
-                    <a:solidFill>
-                      <a:srgbClr val="A01C02"/>
-                    </a:solidFill>
-                  </a:tcPr>
-                </a:tc>
-              </a:tr>
-              <a:tr h="370840">
-                <a:tc>
-                  <a:txBody>
-                    <a:bodyPr/>
-                    <a:lstStyle/>
-                    <a:p>
-                      <a:r>
-                        <a:rPr sz="1100"/>
-                        <a:t>Phase 1</a:t>
-                      </a:r>
-                    </a:p>
-                  </a:txBody>
-                  <a:tcPr>
-                    <a:solidFill>
-                      <a:srgbClr val="E7E6E6"/>
-                    </a:solidFill>
-                  </a:tcPr>
-                </a:tc>
-                <a:tc>
-                  <a:txBody>
-                    <a:bodyPr/>
-                    <a:lstStyle/>
-                    <a:p>
-                      <a:r>
-                        <a:rPr sz="1100"/>
-                        <a:t>Foundation &amp; CI Setup</a:t>
-                      </a:r>
-                    </a:p>
-                  </a:txBody>
-                  <a:tcPr>
-                    <a:solidFill>
-                      <a:srgbClr val="E7E6E6"/>
-                    </a:solidFill>
-                  </a:tcPr>
-                </a:tc>
-                <a:tc>
-                  <a:txBody>
-                    <a:bodyPr/>
-                    <a:lstStyle/>
-                    <a:p>
-                      <a:r>
-                        <a:rPr sz="1100"/>
-                        <a:t>Weeks 1-4</a:t>
-                      </a:r>
-                    </a:p>
-                  </a:txBody>
-                  <a:tcPr>
-                    <a:solidFill>
-                      <a:srgbClr val="E7E6E6"/>
-                    </a:solidFill>
-                  </a:tcPr>
-                </a:tc>
-                <a:tc>
-                  <a:txBody>
-                    <a:bodyPr/>
-                    <a:lstStyle/>
-                    <a:p>
-                      <a:r>
-                        <a:rPr sz="1100"/>
-                        <a:t>Azure DevOps repositories, CI pipeline templates, Security policies defined</a:t>
-                      </a:r>
-                    </a:p>
-                  </a:txBody>
-                  <a:tcPr>
-                    <a:solidFill>
-                      <a:srgbClr val="E7E6E6"/>
-                    </a:solidFill>
-                  </a:tcPr>
-                </a:tc>
-              </a:tr>
-              <a:tr h="370840">
-                <a:tc>
-                  <a:txBody>
-                    <a:bodyPr/>
-                    <a:lstStyle/>
-                    <a:p>
-                      <a:r>
-                        <a:rPr sz="1100"/>
-                        <a:t>Phase 2</a:t>
-                      </a:r>
-                    </a:p>
-                  </a:txBody>
-                  <a:tcPr>
-                    <a:solidFill>
-                      <a:srgbClr val="E7E6E6"/>
-                    </a:solidFill>
-                  </a:tcPr>
-                </a:tc>
-                <a:tc>
-                  <a:txBody>
-                    <a:bodyPr/>
-                    <a:lstStyle/>
-                    <a:p>
-                      <a:r>
-                        <a:rPr sz="1100"/>
-                        <a:t>Build &amp; Deployment</a:t>
-                      </a:r>
-                    </a:p>
-                  </a:txBody>
-                  <a:tcPr>
-                    <a:solidFill>
-                      <a:srgbClr val="E7E6E6"/>
-                    </a:solidFill>
-                  </a:tcPr>
-                </a:tc>
-                <a:tc>
-                  <a:txBody>
-                    <a:bodyPr/>
-                    <a:lstStyle/>
-                    <a:p>
-                      <a:r>
-                        <a:rPr sz="1100"/>
-                        <a:t>Weeks 5-8</a:t>
-                      </a:r>
-                    </a:p>
-                  </a:txBody>
-                  <a:tcPr>
-                    <a:solidFill>
-                      <a:srgbClr val="E7E6E6"/>
-                    </a:solidFill>
-                  </a:tcPr>
-                </a:tc>
-                <a:tc>
-                  <a:txBody>
-                    <a:bodyPr/>
-                    <a:lstStyle/>
-                    <a:p>
-                      <a:r>
-                        <a:rPr sz="1100"/>
-                        <a:t>Container registry, AKS cluster operational, Automated releases, Multi-environment support</a:t>
-                      </a:r>
-                    </a:p>
-                  </a:txBody>
-                  <a:tcPr>
-                    <a:solidFill>
-                      <a:srgbClr val="E7E6E6"/>
-                    </a:solidFill>
-                  </a:tcPr>
-                </a:tc>
-              </a:tr>
-              <a:tr h="370840">
-                <a:tc>
-                  <a:txBody>
-                    <a:bodyPr/>
-                    <a:lstStyle/>
-                    <a:p>
-                      <a:r>
-                        <a:rPr sz="1100"/>
-                        <a:t>Phase 3</a:t>
-                      </a:r>
-                    </a:p>
-                  </a:txBody>
-                  <a:tcPr>
-                    <a:solidFill>
-                      <a:srgbClr val="E7E6E6"/>
-                    </a:solidFill>
-                  </a:tcPr>
-                </a:tc>
-                <a:tc>
-                  <a:txBody>
-                    <a:bodyPr/>
-                    <a:lstStyle/>
-                    <a:p>
-                      <a:r>
-                        <a:rPr sz="1100"/>
-                        <a:t>Security &amp; Operations</a:t>
-                      </a:r>
-                    </a:p>
-                  </a:txBody>
-                  <a:tcPr>
-                    <a:solidFill>
-                      <a:srgbClr val="E7E6E6"/>
-                    </a:solidFill>
-                  </a:tcPr>
-                </a:tc>
-                <a:tc>
-                  <a:txBody>
-                    <a:bodyPr/>
-                    <a:lstStyle/>
-                    <a:p>
-                      <a:r>
-                        <a:rPr sz="1100"/>
-                        <a:t>Weeks 9-12</a:t>
-                      </a:r>
-                    </a:p>
-                  </a:txBody>
-                  <a:tcPr>
-                    <a:solidFill>
-                      <a:srgbClr val="E7E6E6"/>
-                    </a:solidFill>
-                  </a:tcPr>
-                </a:tc>
-                <a:tc>
-                  <a:txBody>
-                    <a:bodyPr/>
-                    <a:lstStyle/>
-                    <a:p>
-                      <a:r>
-                        <a:rPr sz="1100"/>
-                        <a:t>Key Vault integration, Advanced deployments (blue-green, canary), Monitoring and alerting live</a:t>
-                      </a:r>
-                    </a:p>
-                  </a:txBody>
-                  <a:tcPr>
-                    <a:solidFill>
-                      <a:srgbClr val="E7E6E6"/>
-                    </a:solidFill>
-                  </a:tcPr>
-                </a:tc>
-              </a:tr>
-            </a:tbl>
-          </a:graphicData>
-        </a:graphic>
-      </p:graphicFrame>
+        </p:nvSpPr>
+        <p:spPr/>
+        <p:txBody>
+          <a:bodyPr/>
+          <a:lstStyle/>
+          <a:p>
+            <a:pPr/>
+            <a:r>
+              <a:rPr b="1"/>
+              <a:t>Phase 1: Assessment &amp; Planning</a:t>
+            </a:r>
+            <a:r>
+              <a:t> *(Months 1-2)*</a:t>
+            </a:r>
+          </a:p>
+          <a:p>
+            <a:pPr lvl="1"/>
+            <a:r>
+              <a:t>Current development workflow analysis and tool inventory assessment</a:t>
+            </a:r>
+          </a:p>
+          <a:p>
+            <a:pPr lvl="1"/>
+            <a:r>
+              <a:t>Pipeline strategy design and branching standards definition</a:t>
+            </a:r>
+          </a:p>
+          <a:p>
+            <a:pPr lvl="1"/>
+            <a:r>
+              <a:t>Azure DevOps organization structure and security configuration</a:t>
+            </a:r>
+          </a:p>
+          <a:p>
+            <a:pPr/>
+            <a:r>
+              <a:rPr b="1"/>
+              <a:t>Phase 2: Core Platform Setup</a:t>
+            </a:r>
+            <a:r>
+              <a:t> *(Months 3-4)*</a:t>
+            </a:r>
+          </a:p>
+          <a:p>
+            <a:pPr lvl="1"/>
+            <a:r>
+              <a:t>Azure Repos migration with Git history preservation</a:t>
+            </a:r>
+          </a:p>
+          <a:p>
+            <a:pPr lvl="1"/>
+            <a:r>
+              <a:t>Azure Pipelines templates for build and release automation</a:t>
+            </a:r>
+          </a:p>
+          <a:p>
+            <a:pPr lvl="1"/>
+            <a:r>
+              <a:t>Azure Artifacts feeds and package management setup</a:t>
+            </a:r>
+          </a:p>
+          <a:p>
+            <a:pPr/>
+            <a:r>
+              <a:rPr b="1"/>
+              <a:t>Phase 3: Optimization &amp; Adoption</a:t>
+            </a:r>
+            <a:r>
+              <a:t> *(Months 5-6)*</a:t>
+            </a:r>
+          </a:p>
+          <a:p>
+            <a:pPr lvl="1"/>
+            <a:r>
+              <a:t>Team onboarding and pipeline standardization across projects</a:t>
+            </a:r>
+          </a:p>
+          <a:p>
+            <a:pPr lvl="1"/>
+            <a:r>
+              <a:t>Advanced workflows including multi-stage deployments and approvals</a:t>
+            </a:r>
+          </a:p>
+          <a:p>
+            <a:pPr lvl="1"/>
+            <a:r>
+              <a:t>Performance monitoring and continuous improvement processes</a:t>
+            </a:r>
+          </a:p>
+        </p:txBody>
+      </p:sp>
       <p:pic>
         <p:nvPicPr>
           <p:cNvPr id="5" name="Picture 4" descr="eo-framework-logo-real.png"/>
@@ -4430,8 +5285,10 @@
           <a:bodyPr/>
           <a:lstStyle/>
           <a:p>
-            <a:r>
-              <a:t>Success Stories</a:t>
+            <a:pPr algn="l"/>
+            <a:r>
+              <a:rPr b="1"/>
+              <a:t>Timeline &amp; Milestones</a:t>
             </a:r>
           </a:p>
         </p:txBody>
@@ -4448,93 +5305,339 @@
         </p:nvPicPr>
         <p:blipFill>
           <a:blip r:embed="rId2"/>
-          <a:srcRect t="6762" b="6762"/>
+          <a:srcRect t="6404" b="6404"/>
           <a:stretch>
             <a:fillRect/>
           </a:stretch>
         </p:blipFill>
         <p:spPr/>
       </p:pic>
-      <p:sp>
-        <p:nvSpPr>
-          <p:cNvPr id="4" name="Text Placeholder 3"/>
-          <p:cNvSpPr>
-            <a:spLocks noGrp="1"/>
-          </p:cNvSpPr>
+      <p:graphicFrame>
+        <p:nvGraphicFramePr>
+          <p:cNvPr id="4" name="Table Placeholder 3"/>
+          <p:cNvGraphicFramePr>
+            <a:graphicFrameLocks noGrp="1"/>
+          </p:cNvGraphicFramePr>
           <p:nvPr>
-            <p:ph type="body" idx="14" sz="quarter"/>
+            <p:ph type="tbl" idx="14" sz="quarter"/>
           </p:nvPr>
-        </p:nvSpPr>
-        <p:spPr/>
-        <p:txBody>
-          <a:bodyPr/>
-          <a:lstStyle/>
-          <a:p>
-            <a:pPr/>
-            <a:r>
-              <a:rPr b="1"/>
-              <a:t>Client Success: Global Financial Services Firm</a:t>
-            </a:r>
-          </a:p>
-          <a:p>
-            <a:pPr lvl="1"/>
-            <a:r>
-              <a:rPr b="1"/>
-              <a:t>Client:</a:t>
-            </a:r>
-            <a:r>
-              <a:t> 300+ developers across 5 teams, monolithic Java/C# applications</a:t>
-            </a:r>
-          </a:p>
-          <a:p>
-            <a:pPr lvl="1"/>
-            <a:r>
-              <a:rPr b="1"/>
-              <a:t>Challenge:</a:t>
-            </a:r>
-            <a:r>
-              <a:t> 2-week release cycles with high failure rates (25%), manual deployments, deployment bottleneck</a:t>
-            </a:r>
-          </a:p>
-          <a:p>
-            <a:pPr lvl="1"/>
-            <a:r>
-              <a:rPr b="1"/>
-              <a:t>Solution:</a:t>
-            </a:r>
-            <a:r>
-              <a:t> Azure DevOps Platform with pipeline templates, AKS-based containerization, automated testing</a:t>
-            </a:r>
-          </a:p>
-          <a:p>
-            <a:pPr lvl="1"/>
-            <a:r>
-              <a:rPr b="1"/>
-              <a:t>Results:</a:t>
-            </a:r>
-            <a:r>
-              <a:t> 10x faster releases (10 deployments/day), 99.2% success rate, 40 FTE-hours saved per week, $4.8M annual savings</a:t>
-            </a:r>
-          </a:p>
-          <a:p>
-            <a:pPr lvl="1"/>
-            <a:r>
-              <a:rPr b="1"/>
-              <a:t>Testimonial:</a:t>
-            </a:r>
-            <a:r>
-              <a:t> "Our teams went from quarterly releases to daily deployments. The confidence in our releases is completely transformed." — </a:t>
-            </a:r>
-            <a:r>
-              <a:rPr b="1"/>
-              <a:t>John Thompson, VP Engineering</a:t>
-            </a:r>
-            <a:r>
-              <a:t>, FinServ Global</a:t>
-            </a:r>
-          </a:p>
-        </p:txBody>
-      </p:sp>
+        </p:nvGraphicFramePr>
+        <p:xfrm>
+          <a:off x="256855" y="677011"/>
+          <a:ext cx="8710931" cy="1483360"/>
+        </p:xfrm>
+        <a:graphic>
+          <a:graphicData uri="http://schemas.openxmlformats.org/drawingml/2006/table">
+            <a:tbl>
+              <a:tblPr firstRow="1" bandRow="1">
+                <a:tableStyleId>{5C22544A-7EE6-4342-B048-85BDC9FD1C3A}</a:tableStyleId>
+              </a:tblPr>
+              <a:tblGrid>
+                <a:gridCol w="871093"/>
+                <a:gridCol w="2177733"/>
+                <a:gridCol w="1306639"/>
+                <a:gridCol w="4355466"/>
+              </a:tblGrid>
+              <a:tr h="370840">
+                <a:tc>
+                  <a:txBody>
+                    <a:bodyPr/>
+                    <a:lstStyle/>
+                    <a:p>
+                      <a:r>
+                        <a:rPr sz="1400">
+                          <a:solidFill>
+                            <a:srgbClr val="FFFFFF"/>
+                          </a:solidFill>
+                        </a:rPr>
+                        <a:t>Phase No</a:t>
+                      </a:r>
+                    </a:p>
+                  </a:txBody>
+                  <a:tcPr>
+                    <a:solidFill>
+                      <a:srgbClr val="A01C02"/>
+                    </a:solidFill>
+                  </a:tcPr>
+                </a:tc>
+                <a:tc>
+                  <a:txBody>
+                    <a:bodyPr/>
+                    <a:lstStyle/>
+                    <a:p>
+                      <a:r>
+                        <a:rPr sz="1400">
+                          <a:solidFill>
+                            <a:srgbClr val="FFFFFF"/>
+                          </a:solidFill>
+                        </a:rPr>
+                        <a:t>Phase Description</a:t>
+                      </a:r>
+                    </a:p>
+                  </a:txBody>
+                  <a:tcPr>
+                    <a:solidFill>
+                      <a:srgbClr val="A01C02"/>
+                    </a:solidFill>
+                  </a:tcPr>
+                </a:tc>
+                <a:tc>
+                  <a:txBody>
+                    <a:bodyPr/>
+                    <a:lstStyle/>
+                    <a:p>
+                      <a:r>
+                        <a:rPr sz="1400">
+                          <a:solidFill>
+                            <a:srgbClr val="FFFFFF"/>
+                          </a:solidFill>
+                        </a:rPr>
+                        <a:t>Timeline</a:t>
+                      </a:r>
+                    </a:p>
+                  </a:txBody>
+                  <a:tcPr>
+                    <a:solidFill>
+                      <a:srgbClr val="A01C02"/>
+                    </a:solidFill>
+                  </a:tcPr>
+                </a:tc>
+                <a:tc>
+                  <a:txBody>
+                    <a:bodyPr/>
+                    <a:lstStyle/>
+                    <a:p>
+                      <a:r>
+                        <a:rPr sz="1400">
+                          <a:solidFill>
+                            <a:srgbClr val="FFFFFF"/>
+                          </a:solidFill>
+                        </a:rPr>
+                        <a:t>Key Deliverables</a:t>
+                      </a:r>
+                    </a:p>
+                  </a:txBody>
+                  <a:tcPr>
+                    <a:solidFill>
+                      <a:srgbClr val="A01C02"/>
+                    </a:solidFill>
+                  </a:tcPr>
+                </a:tc>
+              </a:tr>
+              <a:tr h="370840">
+                <a:tc>
+                  <a:txBody>
+                    <a:bodyPr/>
+                    <a:lstStyle/>
+                    <a:p>
+                      <a:r>
+                        <a:rPr sz="1100"/>
+                        <a:t>Phase 1</a:t>
+                      </a:r>
+                    </a:p>
+                  </a:txBody>
+                  <a:tcPr>
+                    <a:solidFill>
+                      <a:srgbClr val="E7E6E6"/>
+                    </a:solidFill>
+                  </a:tcPr>
+                </a:tc>
+                <a:tc>
+                  <a:txBody>
+                    <a:bodyPr/>
+                    <a:lstStyle/>
+                    <a:p>
+                      <a:r>
+                        <a:rPr sz="1100"/>
+                        <a:t>Assessment &amp; Planning</a:t>
+                      </a:r>
+                    </a:p>
+                  </a:txBody>
+                  <a:tcPr>
+                    <a:solidFill>
+                      <a:srgbClr val="E7E6E6"/>
+                    </a:solidFill>
+                  </a:tcPr>
+                </a:tc>
+                <a:tc>
+                  <a:txBody>
+                    <a:bodyPr/>
+                    <a:lstStyle/>
+                    <a:p>
+                      <a:r>
+                        <a:rPr sz="1100"/>
+                        <a:t>Months 1-2</a:t>
+                      </a:r>
+                    </a:p>
+                  </a:txBody>
+                  <a:tcPr>
+                    <a:solidFill>
+                      <a:srgbClr val="E7E6E6"/>
+                    </a:solidFill>
+                  </a:tcPr>
+                </a:tc>
+                <a:tc>
+                  <a:txBody>
+                    <a:bodyPr/>
+                    <a:lstStyle/>
+                    <a:p>
+                      <a:r>
+                        <a:rPr sz="1100"/>
+                        <a:t>DevOps maturity assessment complete, Pipeline strategy documented, Security and governance policies defined</a:t>
+                      </a:r>
+                    </a:p>
+                  </a:txBody>
+                  <a:tcPr>
+                    <a:solidFill>
+                      <a:srgbClr val="E7E6E6"/>
+                    </a:solidFill>
+                  </a:tcPr>
+                </a:tc>
+              </a:tr>
+              <a:tr h="370840">
+                <a:tc>
+                  <a:txBody>
+                    <a:bodyPr/>
+                    <a:lstStyle/>
+                    <a:p>
+                      <a:r>
+                        <a:rPr sz="1100"/>
+                        <a:t>Phase 2</a:t>
+                      </a:r>
+                    </a:p>
+                  </a:txBody>
+                  <a:tcPr>
+                    <a:solidFill>
+                      <a:srgbClr val="E7E6E6"/>
+                    </a:solidFill>
+                  </a:tcPr>
+                </a:tc>
+                <a:tc>
+                  <a:txBody>
+                    <a:bodyPr/>
+                    <a:lstStyle/>
+                    <a:p>
+                      <a:r>
+                        <a:rPr sz="1100"/>
+                        <a:t>Core Platform Setup</a:t>
+                      </a:r>
+                    </a:p>
+                  </a:txBody>
+                  <a:tcPr>
+                    <a:solidFill>
+                      <a:srgbClr val="E7E6E6"/>
+                    </a:solidFill>
+                  </a:tcPr>
+                </a:tc>
+                <a:tc>
+                  <a:txBody>
+                    <a:bodyPr/>
+                    <a:lstStyle/>
+                    <a:p>
+                      <a:r>
+                        <a:rPr sz="1100"/>
+                        <a:t>Months 3-4</a:t>
+                      </a:r>
+                    </a:p>
+                  </a:txBody>
+                  <a:tcPr>
+                    <a:solidFill>
+                      <a:srgbClr val="E7E6E6"/>
+                    </a:solidFill>
+                  </a:tcPr>
+                </a:tc>
+                <a:tc>
+                  <a:txBody>
+                    <a:bodyPr/>
+                    <a:lstStyle/>
+                    <a:p>
+                      <a:r>
+                        <a:rPr sz="1100"/>
+                        <a:t>Azure Repos configured with migrated code, Build pipelines operational, Artifact feeds publishing packages</a:t>
+                      </a:r>
+                    </a:p>
+                  </a:txBody>
+                  <a:tcPr>
+                    <a:solidFill>
+                      <a:srgbClr val="E7E6E6"/>
+                    </a:solidFill>
+                  </a:tcPr>
+                </a:tc>
+              </a:tr>
+              <a:tr h="370840">
+                <a:tc>
+                  <a:txBody>
+                    <a:bodyPr/>
+                    <a:lstStyle/>
+                    <a:p>
+                      <a:r>
+                        <a:rPr sz="1100"/>
+                        <a:t>Phase 3</a:t>
+                      </a:r>
+                    </a:p>
+                  </a:txBody>
+                  <a:tcPr>
+                    <a:solidFill>
+                      <a:srgbClr val="E7E6E6"/>
+                    </a:solidFill>
+                  </a:tcPr>
+                </a:tc>
+                <a:tc>
+                  <a:txBody>
+                    <a:bodyPr/>
+                    <a:lstStyle/>
+                    <a:p>
+                      <a:r>
+                        <a:rPr sz="1100"/>
+                        <a:t>Optimization &amp; Adoption</a:t>
+                      </a:r>
+                    </a:p>
+                  </a:txBody>
+                  <a:tcPr>
+                    <a:solidFill>
+                      <a:srgbClr val="E7E6E6"/>
+                    </a:solidFill>
+                  </a:tcPr>
+                </a:tc>
+                <a:tc>
+                  <a:txBody>
+                    <a:bodyPr/>
+                    <a:lstStyle/>
+                    <a:p>
+                      <a:r>
+                        <a:rPr sz="1100"/>
+                        <a:t>Months 5-6</a:t>
+                      </a:r>
+                    </a:p>
+                  </a:txBody>
+                  <a:tcPr>
+                    <a:solidFill>
+                      <a:srgbClr val="E7E6E6"/>
+                    </a:solidFill>
+                  </a:tcPr>
+                </a:tc>
+                <a:tc>
+                  <a:txBody>
+                    <a:bodyPr/>
+                    <a:lstStyle/>
+                    <a:p>
+                      <a:r>
+                        <a:rPr sz="1100"/>
+                        <a:t>Release pipelines automated, All teams onboarded, Monitoring and dashboards active</a:t>
+                      </a:r>
+                    </a:p>
+                  </a:txBody>
+                  <a:tcPr>
+                    <a:solidFill>
+                      <a:srgbClr val="E7E6E6"/>
+                    </a:solidFill>
+                  </a:tcPr>
+                </a:tc>
+              </a:tr>
+            </a:tbl>
+          </a:graphicData>
+        </a:graphic>
+      </p:graphicFrame>
       <p:pic>
         <p:nvPicPr>
           <p:cNvPr id="5" name="Picture 4" descr="eo-framework-logo-real.png"/>
@@ -4593,7 +5696,7 @@
           <a:lstStyle/>
           <a:p>
             <a:r>
-              <a:t>Our Partnership Advantage</a:t>
+              <a:t>Success Stories</a:t>
             </a:r>
           </a:p>
         </p:txBody>
@@ -4605,12 +5708,12 @@
             <a:picLocks noGrp="1" noChangeAspect="1"/>
           </p:cNvPicPr>
           <p:nvPr>
-            <p:ph type="pic" idx="14" sz="quarter"/>
+            <p:ph type="pic" idx="13" sz="quarter"/>
           </p:nvPr>
         </p:nvPicPr>
         <p:blipFill>
           <a:blip r:embed="rId2"/>
-          <a:srcRect t="6314" b="6314"/>
+          <a:srcRect t="6762" b="6762"/>
           <a:stretch>
             <a:fillRect/>
           </a:stretch>
@@ -4624,7 +5727,7 @@
             <a:spLocks noGrp="1"/>
           </p:cNvSpPr>
           <p:nvPr>
-            <p:ph type="body" idx="16" sz="quarter"/>
+            <p:ph type="body" idx="14" sz="quarter"/>
           </p:nvPr>
         </p:nvSpPr>
         <p:spPr/>
@@ -4635,97 +5738,71 @@
             <a:pPr/>
             <a:r>
               <a:rPr b="1"/>
-              <a:t>What We Bring</a:t>
+              <a:t>Client Success: Enterprise Software Company</a:t>
             </a:r>
           </a:p>
           <a:p>
             <a:pPr lvl="1"/>
             <a:r>
-              <a:t>15+ years delivering enterprise CI/CD solutions with proven results</a:t>
+              <a:rPr b="1"/>
+              <a:t>Client:</a:t>
+            </a:r>
+            <a:r>
+              <a:t> Mid-size software company with 200+ developers across 8 product teams</a:t>
             </a:r>
           </a:p>
           <a:p>
             <a:pPr lvl="1"/>
             <a:r>
-              <a:t>100+ successful DevOps platform implementations</a:t>
+              <a:rPr b="1"/>
+              <a:t>Challenge:</a:t>
+            </a:r>
+            <a:r>
+              <a:t> Manual deployment processes taking 4+ hours per release, inconsistent build environments causing 30% of releases to fail, and inability to track code changes across projects</a:t>
             </a:r>
           </a:p>
           <a:p>
             <a:pPr lvl="1"/>
             <a:r>
-              <a:t>Microsoft Gold Partner with Azure Infrastructure and DevOps competencies</a:t>
+              <a:rPr b="1"/>
+              <a:t>Solution:</a:t>
+            </a:r>
+            <a:r>
+              <a:t> Deployed Azure DevOps platform with standardized YAML pipelines, automated testing integration, and centralized artifact management across all development teams</a:t>
             </a:r>
           </a:p>
           <a:p>
             <a:pPr lvl="1"/>
             <a:r>
-              <a:t>Certified Azure Solutions Architects with DevOps specialization</a:t>
+              <a:rPr b="1"/>
+              <a:t>Results:</a:t>
+            </a:r>
+            <a:r>
+              <a:t> 85% reduction in deployment time (4 hours to 35 minutes), 95% pipeline success rate, release frequency increased from monthly to weekly, full audit trail for compliance requirements</a:t>
             </a:r>
           </a:p>
           <a:p>
             <a:pPr lvl="1"/>
             <a:r>
-              <a:t>Dedicated DevOps practice with pipeline architects and platform engineers</a:t>
-            </a:r>
-          </a:p>
-        </p:txBody>
-      </p:sp>
-      <p:sp>
-        <p:nvSpPr>
-          <p:cNvPr id="5" name="Text Placeholder 4"/>
-          <p:cNvSpPr>
-            <a:spLocks noGrp="1"/>
-          </p:cNvSpPr>
-          <p:nvPr>
-            <p:ph type="body" idx="17" sz="quarter"/>
-          </p:nvPr>
-        </p:nvSpPr>
-        <p:spPr/>
-        <p:txBody>
-          <a:bodyPr/>
-          <a:lstStyle/>
-          <a:p>
-            <a:pPr/>
-            <a:r>
               <a:rPr b="1"/>
-              <a:t>Value to You</a:t>
-            </a:r>
-          </a:p>
-          <a:p>
-            <a:pPr lvl="1"/>
-            <a:r>
-              <a:t>Pre-built CI/CD pipeline templates (15+ framework patterns)</a:t>
-            </a:r>
-          </a:p>
-          <a:p>
-            <a:pPr lvl="1"/>
-            <a:r>
-              <a:t>Infrastructure as Code templates (Terraform/ARM) for rapid AKS deployment</a:t>
-            </a:r>
-          </a:p>
-          <a:p>
-            <a:pPr lvl="1"/>
-            <a:r>
-              <a:t>Security baseline for compliance and hardening best practices</a:t>
-            </a:r>
-          </a:p>
-          <a:p>
-            <a:pPr lvl="1"/>
-            <a:r>
-              <a:t>Knowledge transfer ensures team self-sufficiency post-implementation</a:t>
-            </a:r>
-          </a:p>
-          <a:p>
-            <a:pPr lvl="1"/>
-            <a:r>
-              <a:t>Access to ongoing Microsoft updates and best practices</a:t>
+              <a:t>Testimonial:</a:t>
+            </a:r>
+            <a:r>
+              <a:t> "Azure DevOps transformed how our teams deliver software. We went from dreading release days to confidently deploying multiple times per week. The standardization has improved quality while giving teams the flexibility they need. Our developers can focus on building features instead of fighting deployment issues." — </a:t>
+            </a:r>
+            <a:r>
+              <a:rPr b="1"/>
+              <a:t>Sarah Martinez, VP of Engineering</a:t>
+            </a:r>
+            <a:r>
+              <a:t>, Enterprise Software Corp</a:t>
             </a:r>
           </a:p>
         </p:txBody>
       </p:sp>
       <p:pic>
         <p:nvPicPr>
-          <p:cNvPr id="6" name="Picture 5" descr="eo-framework-logo-real.png"/>
+          <p:cNvPr id="5" name="Picture 4" descr="eo-framework-logo-real.png"/>
           <p:cNvPicPr>
             <a:picLocks noChangeAspect="1"/>
           </p:cNvPicPr>
@@ -4780,10 +5857,8 @@
           <a:bodyPr/>
           <a:lstStyle/>
           <a:p>
-            <a:pPr algn="l"/>
-            <a:r>
-              <a:rPr b="1"/>
-              <a:t>Investment Summary</a:t>
+            <a:r>
+              <a:t>Our Partnership Advantage</a:t>
             </a:r>
           </a:p>
         </p:txBody>
@@ -4795,808 +5870,127 @@
             <a:picLocks noGrp="1" noChangeAspect="1"/>
           </p:cNvPicPr>
           <p:nvPr>
-            <p:ph type="pic" idx="13" sz="quarter"/>
+            <p:ph type="pic" idx="14" sz="quarter"/>
           </p:nvPr>
         </p:nvPicPr>
         <p:blipFill>
           <a:blip r:embed="rId2"/>
-          <a:srcRect t="6404" b="6404"/>
+          <a:srcRect t="6314" b="6314"/>
           <a:stretch>
             <a:fillRect/>
           </a:stretch>
         </p:blipFill>
         <p:spPr/>
       </p:pic>
-      <p:graphicFrame>
-        <p:nvGraphicFramePr>
-          <p:cNvPr id="4" name="Table Placeholder 3"/>
-          <p:cNvGraphicFramePr>
-            <a:graphicFrameLocks noGrp="1"/>
-          </p:cNvGraphicFramePr>
+      <p:sp>
+        <p:nvSpPr>
+          <p:cNvPr id="4" name="Text Placeholder 3"/>
+          <p:cNvSpPr>
+            <a:spLocks noGrp="1"/>
+          </p:cNvSpPr>
           <p:nvPr>
-            <p:ph type="tbl" idx="14" sz="quarter"/>
+            <p:ph type="body" idx="16" sz="quarter"/>
           </p:nvPr>
-        </p:nvGraphicFramePr>
-        <p:xfrm>
-          <a:off x="256855" y="677011"/>
-          <a:ext cx="8710929" cy="2225040"/>
-        </p:xfrm>
-        <a:graphic>
-          <a:graphicData uri="http://schemas.openxmlformats.org/drawingml/2006/table">
-            <a:tbl>
-              <a:tblPr firstRow="1" bandRow="1">
-                <a:tableStyleId>{5C22544A-7EE6-4342-B048-85BDC9FD1C3A}</a:tableStyleId>
-              </a:tblPr>
-              <a:tblGrid>
-                <a:gridCol w="1742186"/>
-                <a:gridCol w="1045311"/>
-                <a:gridCol w="2003514"/>
-                <a:gridCol w="1132421"/>
-                <a:gridCol w="871093"/>
-                <a:gridCol w="871093"/>
-                <a:gridCol w="1045311"/>
-              </a:tblGrid>
-              <a:tr h="370840">
-                <a:tc>
-                  <a:txBody>
-                    <a:bodyPr/>
-                    <a:lstStyle/>
-                    <a:p>
-                      <a:r>
-                        <a:rPr sz="1400">
-                          <a:solidFill>
-                            <a:srgbClr val="FFFFFF"/>
-                          </a:solidFill>
-                        </a:rPr>
-                        <a:t>Cost Category</a:t>
-                      </a:r>
-                    </a:p>
-                  </a:txBody>
-                  <a:tcPr>
-                    <a:solidFill>
-                      <a:srgbClr val="A01C02"/>
-                    </a:solidFill>
-                  </a:tcPr>
-                </a:tc>
-                <a:tc>
-                  <a:txBody>
-                    <a:bodyPr/>
-                    <a:lstStyle/>
-                    <a:p>
-                      <a:r>
-                        <a:rPr sz="1400">
-                          <a:solidFill>
-                            <a:srgbClr val="FFFFFF"/>
-                          </a:solidFill>
-                        </a:rPr>
-                        <a:t>Year 1 List</a:t>
-                      </a:r>
-                    </a:p>
-                  </a:txBody>
-                  <a:tcPr>
-                    <a:solidFill>
-                      <a:srgbClr val="A01C02"/>
-                    </a:solidFill>
-                  </a:tcPr>
-                </a:tc>
-                <a:tc>
-                  <a:txBody>
-                    <a:bodyPr/>
-                    <a:lstStyle/>
-                    <a:p>
-                      <a:r>
-                        <a:rPr sz="1400">
-                          <a:solidFill>
-                            <a:srgbClr val="FFFFFF"/>
-                          </a:solidFill>
-                        </a:rPr>
-                        <a:t>Azure/Partner Credits</a:t>
-                      </a:r>
-                    </a:p>
-                  </a:txBody>
-                  <a:tcPr>
-                    <a:solidFill>
-                      <a:srgbClr val="A01C02"/>
-                    </a:solidFill>
-                  </a:tcPr>
-                </a:tc>
-                <a:tc>
-                  <a:txBody>
-                    <a:bodyPr/>
-                    <a:lstStyle/>
-                    <a:p>
-                      <a:r>
-                        <a:rPr sz="1400">
-                          <a:solidFill>
-                            <a:srgbClr val="FFFFFF"/>
-                          </a:solidFill>
-                        </a:rPr>
-                        <a:t>Year 1 Net</a:t>
-                      </a:r>
-                    </a:p>
-                  </a:txBody>
-                  <a:tcPr>
-                    <a:solidFill>
-                      <a:srgbClr val="A01C02"/>
-                    </a:solidFill>
-                  </a:tcPr>
-                </a:tc>
-                <a:tc>
-                  <a:txBody>
-                    <a:bodyPr/>
-                    <a:lstStyle/>
-                    <a:p>
-                      <a:r>
-                        <a:rPr sz="1400">
-                          <a:solidFill>
-                            <a:srgbClr val="FFFFFF"/>
-                          </a:solidFill>
-                        </a:rPr>
-                        <a:t>Year 2</a:t>
-                      </a:r>
-                    </a:p>
-                  </a:txBody>
-                  <a:tcPr>
-                    <a:solidFill>
-                      <a:srgbClr val="A01C02"/>
-                    </a:solidFill>
-                  </a:tcPr>
-                </a:tc>
-                <a:tc>
-                  <a:txBody>
-                    <a:bodyPr/>
-                    <a:lstStyle/>
-                    <a:p>
-                      <a:r>
-                        <a:rPr sz="1400">
-                          <a:solidFill>
-                            <a:srgbClr val="FFFFFF"/>
-                          </a:solidFill>
-                        </a:rPr>
-                        <a:t>Year 3</a:t>
-                      </a:r>
-                    </a:p>
-                  </a:txBody>
-                  <a:tcPr>
-                    <a:solidFill>
-                      <a:srgbClr val="A01C02"/>
-                    </a:solidFill>
-                  </a:tcPr>
-                </a:tc>
-                <a:tc>
-                  <a:txBody>
-                    <a:bodyPr/>
-                    <a:lstStyle/>
-                    <a:p>
-                      <a:r>
-                        <a:rPr sz="1400">
-                          <a:solidFill>
-                            <a:srgbClr val="FFFFFF"/>
-                          </a:solidFill>
-                        </a:rPr>
-                        <a:t>3-Year Total</a:t>
-                      </a:r>
-                    </a:p>
-                  </a:txBody>
-                  <a:tcPr>
-                    <a:solidFill>
-                      <a:srgbClr val="A01C02"/>
-                    </a:solidFill>
-                  </a:tcPr>
-                </a:tc>
-              </a:tr>
-              <a:tr h="370840">
-                <a:tc>
-                  <a:txBody>
-                    <a:bodyPr/>
-                    <a:lstStyle/>
-                    <a:p>
-                      <a:r>
-                        <a:rPr sz="1100"/>
-                        <a:t>Azure Platform Services</a:t>
-                      </a:r>
-                    </a:p>
-                  </a:txBody>
-                  <a:tcPr>
-                    <a:solidFill>
-                      <a:srgbClr val="E7E6E6"/>
-                    </a:solidFill>
-                  </a:tcPr>
-                </a:tc>
-                <a:tc>
-                  <a:txBody>
-                    <a:bodyPr/>
-                    <a:lstStyle/>
-                    <a:p>
-                      <a:r>
-                        <a:rPr sz="1100"/>
-                        <a:t>$6,200</a:t>
-                      </a:r>
-                    </a:p>
-                  </a:txBody>
-                  <a:tcPr>
-                    <a:solidFill>
-                      <a:srgbClr val="E7E6E6"/>
-                    </a:solidFill>
-                  </a:tcPr>
-                </a:tc>
-                <a:tc>
-                  <a:txBody>
-                    <a:bodyPr/>
-                    <a:lstStyle/>
-                    <a:p>
-                      <a:r>
-                        <a:rPr sz="1100"/>
-                        <a:t>$0</a:t>
-                      </a:r>
-                    </a:p>
-                  </a:txBody>
-                  <a:tcPr>
-                    <a:solidFill>
-                      <a:srgbClr val="E7E6E6"/>
-                    </a:solidFill>
-                  </a:tcPr>
-                </a:tc>
-                <a:tc>
-                  <a:txBody>
-                    <a:bodyPr/>
-                    <a:lstStyle/>
-                    <a:p>
-                      <a:r>
-                        <a:rPr sz="1100"/>
-                        <a:t>$6,200</a:t>
-                      </a:r>
-                    </a:p>
-                  </a:txBody>
-                  <a:tcPr>
-                    <a:solidFill>
-                      <a:srgbClr val="E7E6E6"/>
-                    </a:solidFill>
-                  </a:tcPr>
-                </a:tc>
-                <a:tc>
-                  <a:txBody>
-                    <a:bodyPr/>
-                    <a:lstStyle/>
-                    <a:p>
-                      <a:r>
-                        <a:rPr sz="1100"/>
-                        <a:t>$6,200</a:t>
-                      </a:r>
-                    </a:p>
-                  </a:txBody>
-                  <a:tcPr>
-                    <a:solidFill>
-                      <a:srgbClr val="E7E6E6"/>
-                    </a:solidFill>
-                  </a:tcPr>
-                </a:tc>
-                <a:tc>
-                  <a:txBody>
-                    <a:bodyPr/>
-                    <a:lstStyle/>
-                    <a:p>
-                      <a:r>
-                        <a:rPr sz="1100"/>
-                        <a:t>$6,200</a:t>
-                      </a:r>
-                    </a:p>
-                  </a:txBody>
-                  <a:tcPr>
-                    <a:solidFill>
-                      <a:srgbClr val="E7E6E6"/>
-                    </a:solidFill>
-                  </a:tcPr>
-                </a:tc>
-                <a:tc>
-                  <a:txBody>
-                    <a:bodyPr/>
-                    <a:lstStyle/>
-                    <a:p>
-                      <a:r>
-                        <a:rPr sz="1100"/>
-                        <a:t>$18,600</a:t>
-                      </a:r>
-                    </a:p>
-                  </a:txBody>
-                  <a:tcPr>
-                    <a:solidFill>
-                      <a:srgbClr val="E7E6E6"/>
-                    </a:solidFill>
-                  </a:tcPr>
-                </a:tc>
-              </a:tr>
-              <a:tr h="370840">
-                <a:tc>
-                  <a:txBody>
-                    <a:bodyPr/>
-                    <a:lstStyle/>
-                    <a:p>
-                      <a:r>
-                        <a:rPr sz="1100"/>
-                        <a:t>Professional Services</a:t>
-                      </a:r>
-                    </a:p>
-                  </a:txBody>
-                  <a:tcPr>
-                    <a:solidFill>
-                      <a:srgbClr val="E7E6E6"/>
-                    </a:solidFill>
-                  </a:tcPr>
-                </a:tc>
-                <a:tc>
-                  <a:txBody>
-                    <a:bodyPr/>
-                    <a:lstStyle/>
-                    <a:p>
-                      <a:r>
-                        <a:rPr sz="1100"/>
-                        <a:t>$101,000</a:t>
-                      </a:r>
-                    </a:p>
-                  </a:txBody>
-                  <a:tcPr>
-                    <a:solidFill>
-                      <a:srgbClr val="E7E6E6"/>
-                    </a:solidFill>
-                  </a:tcPr>
-                </a:tc>
-                <a:tc>
-                  <a:txBody>
-                    <a:bodyPr/>
-                    <a:lstStyle/>
-                    <a:p>
-                      <a:r>
-                        <a:rPr sz="1100"/>
-                        <a:t>$0</a:t>
-                      </a:r>
-                    </a:p>
-                  </a:txBody>
-                  <a:tcPr>
-                    <a:solidFill>
-                      <a:srgbClr val="E7E6E6"/>
-                    </a:solidFill>
-                  </a:tcPr>
-                </a:tc>
-                <a:tc>
-                  <a:txBody>
-                    <a:bodyPr/>
-                    <a:lstStyle/>
-                    <a:p>
-                      <a:r>
-                        <a:rPr sz="1100"/>
-                        <a:t>$101,000</a:t>
-                      </a:r>
-                    </a:p>
-                  </a:txBody>
-                  <a:tcPr>
-                    <a:solidFill>
-                      <a:srgbClr val="E7E6E6"/>
-                    </a:solidFill>
-                  </a:tcPr>
-                </a:tc>
-                <a:tc>
-                  <a:txBody>
-                    <a:bodyPr/>
-                    <a:lstStyle/>
-                    <a:p>
-                      <a:r>
-                        <a:rPr sz="1100"/>
-                        <a:t>$0</a:t>
-                      </a:r>
-                    </a:p>
-                  </a:txBody>
-                  <a:tcPr>
-                    <a:solidFill>
-                      <a:srgbClr val="E7E6E6"/>
-                    </a:solidFill>
-                  </a:tcPr>
-                </a:tc>
-                <a:tc>
-                  <a:txBody>
-                    <a:bodyPr/>
-                    <a:lstStyle/>
-                    <a:p>
-                      <a:r>
-                        <a:rPr sz="1100"/>
-                        <a:t>$0</a:t>
-                      </a:r>
-                    </a:p>
-                  </a:txBody>
-                  <a:tcPr>
-                    <a:solidFill>
-                      <a:srgbClr val="E7E6E6"/>
-                    </a:solidFill>
-                  </a:tcPr>
-                </a:tc>
-                <a:tc>
-                  <a:txBody>
-                    <a:bodyPr/>
-                    <a:lstStyle/>
-                    <a:p>
-                      <a:r>
-                        <a:rPr sz="1100"/>
-                        <a:t>$101,000</a:t>
-                      </a:r>
-                    </a:p>
-                  </a:txBody>
-                  <a:tcPr>
-                    <a:solidFill>
-                      <a:srgbClr val="E7E6E6"/>
-                    </a:solidFill>
-                  </a:tcPr>
-                </a:tc>
-              </a:tr>
-              <a:tr h="370840">
-                <a:tc>
-                  <a:txBody>
-                    <a:bodyPr/>
-                    <a:lstStyle/>
-                    <a:p>
-                      <a:r>
-                        <a:rPr sz="1100"/>
-                        <a:t>Support &amp; Managed Services</a:t>
-                      </a:r>
-                    </a:p>
-                  </a:txBody>
-                  <a:tcPr>
-                    <a:solidFill>
-                      <a:srgbClr val="E7E6E6"/>
-                    </a:solidFill>
-                  </a:tcPr>
-                </a:tc>
-                <a:tc>
-                  <a:txBody>
-                    <a:bodyPr/>
-                    <a:lstStyle/>
-                    <a:p>
-                      <a:r>
-                        <a:rPr sz="1100"/>
-                        <a:t>$1,520</a:t>
-                      </a:r>
-                    </a:p>
-                  </a:txBody>
-                  <a:tcPr>
-                    <a:solidFill>
-                      <a:srgbClr val="E7E6E6"/>
-                    </a:solidFill>
-                  </a:tcPr>
-                </a:tc>
-                <a:tc>
-                  <a:txBody>
-                    <a:bodyPr/>
-                    <a:lstStyle/>
-                    <a:p>
-                      <a:r>
-                        <a:rPr sz="1100"/>
-                        <a:t>$0</a:t>
-                      </a:r>
-                    </a:p>
-                  </a:txBody>
-                  <a:tcPr>
-                    <a:solidFill>
-                      <a:srgbClr val="E7E6E6"/>
-                    </a:solidFill>
-                  </a:tcPr>
-                </a:tc>
-                <a:tc>
-                  <a:txBody>
-                    <a:bodyPr/>
-                    <a:lstStyle/>
-                    <a:p>
-                      <a:r>
-                        <a:rPr sz="1100"/>
-                        <a:t>$1,520</a:t>
-                      </a:r>
-                    </a:p>
-                  </a:txBody>
-                  <a:tcPr>
-                    <a:solidFill>
-                      <a:srgbClr val="E7E6E6"/>
-                    </a:solidFill>
-                  </a:tcPr>
-                </a:tc>
-                <a:tc>
-                  <a:txBody>
-                    <a:bodyPr/>
-                    <a:lstStyle/>
-                    <a:p>
-                      <a:r>
-                        <a:rPr sz="1100"/>
-                        <a:t>$1,520</a:t>
-                      </a:r>
-                    </a:p>
-                  </a:txBody>
-                  <a:tcPr>
-                    <a:solidFill>
-                      <a:srgbClr val="E7E6E6"/>
-                    </a:solidFill>
-                  </a:tcPr>
-                </a:tc>
-                <a:tc>
-                  <a:txBody>
-                    <a:bodyPr/>
-                    <a:lstStyle/>
-                    <a:p>
-                      <a:r>
-                        <a:rPr sz="1100"/>
-                        <a:t>$1,520</a:t>
-                      </a:r>
-                    </a:p>
-                  </a:txBody>
-                  <a:tcPr>
-                    <a:solidFill>
-                      <a:srgbClr val="E7E6E6"/>
-                    </a:solidFill>
-                  </a:tcPr>
-                </a:tc>
-                <a:tc>
-                  <a:txBody>
-                    <a:bodyPr/>
-                    <a:lstStyle/>
-                    <a:p>
-                      <a:r>
-                        <a:rPr sz="1100"/>
-                        <a:t>$4,560</a:t>
-                      </a:r>
-                    </a:p>
-                  </a:txBody>
-                  <a:tcPr>
-                    <a:solidFill>
-                      <a:srgbClr val="E7E6E6"/>
-                    </a:solidFill>
-                  </a:tcPr>
-                </a:tc>
-              </a:tr>
-              <a:tr h="370840">
-                <a:tc>
-                  <a:txBody>
-                    <a:bodyPr/>
-                    <a:lstStyle/>
-                    <a:p>
-                      <a:r>
-                        <a:rPr sz="1100"/>
-                        <a:t>Partner Services Credit</a:t>
-                      </a:r>
-                    </a:p>
-                  </a:txBody>
-                  <a:tcPr>
-                    <a:solidFill>
-                      <a:srgbClr val="E7E6E6"/>
-                    </a:solidFill>
-                  </a:tcPr>
-                </a:tc>
-                <a:tc>
-                  <a:txBody>
-                    <a:bodyPr/>
-                    <a:lstStyle/>
-                    <a:p>
-                      <a:r>
-                        <a:rPr sz="1100"/>
-                        <a:t>$0</a:t>
-                      </a:r>
-                    </a:p>
-                  </a:txBody>
-                  <a:tcPr>
-                    <a:solidFill>
-                      <a:srgbClr val="E7E6E6"/>
-                    </a:solidFill>
-                  </a:tcPr>
-                </a:tc>
-                <a:tc>
-                  <a:txBody>
-                    <a:bodyPr/>
-                    <a:lstStyle/>
-                    <a:p>
-                      <a:r>
-                        <a:rPr sz="1100"/>
-                        <a:t>($8,000)</a:t>
-                      </a:r>
-                    </a:p>
-                  </a:txBody>
-                  <a:tcPr>
-                    <a:solidFill>
-                      <a:srgbClr val="E7E6E6"/>
-                    </a:solidFill>
-                  </a:tcPr>
-                </a:tc>
-                <a:tc>
-                  <a:txBody>
-                    <a:bodyPr/>
-                    <a:lstStyle/>
-                    <a:p>
-                      <a:r>
-                        <a:rPr sz="1100"/>
-                        <a:t>($8,000)</a:t>
-                      </a:r>
-                    </a:p>
-                  </a:txBody>
-                  <a:tcPr>
-                    <a:solidFill>
-                      <a:srgbClr val="E7E6E6"/>
-                    </a:solidFill>
-                  </a:tcPr>
-                </a:tc>
-                <a:tc>
-                  <a:txBody>
-                    <a:bodyPr/>
-                    <a:lstStyle/>
-                    <a:p>
-                      <a:r>
-                        <a:rPr sz="1100"/>
-                        <a:t>$0</a:t>
-                      </a:r>
-                    </a:p>
-                  </a:txBody>
-                  <a:tcPr>
-                    <a:solidFill>
-                      <a:srgbClr val="E7E6E6"/>
-                    </a:solidFill>
-                  </a:tcPr>
-                </a:tc>
-                <a:tc>
-                  <a:txBody>
-                    <a:bodyPr/>
-                    <a:lstStyle/>
-                    <a:p>
-                      <a:r>
-                        <a:rPr sz="1100"/>
-                        <a:t>$0</a:t>
-                      </a:r>
-                    </a:p>
-                  </a:txBody>
-                  <a:tcPr>
-                    <a:solidFill>
-                      <a:srgbClr val="E7E6E6"/>
-                    </a:solidFill>
-                  </a:tcPr>
-                </a:tc>
-                <a:tc>
-                  <a:txBody>
-                    <a:bodyPr/>
-                    <a:lstStyle/>
-                    <a:p>
-                      <a:r>
-                        <a:rPr sz="1100"/>
-                        <a:t>($8,000)</a:t>
-                      </a:r>
-                    </a:p>
-                  </a:txBody>
-                  <a:tcPr>
-                    <a:solidFill>
-                      <a:srgbClr val="E7E6E6"/>
-                    </a:solidFill>
-                  </a:tcPr>
-                </a:tc>
-              </a:tr>
-              <a:tr h="370840">
-                <a:tc>
-                  <a:txBody>
-                    <a:bodyPr/>
-                    <a:lstStyle/>
-                    <a:p>
-                      <a:r>
-                        <a:rPr b="1" sz="1100"/>
-                        <a:t>Total Investment</a:t>
-                      </a:r>
-                    </a:p>
-                  </a:txBody>
-                  <a:tcPr>
-                    <a:solidFill>
-                      <a:srgbClr val="E7E6E6"/>
-                    </a:solidFill>
-                  </a:tcPr>
-                </a:tc>
-                <a:tc>
-                  <a:txBody>
-                    <a:bodyPr/>
-                    <a:lstStyle/>
-                    <a:p>
-                      <a:r>
-                        <a:rPr b="1" sz="1100"/>
-                        <a:t>$108,200</a:t>
-                      </a:r>
-                    </a:p>
-                  </a:txBody>
-                  <a:tcPr>
-                    <a:solidFill>
-                      <a:srgbClr val="E7E6E6"/>
-                    </a:solidFill>
-                  </a:tcPr>
-                </a:tc>
-                <a:tc>
-                  <a:txBody>
-                    <a:bodyPr/>
-                    <a:lstStyle/>
-                    <a:p>
-                      <a:r>
-                        <a:rPr b="1" sz="1100"/>
-                        <a:t>($8,000)</a:t>
-                      </a:r>
-                    </a:p>
-                  </a:txBody>
-                  <a:tcPr>
-                    <a:solidFill>
-                      <a:srgbClr val="E7E6E6"/>
-                    </a:solidFill>
-                  </a:tcPr>
-                </a:tc>
-                <a:tc>
-                  <a:txBody>
-                    <a:bodyPr/>
-                    <a:lstStyle/>
-                    <a:p>
-                      <a:r>
-                        <a:rPr b="1" sz="1100"/>
-                        <a:t>$100,200</a:t>
-                      </a:r>
-                    </a:p>
-                  </a:txBody>
-                  <a:tcPr>
-                    <a:solidFill>
-                      <a:srgbClr val="E7E6E6"/>
-                    </a:solidFill>
-                  </a:tcPr>
-                </a:tc>
-                <a:tc>
-                  <a:txBody>
-                    <a:bodyPr/>
-                    <a:lstStyle/>
-                    <a:p>
-                      <a:r>
-                        <a:rPr b="1" sz="1100"/>
-                        <a:t>$7,720</a:t>
-                      </a:r>
-                    </a:p>
-                  </a:txBody>
-                  <a:tcPr>
-                    <a:solidFill>
-                      <a:srgbClr val="E7E6E6"/>
-                    </a:solidFill>
-                  </a:tcPr>
-                </a:tc>
-                <a:tc>
-                  <a:txBody>
-                    <a:bodyPr/>
-                    <a:lstStyle/>
-                    <a:p>
-                      <a:r>
-                        <a:rPr b="1" sz="1100"/>
-                        <a:t>$7,720</a:t>
-                      </a:r>
-                    </a:p>
-                  </a:txBody>
-                  <a:tcPr>
-                    <a:solidFill>
-                      <a:srgbClr val="E7E6E6"/>
-                    </a:solidFill>
-                  </a:tcPr>
-                </a:tc>
-                <a:tc>
-                  <a:txBody>
-                    <a:bodyPr/>
-                    <a:lstStyle/>
-                    <a:p>
-                      <a:r>
-                        <a:rPr b="1" sz="1100"/>
-                        <a:t>$115,640</a:t>
-                      </a:r>
-                    </a:p>
-                  </a:txBody>
-                  <a:tcPr>
-                    <a:solidFill>
-                      <a:srgbClr val="E7E6E6"/>
-                    </a:solidFill>
-                  </a:tcPr>
-                </a:tc>
-              </a:tr>
-            </a:tbl>
-          </a:graphicData>
-        </a:graphic>
-      </p:graphicFrame>
+        </p:nvSpPr>
+        <p:spPr/>
+        <p:txBody>
+          <a:bodyPr/>
+          <a:lstStyle/>
+          <a:p>
+            <a:pPr/>
+            <a:r>
+              <a:rPr b="1"/>
+              <a:t>What We Bring</a:t>
+            </a:r>
+          </a:p>
+          <a:p>
+            <a:pPr lvl="1"/>
+            <a:r>
+              <a:t>Microsoft Gold Partner with Azure DevOps specialization</a:t>
+            </a:r>
+          </a:p>
+          <a:p>
+            <a:pPr lvl="1"/>
+            <a:r>
+              <a:t>100+ successful DevOps platform implementations</a:t>
+            </a:r>
+          </a:p>
+          <a:p>
+            <a:pPr lvl="1"/>
+            <a:r>
+              <a:t>Certified Azure DevOps Engineers and Solutions Architects</a:t>
+            </a:r>
+          </a:p>
+          <a:p>
+            <a:pPr lvl="1"/>
+            <a:r>
+              <a:t>Pre-built pipeline templates and migration accelerators</a:t>
+            </a:r>
+          </a:p>
+          <a:p>
+            <a:pPr lvl="1"/>
+            <a:r>
+              <a:t>24/7 support with dedicated DevOps expertise</a:t>
+            </a:r>
+          </a:p>
+        </p:txBody>
+      </p:sp>
+      <p:sp>
+        <p:nvSpPr>
+          <p:cNvPr id="5" name="Text Placeholder 4"/>
+          <p:cNvSpPr>
+            <a:spLocks noGrp="1"/>
+          </p:cNvSpPr>
+          <p:nvPr>
+            <p:ph type="body" idx="17" sz="quarter"/>
+          </p:nvPr>
+        </p:nvSpPr>
+        <p:spPr/>
+        <p:txBody>
+          <a:bodyPr/>
+          <a:lstStyle/>
+          <a:p>
+            <a:pPr/>
+            <a:r>
+              <a:rPr b="1"/>
+              <a:t>Value to You</a:t>
+            </a:r>
+          </a:p>
+          <a:p>
+            <a:pPr lvl="1"/>
+            <a:r>
+              <a:t>Proven migration methodology reduces disruption to development teams</a:t>
+            </a:r>
+          </a:p>
+          <a:p>
+            <a:pPr lvl="1"/>
+            <a:r>
+              <a:t>Reusable pipeline templates accelerate onboarding by 50%</a:t>
+            </a:r>
+          </a:p>
+          <a:p>
+            <a:pPr lvl="1"/>
+            <a:r>
+              <a:t>Direct Microsoft escalation for complex technical issues</a:t>
+            </a:r>
+          </a:p>
+          <a:p>
+            <a:pPr lvl="1"/>
+            <a:r>
+              <a:t>Comprehensive training program ensures team self-sufficiency</a:t>
+            </a:r>
+          </a:p>
+          <a:p>
+            <a:pPr lvl="1"/>
+            <a:r>
+              <a:t>Best practices from 100+ enterprise DevOps transformations</a:t>
+            </a:r>
+          </a:p>
+        </p:txBody>
+      </p:sp>
       <p:pic>
         <p:nvPicPr>
-          <p:cNvPr id="5" name="Picture 4" descr="eo-framework-logo-real.png"/>
+          <p:cNvPr id="6" name="Picture 5" descr="eo-framework-logo-real.png"/>
           <p:cNvPicPr>
             <a:picLocks noChangeAspect="1"/>
           </p:cNvPicPr>
@@ -5651,8 +6045,10 @@
           <a:bodyPr/>
           <a:lstStyle/>
           <a:p>
-            <a:r>
-              <a:t>Next Steps</a:t>
+            <a:pPr algn="l"/>
+            <a:r>
+              <a:rPr b="1"/>
+              <a:t>Investment Summary</a:t>
             </a:r>
           </a:p>
         </p:txBody>
@@ -5669,89 +6065,800 @@
         </p:nvPicPr>
         <p:blipFill>
           <a:blip r:embed="rId2"/>
-          <a:srcRect t="6762" b="6762"/>
+          <a:srcRect t="6404" b="6404"/>
           <a:stretch>
             <a:fillRect/>
           </a:stretch>
         </p:blipFill>
         <p:spPr/>
       </p:pic>
-      <p:sp>
-        <p:nvSpPr>
-          <p:cNvPr id="4" name="Text Placeholder 3"/>
-          <p:cNvSpPr>
-            <a:spLocks noGrp="1"/>
-          </p:cNvSpPr>
+      <p:graphicFrame>
+        <p:nvGraphicFramePr>
+          <p:cNvPr id="4" name="Table Placeholder 3"/>
+          <p:cNvGraphicFramePr>
+            <a:graphicFrameLocks noGrp="1"/>
+          </p:cNvGraphicFramePr>
           <p:nvPr>
-            <p:ph type="body" idx="14" sz="quarter"/>
+            <p:ph type="tbl" idx="14" sz="quarter"/>
           </p:nvPr>
-        </p:nvSpPr>
-        <p:spPr/>
-        <p:txBody>
-          <a:bodyPr/>
-          <a:lstStyle/>
-          <a:p>
-            <a:pPr/>
-            <a:r>
-              <a:rPr b="1"/>
-              <a:t>Decision:</a:t>
-            </a:r>
-            <a:r>
-              <a:t> Executive approval for DevOps platform implementation by [specific date]</a:t>
-            </a:r>
-          </a:p>
-          <a:p>
-            <a:pPr/>
-            <a:r>
-              <a:rPr b="1"/>
-              <a:t>Kickoff:</a:t>
-            </a:r>
-            <a:r>
-              <a:t> Target deployment start [30 days from approval]</a:t>
-            </a:r>
-          </a:p>
-          <a:p>
-            <a:pPr/>
-            <a:r>
-              <a:rPr b="1"/>
-              <a:t>Team Formation:</a:t>
-            </a:r>
-            <a:r>
-              <a:t> Identify DevOps engineer lead, development team contacts, security lead</a:t>
-            </a:r>
-          </a:p>
-          <a:p>
-            <a:pPr/>
-            <a:r>
-              <a:rPr b="1"/>
-              <a:t>Week 1-4:</a:t>
-            </a:r>
-            <a:r>
-              <a:t> Foundation and CI setup (Azure DevOps, repositories, pipeline templates)</a:t>
-            </a:r>
-          </a:p>
-          <a:p>
-            <a:pPr/>
-            <a:r>
-              <a:rPr b="1"/>
-              <a:t>Week 5-8:</a:t>
-            </a:r>
-            <a:r>
-              <a:t> Build and deployment (container registry, AKS cluster, automated releases)</a:t>
-            </a:r>
-          </a:p>
-          <a:p>
-            <a:pPr/>
-            <a:r>
-              <a:rPr b="1"/>
-              <a:t>Week 9-12:</a:t>
-            </a:r>
-            <a:r>
-              <a:t> Security and operations (Key Vault, monitoring, advanced deployments)</a:t>
-            </a:r>
-          </a:p>
-        </p:txBody>
-      </p:sp>
+        </p:nvGraphicFramePr>
+        <p:xfrm>
+          <a:off x="256855" y="677011"/>
+          <a:ext cx="8710929" cy="2225040"/>
+        </p:xfrm>
+        <a:graphic>
+          <a:graphicData uri="http://schemas.openxmlformats.org/drawingml/2006/table">
+            <a:tbl>
+              <a:tblPr firstRow="1" bandRow="1">
+                <a:tableStyleId>{5C22544A-7EE6-4342-B048-85BDC9FD1C3A}</a:tableStyleId>
+              </a:tblPr>
+              <a:tblGrid>
+                <a:gridCol w="1742186"/>
+                <a:gridCol w="1045311"/>
+                <a:gridCol w="2003514"/>
+                <a:gridCol w="1132421"/>
+                <a:gridCol w="871093"/>
+                <a:gridCol w="871093"/>
+                <a:gridCol w="1045311"/>
+              </a:tblGrid>
+              <a:tr h="370840">
+                <a:tc>
+                  <a:txBody>
+                    <a:bodyPr/>
+                    <a:lstStyle/>
+                    <a:p>
+                      <a:r>
+                        <a:rPr sz="1400">
+                          <a:solidFill>
+                            <a:srgbClr val="FFFFFF"/>
+                          </a:solidFill>
+                        </a:rPr>
+                        <a:t>Cost Category</a:t>
+                      </a:r>
+                    </a:p>
+                  </a:txBody>
+                  <a:tcPr>
+                    <a:solidFill>
+                      <a:srgbClr val="A01C02"/>
+                    </a:solidFill>
+                  </a:tcPr>
+                </a:tc>
+                <a:tc>
+                  <a:txBody>
+                    <a:bodyPr/>
+                    <a:lstStyle/>
+                    <a:p>
+                      <a:r>
+                        <a:rPr sz="1400">
+                          <a:solidFill>
+                            <a:srgbClr val="FFFFFF"/>
+                          </a:solidFill>
+                        </a:rPr>
+                        <a:t>Year 1 List</a:t>
+                      </a:r>
+                    </a:p>
+                  </a:txBody>
+                  <a:tcPr>
+                    <a:solidFill>
+                      <a:srgbClr val="A01C02"/>
+                    </a:solidFill>
+                  </a:tcPr>
+                </a:tc>
+                <a:tc>
+                  <a:txBody>
+                    <a:bodyPr/>
+                    <a:lstStyle/>
+                    <a:p>
+                      <a:r>
+                        <a:rPr sz="1400">
+                          <a:solidFill>
+                            <a:srgbClr val="FFFFFF"/>
+                          </a:solidFill>
+                        </a:rPr>
+                        <a:t>Provider/Partner Credits</a:t>
+                      </a:r>
+                    </a:p>
+                  </a:txBody>
+                  <a:tcPr>
+                    <a:solidFill>
+                      <a:srgbClr val="A01C02"/>
+                    </a:solidFill>
+                  </a:tcPr>
+                </a:tc>
+                <a:tc>
+                  <a:txBody>
+                    <a:bodyPr/>
+                    <a:lstStyle/>
+                    <a:p>
+                      <a:r>
+                        <a:rPr sz="1400">
+                          <a:solidFill>
+                            <a:srgbClr val="FFFFFF"/>
+                          </a:solidFill>
+                        </a:rPr>
+                        <a:t>Year 1 Net</a:t>
+                      </a:r>
+                    </a:p>
+                  </a:txBody>
+                  <a:tcPr>
+                    <a:solidFill>
+                      <a:srgbClr val="A01C02"/>
+                    </a:solidFill>
+                  </a:tcPr>
+                </a:tc>
+                <a:tc>
+                  <a:txBody>
+                    <a:bodyPr/>
+                    <a:lstStyle/>
+                    <a:p>
+                      <a:r>
+                        <a:rPr sz="1400">
+                          <a:solidFill>
+                            <a:srgbClr val="FFFFFF"/>
+                          </a:solidFill>
+                        </a:rPr>
+                        <a:t>Year 2</a:t>
+                      </a:r>
+                    </a:p>
+                  </a:txBody>
+                  <a:tcPr>
+                    <a:solidFill>
+                      <a:srgbClr val="A01C02"/>
+                    </a:solidFill>
+                  </a:tcPr>
+                </a:tc>
+                <a:tc>
+                  <a:txBody>
+                    <a:bodyPr/>
+                    <a:lstStyle/>
+                    <a:p>
+                      <a:r>
+                        <a:rPr sz="1400">
+                          <a:solidFill>
+                            <a:srgbClr val="FFFFFF"/>
+                          </a:solidFill>
+                        </a:rPr>
+                        <a:t>Year 3</a:t>
+                      </a:r>
+                    </a:p>
+                  </a:txBody>
+                  <a:tcPr>
+                    <a:solidFill>
+                      <a:srgbClr val="A01C02"/>
+                    </a:solidFill>
+                  </a:tcPr>
+                </a:tc>
+                <a:tc>
+                  <a:txBody>
+                    <a:bodyPr/>
+                    <a:lstStyle/>
+                    <a:p>
+                      <a:r>
+                        <a:rPr sz="1400">
+                          <a:solidFill>
+                            <a:srgbClr val="FFFFFF"/>
+                          </a:solidFill>
+                        </a:rPr>
+                        <a:t>3-Year Total</a:t>
+                      </a:r>
+                    </a:p>
+                  </a:txBody>
+                  <a:tcPr>
+                    <a:solidFill>
+                      <a:srgbClr val="A01C02"/>
+                    </a:solidFill>
+                  </a:tcPr>
+                </a:tc>
+              </a:tr>
+              <a:tr h="370840">
+                <a:tc>
+                  <a:txBody>
+                    <a:bodyPr/>
+                    <a:lstStyle/>
+                    <a:p>
+                      <a:r>
+                        <a:rPr sz="1100"/>
+                        <a:t>Cloud Infrastructure</a:t>
+                      </a:r>
+                    </a:p>
+                  </a:txBody>
+                  <a:tcPr>
+                    <a:solidFill>
+                      <a:srgbClr val="E7E6E6"/>
+                    </a:solidFill>
+                  </a:tcPr>
+                </a:tc>
+                <a:tc>
+                  <a:txBody>
+                    <a:bodyPr/>
+                    <a:lstStyle/>
+                    <a:p>
+                      <a:r>
+                        <a:rPr sz="1100"/>
+                        <a:t>$6,082</a:t>
+                      </a:r>
+                    </a:p>
+                  </a:txBody>
+                  <a:tcPr>
+                    <a:solidFill>
+                      <a:srgbClr val="E7E6E6"/>
+                    </a:solidFill>
+                  </a:tcPr>
+                </a:tc>
+                <a:tc>
+                  <a:txBody>
+                    <a:bodyPr/>
+                    <a:lstStyle/>
+                    <a:p>
+                      <a:r>
+                        <a:rPr sz="1100"/>
+                        <a:t>($1,800)</a:t>
+                      </a:r>
+                    </a:p>
+                  </a:txBody>
+                  <a:tcPr>
+                    <a:solidFill>
+                      <a:srgbClr val="E7E6E6"/>
+                    </a:solidFill>
+                  </a:tcPr>
+                </a:tc>
+                <a:tc>
+                  <a:txBody>
+                    <a:bodyPr/>
+                    <a:lstStyle/>
+                    <a:p>
+                      <a:r>
+                        <a:rPr sz="1100"/>
+                        <a:t>$4,282</a:t>
+                      </a:r>
+                    </a:p>
+                  </a:txBody>
+                  <a:tcPr>
+                    <a:solidFill>
+                      <a:srgbClr val="E7E6E6"/>
+                    </a:solidFill>
+                  </a:tcPr>
+                </a:tc>
+                <a:tc>
+                  <a:txBody>
+                    <a:bodyPr/>
+                    <a:lstStyle/>
+                    <a:p>
+                      <a:r>
+                        <a:rPr sz="1100"/>
+                        <a:t>$6,082</a:t>
+                      </a:r>
+                    </a:p>
+                  </a:txBody>
+                  <a:tcPr>
+                    <a:solidFill>
+                      <a:srgbClr val="E7E6E6"/>
+                    </a:solidFill>
+                  </a:tcPr>
+                </a:tc>
+                <a:tc>
+                  <a:txBody>
+                    <a:bodyPr/>
+                    <a:lstStyle/>
+                    <a:p>
+                      <a:r>
+                        <a:rPr sz="1100"/>
+                        <a:t>$6,082</a:t>
+                      </a:r>
+                    </a:p>
+                  </a:txBody>
+                  <a:tcPr>
+                    <a:solidFill>
+                      <a:srgbClr val="E7E6E6"/>
+                    </a:solidFill>
+                  </a:tcPr>
+                </a:tc>
+                <a:tc>
+                  <a:txBody>
+                    <a:bodyPr/>
+                    <a:lstStyle/>
+                    <a:p>
+                      <a:r>
+                        <a:rPr sz="1100"/>
+                        <a:t>$16,446</a:t>
+                      </a:r>
+                    </a:p>
+                  </a:txBody>
+                  <a:tcPr>
+                    <a:solidFill>
+                      <a:srgbClr val="E7E6E6"/>
+                    </a:solidFill>
+                  </a:tcPr>
+                </a:tc>
+              </a:tr>
+              <a:tr h="370840">
+                <a:tc>
+                  <a:txBody>
+                    <a:bodyPr/>
+                    <a:lstStyle/>
+                    <a:p>
+                      <a:r>
+                        <a:rPr sz="1100"/>
+                        <a:t>Professional Services</a:t>
+                      </a:r>
+                    </a:p>
+                  </a:txBody>
+                  <a:tcPr>
+                    <a:solidFill>
+                      <a:srgbClr val="E7E6E6"/>
+                    </a:solidFill>
+                  </a:tcPr>
+                </a:tc>
+                <a:tc>
+                  <a:txBody>
+                    <a:bodyPr/>
+                    <a:lstStyle/>
+                    <a:p>
+                      <a:r>
+                        <a:rPr sz="1100"/>
+                        <a:t>$64,300</a:t>
+                      </a:r>
+                    </a:p>
+                  </a:txBody>
+                  <a:tcPr>
+                    <a:solidFill>
+                      <a:srgbClr val="E7E6E6"/>
+                    </a:solidFill>
+                  </a:tcPr>
+                </a:tc>
+                <a:tc>
+                  <a:txBody>
+                    <a:bodyPr/>
+                    <a:lstStyle/>
+                    <a:p>
+                      <a:r>
+                        <a:rPr sz="1100"/>
+                        <a:t>($5,000)</a:t>
+                      </a:r>
+                    </a:p>
+                  </a:txBody>
+                  <a:tcPr>
+                    <a:solidFill>
+                      <a:srgbClr val="E7E6E6"/>
+                    </a:solidFill>
+                  </a:tcPr>
+                </a:tc>
+                <a:tc>
+                  <a:txBody>
+                    <a:bodyPr/>
+                    <a:lstStyle/>
+                    <a:p>
+                      <a:r>
+                        <a:rPr sz="1100"/>
+                        <a:t>$59,300</a:t>
+                      </a:r>
+                    </a:p>
+                  </a:txBody>
+                  <a:tcPr>
+                    <a:solidFill>
+                      <a:srgbClr val="E7E6E6"/>
+                    </a:solidFill>
+                  </a:tcPr>
+                </a:tc>
+                <a:tc>
+                  <a:txBody>
+                    <a:bodyPr/>
+                    <a:lstStyle/>
+                    <a:p>
+                      <a:r>
+                        <a:rPr sz="1100"/>
+                        <a:t>$0</a:t>
+                      </a:r>
+                    </a:p>
+                  </a:txBody>
+                  <a:tcPr>
+                    <a:solidFill>
+                      <a:srgbClr val="E7E6E6"/>
+                    </a:solidFill>
+                  </a:tcPr>
+                </a:tc>
+                <a:tc>
+                  <a:txBody>
+                    <a:bodyPr/>
+                    <a:lstStyle/>
+                    <a:p>
+                      <a:r>
+                        <a:rPr sz="1100"/>
+                        <a:t>$0</a:t>
+                      </a:r>
+                    </a:p>
+                  </a:txBody>
+                  <a:tcPr>
+                    <a:solidFill>
+                      <a:srgbClr val="E7E6E6"/>
+                    </a:solidFill>
+                  </a:tcPr>
+                </a:tc>
+                <a:tc>
+                  <a:txBody>
+                    <a:bodyPr/>
+                    <a:lstStyle/>
+                    <a:p>
+                      <a:r>
+                        <a:rPr sz="1100"/>
+                        <a:t>$59,300</a:t>
+                      </a:r>
+                    </a:p>
+                  </a:txBody>
+                  <a:tcPr>
+                    <a:solidFill>
+                      <a:srgbClr val="E7E6E6"/>
+                    </a:solidFill>
+                  </a:tcPr>
+                </a:tc>
+              </a:tr>
+              <a:tr h="370840">
+                <a:tc>
+                  <a:txBody>
+                    <a:bodyPr/>
+                    <a:lstStyle/>
+                    <a:p>
+                      <a:r>
+                        <a:rPr sz="1100"/>
+                        <a:t>Software Licenses &amp; Subscriptions</a:t>
+                      </a:r>
+                    </a:p>
+                  </a:txBody>
+                  <a:tcPr>
+                    <a:solidFill>
+                      <a:srgbClr val="E7E6E6"/>
+                    </a:solidFill>
+                  </a:tcPr>
+                </a:tc>
+                <a:tc>
+                  <a:txBody>
+                    <a:bodyPr/>
+                    <a:lstStyle/>
+                    <a:p>
+                      <a:r>
+                        <a:rPr sz="1100"/>
+                        <a:t>$900</a:t>
+                      </a:r>
+                    </a:p>
+                  </a:txBody>
+                  <a:tcPr>
+                    <a:solidFill>
+                      <a:srgbClr val="E7E6E6"/>
+                    </a:solidFill>
+                  </a:tcPr>
+                </a:tc>
+                <a:tc>
+                  <a:txBody>
+                    <a:bodyPr/>
+                    <a:lstStyle/>
+                    <a:p>
+                      <a:r>
+                        <a:rPr sz="1100"/>
+                        <a:t>$0</a:t>
+                      </a:r>
+                    </a:p>
+                  </a:txBody>
+                  <a:tcPr>
+                    <a:solidFill>
+                      <a:srgbClr val="E7E6E6"/>
+                    </a:solidFill>
+                  </a:tcPr>
+                </a:tc>
+                <a:tc>
+                  <a:txBody>
+                    <a:bodyPr/>
+                    <a:lstStyle/>
+                    <a:p>
+                      <a:r>
+                        <a:rPr sz="1100"/>
+                        <a:t>$900</a:t>
+                      </a:r>
+                    </a:p>
+                  </a:txBody>
+                  <a:tcPr>
+                    <a:solidFill>
+                      <a:srgbClr val="E7E6E6"/>
+                    </a:solidFill>
+                  </a:tcPr>
+                </a:tc>
+                <a:tc>
+                  <a:txBody>
+                    <a:bodyPr/>
+                    <a:lstStyle/>
+                    <a:p>
+                      <a:r>
+                        <a:rPr sz="1100"/>
+                        <a:t>$900</a:t>
+                      </a:r>
+                    </a:p>
+                  </a:txBody>
+                  <a:tcPr>
+                    <a:solidFill>
+                      <a:srgbClr val="E7E6E6"/>
+                    </a:solidFill>
+                  </a:tcPr>
+                </a:tc>
+                <a:tc>
+                  <a:txBody>
+                    <a:bodyPr/>
+                    <a:lstStyle/>
+                    <a:p>
+                      <a:r>
+                        <a:rPr sz="1100"/>
+                        <a:t>$900</a:t>
+                      </a:r>
+                    </a:p>
+                  </a:txBody>
+                  <a:tcPr>
+                    <a:solidFill>
+                      <a:srgbClr val="E7E6E6"/>
+                    </a:solidFill>
+                  </a:tcPr>
+                </a:tc>
+                <a:tc>
+                  <a:txBody>
+                    <a:bodyPr/>
+                    <a:lstStyle/>
+                    <a:p>
+                      <a:r>
+                        <a:rPr sz="1100"/>
+                        <a:t>$2,700</a:t>
+                      </a:r>
+                    </a:p>
+                  </a:txBody>
+                  <a:tcPr>
+                    <a:solidFill>
+                      <a:srgbClr val="E7E6E6"/>
+                    </a:solidFill>
+                  </a:tcPr>
+                </a:tc>
+              </a:tr>
+              <a:tr h="370840">
+                <a:tc>
+                  <a:txBody>
+                    <a:bodyPr/>
+                    <a:lstStyle/>
+                    <a:p>
+                      <a:r>
+                        <a:rPr sz="1100"/>
+                        <a:t>Support &amp; Maintenance</a:t>
+                      </a:r>
+                    </a:p>
+                  </a:txBody>
+                  <a:tcPr>
+                    <a:solidFill>
+                      <a:srgbClr val="E7E6E6"/>
+                    </a:solidFill>
+                  </a:tcPr>
+                </a:tc>
+                <a:tc>
+                  <a:txBody>
+                    <a:bodyPr/>
+                    <a:lstStyle/>
+                    <a:p>
+                      <a:r>
+                        <a:rPr sz="1100"/>
+                        <a:t>$1,200</a:t>
+                      </a:r>
+                    </a:p>
+                  </a:txBody>
+                  <a:tcPr>
+                    <a:solidFill>
+                      <a:srgbClr val="E7E6E6"/>
+                    </a:solidFill>
+                  </a:tcPr>
+                </a:tc>
+                <a:tc>
+                  <a:txBody>
+                    <a:bodyPr/>
+                    <a:lstStyle/>
+                    <a:p>
+                      <a:r>
+                        <a:rPr sz="1100"/>
+                        <a:t>$0</a:t>
+                      </a:r>
+                    </a:p>
+                  </a:txBody>
+                  <a:tcPr>
+                    <a:solidFill>
+                      <a:srgbClr val="E7E6E6"/>
+                    </a:solidFill>
+                  </a:tcPr>
+                </a:tc>
+                <a:tc>
+                  <a:txBody>
+                    <a:bodyPr/>
+                    <a:lstStyle/>
+                    <a:p>
+                      <a:r>
+                        <a:rPr sz="1100"/>
+                        <a:t>$1,200</a:t>
+                      </a:r>
+                    </a:p>
+                  </a:txBody>
+                  <a:tcPr>
+                    <a:solidFill>
+                      <a:srgbClr val="E7E6E6"/>
+                    </a:solidFill>
+                  </a:tcPr>
+                </a:tc>
+                <a:tc>
+                  <a:txBody>
+                    <a:bodyPr/>
+                    <a:lstStyle/>
+                    <a:p>
+                      <a:r>
+                        <a:rPr sz="1100"/>
+                        <a:t>$1,200</a:t>
+                      </a:r>
+                    </a:p>
+                  </a:txBody>
+                  <a:tcPr>
+                    <a:solidFill>
+                      <a:srgbClr val="E7E6E6"/>
+                    </a:solidFill>
+                  </a:tcPr>
+                </a:tc>
+                <a:tc>
+                  <a:txBody>
+                    <a:bodyPr/>
+                    <a:lstStyle/>
+                    <a:p>
+                      <a:r>
+                        <a:rPr sz="1100"/>
+                        <a:t>$1,200</a:t>
+                      </a:r>
+                    </a:p>
+                  </a:txBody>
+                  <a:tcPr>
+                    <a:solidFill>
+                      <a:srgbClr val="E7E6E6"/>
+                    </a:solidFill>
+                  </a:tcPr>
+                </a:tc>
+                <a:tc>
+                  <a:txBody>
+                    <a:bodyPr/>
+                    <a:lstStyle/>
+                    <a:p>
+                      <a:r>
+                        <a:rPr sz="1100"/>
+                        <a:t>$3,600</a:t>
+                      </a:r>
+                    </a:p>
+                  </a:txBody>
+                  <a:tcPr>
+                    <a:solidFill>
+                      <a:srgbClr val="E7E6E6"/>
+                    </a:solidFill>
+                  </a:tcPr>
+                </a:tc>
+              </a:tr>
+              <a:tr h="370840">
+                <a:tc>
+                  <a:txBody>
+                    <a:bodyPr/>
+                    <a:lstStyle/>
+                    <a:p>
+                      <a:r>
+                        <a:rPr b="1" sz="1100"/>
+                        <a:t>TOTAL INVESTMENT</a:t>
+                      </a:r>
+                    </a:p>
+                  </a:txBody>
+                  <a:tcPr>
+                    <a:solidFill>
+                      <a:srgbClr val="E7E6E6"/>
+                    </a:solidFill>
+                  </a:tcPr>
+                </a:tc>
+                <a:tc>
+                  <a:txBody>
+                    <a:bodyPr/>
+                    <a:lstStyle/>
+                    <a:p>
+                      <a:r>
+                        <a:rPr b="1" sz="1100"/>
+                        <a:t>$72,482</a:t>
+                      </a:r>
+                    </a:p>
+                  </a:txBody>
+                  <a:tcPr>
+                    <a:solidFill>
+                      <a:srgbClr val="E7E6E6"/>
+                    </a:solidFill>
+                  </a:tcPr>
+                </a:tc>
+                <a:tc>
+                  <a:txBody>
+                    <a:bodyPr/>
+                    <a:lstStyle/>
+                    <a:p>
+                      <a:r>
+                        <a:rPr b="1" sz="1100"/>
+                        <a:t>($6,800)</a:t>
+                      </a:r>
+                    </a:p>
+                  </a:txBody>
+                  <a:tcPr>
+                    <a:solidFill>
+                      <a:srgbClr val="E7E6E6"/>
+                    </a:solidFill>
+                  </a:tcPr>
+                </a:tc>
+                <a:tc>
+                  <a:txBody>
+                    <a:bodyPr/>
+                    <a:lstStyle/>
+                    <a:p>
+                      <a:r>
+                        <a:rPr b="1" sz="1100"/>
+                        <a:t>$65,682</a:t>
+                      </a:r>
+                    </a:p>
+                  </a:txBody>
+                  <a:tcPr>
+                    <a:solidFill>
+                      <a:srgbClr val="E7E6E6"/>
+                    </a:solidFill>
+                  </a:tcPr>
+                </a:tc>
+                <a:tc>
+                  <a:txBody>
+                    <a:bodyPr/>
+                    <a:lstStyle/>
+                    <a:p>
+                      <a:r>
+                        <a:rPr b="1" sz="1100"/>
+                        <a:t>$8,182</a:t>
+                      </a:r>
+                    </a:p>
+                  </a:txBody>
+                  <a:tcPr>
+                    <a:solidFill>
+                      <a:srgbClr val="E7E6E6"/>
+                    </a:solidFill>
+                  </a:tcPr>
+                </a:tc>
+                <a:tc>
+                  <a:txBody>
+                    <a:bodyPr/>
+                    <a:lstStyle/>
+                    <a:p>
+                      <a:r>
+                        <a:rPr b="1" sz="1100"/>
+                        <a:t>$8,182</a:t>
+                      </a:r>
+                    </a:p>
+                  </a:txBody>
+                  <a:tcPr>
+                    <a:solidFill>
+                      <a:srgbClr val="E7E6E6"/>
+                    </a:solidFill>
+                  </a:tcPr>
+                </a:tc>
+                <a:tc>
+                  <a:txBody>
+                    <a:bodyPr/>
+                    <a:lstStyle/>
+                    <a:p>
+                      <a:r>
+                        <a:rPr b="1" sz="1100"/>
+                        <a:t>$82,046</a:t>
+                      </a:r>
+                    </a:p>
+                  </a:txBody>
+                  <a:tcPr>
+                    <a:solidFill>
+                      <a:srgbClr val="E7E6E6"/>
+                    </a:solidFill>
+                  </a:tcPr>
+                </a:tc>
+              </a:tr>
+            </a:tbl>
+          </a:graphicData>
+        </a:graphic>
+      </p:graphicFrame>
       <p:pic>
         <p:nvPicPr>
           <p:cNvPr id="5" name="Picture 4" descr="eo-framework-logo-real.png"/>

--- a/solutions/azure/devops/enterprise-platform/presales/solution-briefing.pptx
+++ b/solutions/azure/devops/enterprise-platform/presales/solution-briefing.pptx
@@ -3361,7 +3361,7 @@
           <a:lstStyle/>
           <a:p>
             <a:r>
-              <a:t>Alison Smith | November 16, 2025</a:t>
+              <a:t>Alison Smith | November 17, 2025</a:t>
             </a:r>
           </a:p>
         </p:txBody>
@@ -3938,7 +3938,7 @@
         </p:nvGraphicFramePr>
         <p:xfrm>
           <a:off x="256855" y="677011"/>
-          <a:ext cx="8710931" cy="6304280"/>
+          <a:ext cx="8710929" cy="3337560"/>
         </p:xfrm>
         <a:graphic>
           <a:graphicData uri="http://schemas.openxmlformats.org/drawingml/2006/table">
@@ -3947,32 +3947,13 @@
                 <a:tableStyleId>{5C22544A-7EE6-4342-B048-85BDC9FD1C3A}</a:tableStyleId>
               </a:tblPr>
               <a:tblGrid>
+                <a:gridCol w="1567967"/>
+                <a:gridCol w="2526170"/>
+                <a:gridCol w="435546"/>
+                <a:gridCol w="1567967"/>
                 <a:gridCol w="2613279"/>
-                <a:gridCol w="3048826"/>
-                <a:gridCol w="3048826"/>
               </a:tblGrid>
               <a:tr h="370840">
-                <a:tc>
-                  <a:txBody>
-                    <a:bodyPr/>
-                    <a:lstStyle/>
-                    <a:p>
-                      <a:r>
-                        <a:rPr sz="1400">
-                          <a:solidFill>
-                            <a:srgbClr val="FFFFFF"/>
-                          </a:solidFill>
-                        </a:rPr>
-                        <a:t>Category</a:t>
-                      </a:r>
-                    </a:p>
-                  </a:txBody>
-                  <a:tcPr>
-                    <a:solidFill>
-                      <a:srgbClr val="A01C02"/>
-                    </a:solidFill>
-                  </a:tcPr>
-                </a:tc>
                 <a:tc>
                   <a:txBody>
                     <a:bodyPr/>
@@ -4015,6 +3996,65 @@
                     </a:solidFill>
                   </a:tcPr>
                 </a:tc>
+                <a:tc>
+                  <a:txBody>
+                    <a:bodyPr/>
+                    <a:lstStyle/>
+                    <a:p/>
+                  </a:txBody>
+                  <a:tcPr>
+                    <a:solidFill>
+                      <a:srgbClr val="FFFFFF"/>
+                    </a:solidFill>
+                    <a:lnL w="12700">
+                      <a:solidFill>
+                        <a:srgbClr val="D0D0D0"/>
+                      </a:solidFill>
+                    </a:lnL>
+                  </a:tcPr>
+                </a:tc>
+                <a:tc>
+                  <a:txBody>
+                    <a:bodyPr/>
+                    <a:lstStyle/>
+                    <a:p>
+                      <a:r>
+                        <a:rPr sz="1400">
+                          <a:solidFill>
+                            <a:srgbClr val="FFFFFF"/>
+                          </a:solidFill>
+                        </a:rPr>
+                        <a:t>Parameter</a:t>
+                      </a:r>
+                    </a:p>
+                  </a:txBody>
+                  <a:tcPr>
+                    <a:solidFill>
+                      <a:srgbClr val="A01C02"/>
+                    </a:solidFill>
+                  </a:tcPr>
+                </a:tc>
+                <a:tc>
+                  <a:txBody>
+                    <a:bodyPr/>
+                    <a:lstStyle/>
+                    <a:p>
+                      <a:r>
+                        <a:rPr sz="1400">
+                          <a:solidFill>
+                            <a:srgbClr val="FFFFFF"/>
+                          </a:solidFill>
+                        </a:rPr>
+                        <a:t>Scope</a:t>
+                      </a:r>
+                    </a:p>
+                  </a:txBody>
+                  <a:tcPr>
+                    <a:solidFill>
+                      <a:srgbClr val="A01C02"/>
+                    </a:solidFill>
+                  </a:tcPr>
+                </a:tc>
               </a:tr>
               <a:tr h="370840">
                 <a:tc>
@@ -4023,24 +4063,7 @@
                     <a:lstStyle/>
                     <a:p>
                       <a:r>
-                        <a:rPr sz="1100"/>
-                        <a:t>Solution Scope</a:t>
-                      </a:r>
-                    </a:p>
-                  </a:txBody>
-                  <a:tcPr>
-                    <a:solidFill>
-                      <a:srgbClr val="E7E6E6"/>
-                    </a:solidFill>
-                  </a:tcPr>
-                </a:tc>
-                <a:tc>
-                  <a:txBody>
-                    <a:bodyPr/>
-                    <a:lstStyle/>
-                    <a:p>
-                      <a:r>
-                        <a:rPr sz="1100"/>
+                        <a:rPr b="1" sz="1100"/>
                         <a:t>Projects/Repositories</a:t>
                       </a:r>
                     </a:p>
@@ -4068,8 +4091,40 @@
                     </a:solidFill>
                   </a:tcPr>
                 </a:tc>
-              </a:tr>
-              <a:tr h="370840">
+                <a:tc>
+                  <a:txBody>
+                    <a:bodyPr/>
+                    <a:lstStyle/>
+                    <a:p/>
+                  </a:txBody>
+                  <a:tcPr>
+                    <a:solidFill>
+                      <a:srgbClr val="FFFFFF"/>
+                    </a:solidFill>
+                    <a:lnL w="12700">
+                      <a:solidFill>
+                        <a:srgbClr val="D0D0D0"/>
+                      </a:solidFill>
+                    </a:lnL>
+                  </a:tcPr>
+                </a:tc>
+                <a:tc>
+                  <a:txBody>
+                    <a:bodyPr/>
+                    <a:lstStyle/>
+                    <a:p>
+                      <a:r>
+                        <a:rPr b="1" sz="1100"/>
+                        <a:t>Deployment Regions</a:t>
+                      </a:r>
+                    </a:p>
+                  </a:txBody>
+                  <a:tcPr>
+                    <a:solidFill>
+                      <a:srgbClr val="E7E6E6"/>
+                    </a:solidFill>
+                  </a:tcPr>
+                </a:tc>
                 <a:tc>
                   <a:txBody>
                     <a:bodyPr/>
@@ -4077,7 +4132,7 @@
                     <a:p>
                       <a:r>
                         <a:rPr sz="1100"/>
-                        <a:t>Solution Scope</a:t>
+                        <a:t>Single Azure region</a:t>
                       </a:r>
                     </a:p>
                   </a:txBody>
@@ -4087,13 +4142,15 @@
                     </a:solidFill>
                   </a:tcPr>
                 </a:tc>
+              </a:tr>
+              <a:tr h="370840">
                 <a:tc>
                   <a:txBody>
                     <a:bodyPr/>
                     <a:lstStyle/>
                     <a:p>
                       <a:r>
-                        <a:rPr sz="1100"/>
+                        <a:rPr b="1" sz="1100"/>
                         <a:t>CI/CD Pipelines</a:t>
                       </a:r>
                     </a:p>
@@ -4121,8 +4178,40 @@
                     </a:solidFill>
                   </a:tcPr>
                 </a:tc>
-              </a:tr>
-              <a:tr h="370840">
+                <a:tc>
+                  <a:txBody>
+                    <a:bodyPr/>
+                    <a:lstStyle/>
+                    <a:p/>
+                  </a:txBody>
+                  <a:tcPr>
+                    <a:solidFill>
+                      <a:srgbClr val="FFFFFF"/>
+                    </a:solidFill>
+                    <a:lnL w="12700">
+                      <a:solidFill>
+                        <a:srgbClr val="D0D0D0"/>
+                      </a:solidFill>
+                    </a:lnL>
+                  </a:tcPr>
+                </a:tc>
+                <a:tc>
+                  <a:txBody>
+                    <a:bodyPr/>
+                    <a:lstStyle/>
+                    <a:p>
+                      <a:r>
+                        <a:rPr b="1" sz="1100"/>
+                        <a:t>Availability Requirements</a:t>
+                      </a:r>
+                    </a:p>
+                  </a:txBody>
+                  <a:tcPr>
+                    <a:solidFill>
+                      <a:srgbClr val="E7E6E6"/>
+                    </a:solidFill>
+                  </a:tcPr>
+                </a:tc>
                 <a:tc>
                   <a:txBody>
                     <a:bodyPr/>
@@ -4130,7 +4219,7 @@
                     <a:p>
                       <a:r>
                         <a:rPr sz="1100"/>
-                        <a:t>Integration</a:t>
+                        <a:t>Standard (99.5%)</a:t>
                       </a:r>
                     </a:p>
                   </a:txBody>
@@ -4140,13 +4229,15 @@
                     </a:solidFill>
                   </a:tcPr>
                 </a:tc>
+              </a:tr>
+              <a:tr h="370840">
                 <a:tc>
                   <a:txBody>
                     <a:bodyPr/>
                     <a:lstStyle/>
                     <a:p>
                       <a:r>
-                        <a:rPr sz="1100"/>
+                        <a:rPr b="1" sz="1100"/>
                         <a:t>External Integrations</a:t>
                       </a:r>
                     </a:p>
@@ -4174,8 +4265,40 @@
                     </a:solidFill>
                   </a:tcPr>
                 </a:tc>
-              </a:tr>
-              <a:tr h="370840">
+                <a:tc>
+                  <a:txBody>
+                    <a:bodyPr/>
+                    <a:lstStyle/>
+                    <a:p/>
+                  </a:txBody>
+                  <a:tcPr>
+                    <a:solidFill>
+                      <a:srgbClr val="FFFFFF"/>
+                    </a:solidFill>
+                    <a:lnL w="12700">
+                      <a:solidFill>
+                        <a:srgbClr val="D0D0D0"/>
+                      </a:solidFill>
+                    </a:lnL>
+                  </a:tcPr>
+                </a:tc>
+                <a:tc>
+                  <a:txBody>
+                    <a:bodyPr/>
+                    <a:lstStyle/>
+                    <a:p>
+                      <a:r>
+                        <a:rPr b="1" sz="1100"/>
+                        <a:t>Infrastructure Complexity</a:t>
+                      </a:r>
+                    </a:p>
+                  </a:txBody>
+                  <a:tcPr>
+                    <a:solidFill>
+                      <a:srgbClr val="E7E6E6"/>
+                    </a:solidFill>
+                  </a:tcPr>
+                </a:tc>
                 <a:tc>
                   <a:txBody>
                     <a:bodyPr/>
@@ -4183,7 +4306,7 @@
                     <a:p>
                       <a:r>
                         <a:rPr sz="1100"/>
-                        <a:t>Integration</a:t>
+                        <a:t>Azure DevOps + self-hosted agents</a:t>
                       </a:r>
                     </a:p>
                   </a:txBody>
@@ -4193,13 +4316,15 @@
                     </a:solidFill>
                   </a:tcPr>
                 </a:tc>
+              </a:tr>
+              <a:tr h="370840">
                 <a:tc>
                   <a:txBody>
                     <a:bodyPr/>
                     <a:lstStyle/>
                     <a:p>
                       <a:r>
-                        <a:rPr sz="1100"/>
+                        <a:rPr b="1" sz="1100"/>
                         <a:t>Deployment Targets</a:t>
                       </a:r>
                     </a:p>
@@ -4227,8 +4352,40 @@
                     </a:solidFill>
                   </a:tcPr>
                 </a:tc>
-              </a:tr>
-              <a:tr h="370840">
+                <a:tc>
+                  <a:txBody>
+                    <a:bodyPr/>
+                    <a:lstStyle/>
+                    <a:p/>
+                  </a:txBody>
+                  <a:tcPr>
+                    <a:solidFill>
+                      <a:srgbClr val="FFFFFF"/>
+                    </a:solidFill>
+                    <a:lnL w="12700">
+                      <a:solidFill>
+                        <a:srgbClr val="D0D0D0"/>
+                      </a:solidFill>
+                    </a:lnL>
+                  </a:tcPr>
+                </a:tc>
+                <a:tc>
+                  <a:txBody>
+                    <a:bodyPr/>
+                    <a:lstStyle/>
+                    <a:p>
+                      <a:r>
+                        <a:rPr b="1" sz="1100"/>
+                        <a:t>Security Requirements</a:t>
+                      </a:r>
+                    </a:p>
+                  </a:txBody>
+                  <a:tcPr>
+                    <a:solidFill>
+                      <a:srgbClr val="E7E6E6"/>
+                    </a:solidFill>
+                  </a:tcPr>
+                </a:tc>
                 <a:tc>
                   <a:txBody>
                     <a:bodyPr/>
@@ -4236,7 +4393,7 @@
                     <a:p>
                       <a:r>
                         <a:rPr sz="1100"/>
-                        <a:t>User Base</a:t>
+                        <a:t>Service connections branch policies</a:t>
                       </a:r>
                     </a:p>
                   </a:txBody>
@@ -4246,13 +4403,15 @@
                     </a:solidFill>
                   </a:tcPr>
                 </a:tc>
+              </a:tr>
+              <a:tr h="370840">
                 <a:tc>
                   <a:txBody>
                     <a:bodyPr/>
                     <a:lstStyle/>
                     <a:p>
                       <a:r>
-                        <a:rPr sz="1100"/>
+                        <a:rPr b="1" sz="1100"/>
                         <a:t>Total Users</a:t>
                       </a:r>
                     </a:p>
@@ -4280,8 +4439,40 @@
                     </a:solidFill>
                   </a:tcPr>
                 </a:tc>
-              </a:tr>
-              <a:tr h="370840">
+                <a:tc>
+                  <a:txBody>
+                    <a:bodyPr/>
+                    <a:lstStyle/>
+                    <a:p/>
+                  </a:txBody>
+                  <a:tcPr>
+                    <a:solidFill>
+                      <a:srgbClr val="FFFFFF"/>
+                    </a:solidFill>
+                    <a:lnL w="12700">
+                      <a:solidFill>
+                        <a:srgbClr val="D0D0D0"/>
+                      </a:solidFill>
+                    </a:lnL>
+                  </a:tcPr>
+                </a:tc>
+                <a:tc>
+                  <a:txBody>
+                    <a:bodyPr/>
+                    <a:lstStyle/>
+                    <a:p>
+                      <a:r>
+                        <a:rPr b="1" sz="1100"/>
+                        <a:t>Compliance Frameworks</a:t>
+                      </a:r>
+                    </a:p>
+                  </a:txBody>
+                  <a:tcPr>
+                    <a:solidFill>
+                      <a:srgbClr val="E7E6E6"/>
+                    </a:solidFill>
+                  </a:tcPr>
+                </a:tc>
                 <a:tc>
                   <a:txBody>
                     <a:bodyPr/>
@@ -4289,7 +4480,7 @@
                     <a:p>
                       <a:r>
                         <a:rPr sz="1100"/>
-                        <a:t>User Base</a:t>
+                        <a:t>SOC2</a:t>
                       </a:r>
                     </a:p>
                   </a:txBody>
@@ -4299,13 +4490,15 @@
                     </a:solidFill>
                   </a:tcPr>
                 </a:tc>
+              </a:tr>
+              <a:tr h="370840">
                 <a:tc>
                   <a:txBody>
                     <a:bodyPr/>
                     <a:lstStyle/>
                     <a:p>
                       <a:r>
-                        <a:rPr sz="1100"/>
+                        <a:rPr b="1" sz="1100"/>
                         <a:t>User Roles</a:t>
                       </a:r>
                     </a:p>
@@ -4333,8 +4526,40 @@
                     </a:solidFill>
                   </a:tcPr>
                 </a:tc>
-              </a:tr>
-              <a:tr h="370840">
+                <a:tc>
+                  <a:txBody>
+                    <a:bodyPr/>
+                    <a:lstStyle/>
+                    <a:p/>
+                  </a:txBody>
+                  <a:tcPr>
+                    <a:solidFill>
+                      <a:srgbClr val="FFFFFF"/>
+                    </a:solidFill>
+                    <a:lnL w="12700">
+                      <a:solidFill>
+                        <a:srgbClr val="D0D0D0"/>
+                      </a:solidFill>
+                    </a:lnL>
+                  </a:tcPr>
+                </a:tc>
+                <a:tc>
+                  <a:txBody>
+                    <a:bodyPr/>
+                    <a:lstStyle/>
+                    <a:p>
+                      <a:r>
+                        <a:rPr b="1" sz="1100"/>
+                        <a:t>Build Performance</a:t>
+                      </a:r>
+                    </a:p>
+                  </a:txBody>
+                  <a:tcPr>
+                    <a:solidFill>
+                      <a:srgbClr val="E7E6E6"/>
+                    </a:solidFill>
+                  </a:tcPr>
+                </a:tc>
                 <a:tc>
                   <a:txBody>
                     <a:bodyPr/>
@@ -4342,7 +4567,7 @@
                     <a:p>
                       <a:r>
                         <a:rPr sz="1100"/>
-                        <a:t>Data Volume</a:t>
+                        <a:t>Standard build times</a:t>
                       </a:r>
                     </a:p>
                   </a:txBody>
@@ -4352,13 +4577,15 @@
                     </a:solidFill>
                   </a:tcPr>
                 </a:tc>
+              </a:tr>
+              <a:tr h="370840">
                 <a:tc>
                   <a:txBody>
                     <a:bodyPr/>
                     <a:lstStyle/>
                     <a:p>
                       <a:r>
-                        <a:rPr sz="1100"/>
+                        <a:rPr b="1" sz="1100"/>
                         <a:t>Build Artifacts</a:t>
                       </a:r>
                     </a:p>
@@ -4386,8 +4613,40 @@
                     </a:solidFill>
                   </a:tcPr>
                 </a:tc>
-              </a:tr>
-              <a:tr h="370840">
+                <a:tc>
+                  <a:txBody>
+                    <a:bodyPr/>
+                    <a:lstStyle/>
+                    <a:p/>
+                  </a:txBody>
+                  <a:tcPr>
+                    <a:solidFill>
+                      <a:srgbClr val="FFFFFF"/>
+                    </a:solidFill>
+                    <a:lnL w="12700">
+                      <a:solidFill>
+                        <a:srgbClr val="D0D0D0"/>
+                      </a:solidFill>
+                    </a:lnL>
+                  </a:tcPr>
+                </a:tc>
+                <a:tc>
+                  <a:txBody>
+                    <a:bodyPr/>
+                    <a:lstStyle/>
+                    <a:p>
+                      <a:r>
+                        <a:rPr b="1" sz="1100"/>
+                        <a:t>Deployment Frequency</a:t>
+                      </a:r>
+                    </a:p>
+                  </a:txBody>
+                  <a:tcPr>
+                    <a:solidFill>
+                      <a:srgbClr val="E7E6E6"/>
+                    </a:solidFill>
+                  </a:tcPr>
+                </a:tc>
                 <a:tc>
                   <a:txBody>
                     <a:bodyPr/>
@@ -4395,7 +4654,7 @@
                     <a:p>
                       <a:r>
                         <a:rPr sz="1100"/>
-                        <a:t>Data Volume</a:t>
+                        <a:t>Daily deployments</a:t>
                       </a:r>
                     </a:p>
                   </a:txBody>
@@ -4405,13 +4664,15 @@
                     </a:solidFill>
                   </a:tcPr>
                 </a:tc>
+              </a:tr>
+              <a:tr h="370840">
                 <a:tc>
                   <a:txBody>
                     <a:bodyPr/>
                     <a:lstStyle/>
                     <a:p>
                       <a:r>
-                        <a:rPr sz="1100"/>
+                        <a:rPr b="1" sz="1100"/>
                         <a:t>Pipeline Runs</a:t>
                       </a:r>
                     </a:p>
@@ -4439,403 +4700,30 @@
                     </a:solidFill>
                   </a:tcPr>
                 </a:tc>
-              </a:tr>
-              <a:tr h="370840">
+                <a:tc>
+                  <a:txBody>
+                    <a:bodyPr/>
+                    <a:lstStyle/>
+                    <a:p/>
+                  </a:txBody>
+                  <a:tcPr>
+                    <a:solidFill>
+                      <a:srgbClr val="FFFFFF"/>
+                    </a:solidFill>
+                    <a:lnL w="12700">
+                      <a:solidFill>
+                        <a:srgbClr val="D0D0D0"/>
+                      </a:solidFill>
+                    </a:lnL>
+                  </a:tcPr>
+                </a:tc>
                 <a:tc>
                   <a:txBody>
                     <a:bodyPr/>
                     <a:lstStyle/>
                     <a:p>
                       <a:r>
-                        <a:rPr sz="1100"/>
-                        <a:t>Technical Environment</a:t>
-                      </a:r>
-                    </a:p>
-                  </a:txBody>
-                  <a:tcPr>
-                    <a:solidFill>
-                      <a:srgbClr val="E7E6E6"/>
-                    </a:solidFill>
-                  </a:tcPr>
-                </a:tc>
-                <a:tc>
-                  <a:txBody>
-                    <a:bodyPr/>
-                    <a:lstStyle/>
-                    <a:p>
-                      <a:r>
-                        <a:rPr sz="1100"/>
-                        <a:t>Deployment Regions</a:t>
-                      </a:r>
-                    </a:p>
-                  </a:txBody>
-                  <a:tcPr>
-                    <a:solidFill>
-                      <a:srgbClr val="E7E6E6"/>
-                    </a:solidFill>
-                  </a:tcPr>
-                </a:tc>
-                <a:tc>
-                  <a:txBody>
-                    <a:bodyPr/>
-                    <a:lstStyle/>
-                    <a:p>
-                      <a:r>
-                        <a:rPr sz="1100"/>
-                        <a:t>Single Azure region</a:t>
-                      </a:r>
-                    </a:p>
-                  </a:txBody>
-                  <a:tcPr>
-                    <a:solidFill>
-                      <a:srgbClr val="E7E6E6"/>
-                    </a:solidFill>
-                  </a:tcPr>
-                </a:tc>
-              </a:tr>
-              <a:tr h="370840">
-                <a:tc>
-                  <a:txBody>
-                    <a:bodyPr/>
-                    <a:lstStyle/>
-                    <a:p>
-                      <a:r>
-                        <a:rPr sz="1100"/>
-                        <a:t>Technical Environment</a:t>
-                      </a:r>
-                    </a:p>
-                  </a:txBody>
-                  <a:tcPr>
-                    <a:solidFill>
-                      <a:srgbClr val="E7E6E6"/>
-                    </a:solidFill>
-                  </a:tcPr>
-                </a:tc>
-                <a:tc>
-                  <a:txBody>
-                    <a:bodyPr/>
-                    <a:lstStyle/>
-                    <a:p>
-                      <a:r>
-                        <a:rPr sz="1100"/>
-                        <a:t>Availability Requirements</a:t>
-                      </a:r>
-                    </a:p>
-                  </a:txBody>
-                  <a:tcPr>
-                    <a:solidFill>
-                      <a:srgbClr val="E7E6E6"/>
-                    </a:solidFill>
-                  </a:tcPr>
-                </a:tc>
-                <a:tc>
-                  <a:txBody>
-                    <a:bodyPr/>
-                    <a:lstStyle/>
-                    <a:p>
-                      <a:r>
-                        <a:rPr sz="1100"/>
-                        <a:t>Standard (99.5%)</a:t>
-                      </a:r>
-                    </a:p>
-                  </a:txBody>
-                  <a:tcPr>
-                    <a:solidFill>
-                      <a:srgbClr val="E7E6E6"/>
-                    </a:solidFill>
-                  </a:tcPr>
-                </a:tc>
-              </a:tr>
-              <a:tr h="370840">
-                <a:tc>
-                  <a:txBody>
-                    <a:bodyPr/>
-                    <a:lstStyle/>
-                    <a:p>
-                      <a:r>
-                        <a:rPr sz="1100"/>
-                        <a:t>Technical Environment</a:t>
-                      </a:r>
-                    </a:p>
-                  </a:txBody>
-                  <a:tcPr>
-                    <a:solidFill>
-                      <a:srgbClr val="E7E6E6"/>
-                    </a:solidFill>
-                  </a:tcPr>
-                </a:tc>
-                <a:tc>
-                  <a:txBody>
-                    <a:bodyPr/>
-                    <a:lstStyle/>
-                    <a:p>
-                      <a:r>
-                        <a:rPr sz="1100"/>
-                        <a:t>Infrastructure Complexity</a:t>
-                      </a:r>
-                    </a:p>
-                  </a:txBody>
-                  <a:tcPr>
-                    <a:solidFill>
-                      <a:srgbClr val="E7E6E6"/>
-                    </a:solidFill>
-                  </a:tcPr>
-                </a:tc>
-                <a:tc>
-                  <a:txBody>
-                    <a:bodyPr/>
-                    <a:lstStyle/>
-                    <a:p>
-                      <a:r>
-                        <a:rPr sz="1100"/>
-                        <a:t>Azure DevOps + self-hosted agents</a:t>
-                      </a:r>
-                    </a:p>
-                  </a:txBody>
-                  <a:tcPr>
-                    <a:solidFill>
-                      <a:srgbClr val="E7E6E6"/>
-                    </a:solidFill>
-                  </a:tcPr>
-                </a:tc>
-              </a:tr>
-              <a:tr h="370840">
-                <a:tc>
-                  <a:txBody>
-                    <a:bodyPr/>
-                    <a:lstStyle/>
-                    <a:p>
-                      <a:r>
-                        <a:rPr sz="1100"/>
-                        <a:t>Security &amp; Compliance</a:t>
-                      </a:r>
-                    </a:p>
-                  </a:txBody>
-                  <a:tcPr>
-                    <a:solidFill>
-                      <a:srgbClr val="E7E6E6"/>
-                    </a:solidFill>
-                  </a:tcPr>
-                </a:tc>
-                <a:tc>
-                  <a:txBody>
-                    <a:bodyPr/>
-                    <a:lstStyle/>
-                    <a:p>
-                      <a:r>
-                        <a:rPr sz="1100"/>
-                        <a:t>Security Requirements</a:t>
-                      </a:r>
-                    </a:p>
-                  </a:txBody>
-                  <a:tcPr>
-                    <a:solidFill>
-                      <a:srgbClr val="E7E6E6"/>
-                    </a:solidFill>
-                  </a:tcPr>
-                </a:tc>
-                <a:tc>
-                  <a:txBody>
-                    <a:bodyPr/>
-                    <a:lstStyle/>
-                    <a:p>
-                      <a:r>
-                        <a:rPr sz="1100"/>
-                        <a:t>Service connections branch policies</a:t>
-                      </a:r>
-                    </a:p>
-                  </a:txBody>
-                  <a:tcPr>
-                    <a:solidFill>
-                      <a:srgbClr val="E7E6E6"/>
-                    </a:solidFill>
-                  </a:tcPr>
-                </a:tc>
-              </a:tr>
-              <a:tr h="370840">
-                <a:tc>
-                  <a:txBody>
-                    <a:bodyPr/>
-                    <a:lstStyle/>
-                    <a:p>
-                      <a:r>
-                        <a:rPr sz="1100"/>
-                        <a:t>Security &amp; Compliance</a:t>
-                      </a:r>
-                    </a:p>
-                  </a:txBody>
-                  <a:tcPr>
-                    <a:solidFill>
-                      <a:srgbClr val="E7E6E6"/>
-                    </a:solidFill>
-                  </a:tcPr>
-                </a:tc>
-                <a:tc>
-                  <a:txBody>
-                    <a:bodyPr/>
-                    <a:lstStyle/>
-                    <a:p>
-                      <a:r>
-                        <a:rPr sz="1100"/>
-                        <a:t>Compliance Frameworks</a:t>
-                      </a:r>
-                    </a:p>
-                  </a:txBody>
-                  <a:tcPr>
-                    <a:solidFill>
-                      <a:srgbClr val="E7E6E6"/>
-                    </a:solidFill>
-                  </a:tcPr>
-                </a:tc>
-                <a:tc>
-                  <a:txBody>
-                    <a:bodyPr/>
-                    <a:lstStyle/>
-                    <a:p>
-                      <a:r>
-                        <a:rPr sz="1100"/>
-                        <a:t>SOC2</a:t>
-                      </a:r>
-                    </a:p>
-                  </a:txBody>
-                  <a:tcPr>
-                    <a:solidFill>
-                      <a:srgbClr val="E7E6E6"/>
-                    </a:solidFill>
-                  </a:tcPr>
-                </a:tc>
-              </a:tr>
-              <a:tr h="370840">
-                <a:tc>
-                  <a:txBody>
-                    <a:bodyPr/>
-                    <a:lstStyle/>
-                    <a:p>
-                      <a:r>
-                        <a:rPr sz="1100"/>
-                        <a:t>Performance</a:t>
-                      </a:r>
-                    </a:p>
-                  </a:txBody>
-                  <a:tcPr>
-                    <a:solidFill>
-                      <a:srgbClr val="E7E6E6"/>
-                    </a:solidFill>
-                  </a:tcPr>
-                </a:tc>
-                <a:tc>
-                  <a:txBody>
-                    <a:bodyPr/>
-                    <a:lstStyle/>
-                    <a:p>
-                      <a:r>
-                        <a:rPr sz="1100"/>
-                        <a:t>Build Performance</a:t>
-                      </a:r>
-                    </a:p>
-                  </a:txBody>
-                  <a:tcPr>
-                    <a:solidFill>
-                      <a:srgbClr val="E7E6E6"/>
-                    </a:solidFill>
-                  </a:tcPr>
-                </a:tc>
-                <a:tc>
-                  <a:txBody>
-                    <a:bodyPr/>
-                    <a:lstStyle/>
-                    <a:p>
-                      <a:r>
-                        <a:rPr sz="1100"/>
-                        <a:t>Standard build times</a:t>
-                      </a:r>
-                    </a:p>
-                  </a:txBody>
-                  <a:tcPr>
-                    <a:solidFill>
-                      <a:srgbClr val="E7E6E6"/>
-                    </a:solidFill>
-                  </a:tcPr>
-                </a:tc>
-              </a:tr>
-              <a:tr h="370840">
-                <a:tc>
-                  <a:txBody>
-                    <a:bodyPr/>
-                    <a:lstStyle/>
-                    <a:p>
-                      <a:r>
-                        <a:rPr sz="1100"/>
-                        <a:t>Performance</a:t>
-                      </a:r>
-                    </a:p>
-                  </a:txBody>
-                  <a:tcPr>
-                    <a:solidFill>
-                      <a:srgbClr val="E7E6E6"/>
-                    </a:solidFill>
-                  </a:tcPr>
-                </a:tc>
-                <a:tc>
-                  <a:txBody>
-                    <a:bodyPr/>
-                    <a:lstStyle/>
-                    <a:p>
-                      <a:r>
-                        <a:rPr sz="1100"/>
-                        <a:t>Deployment Frequency</a:t>
-                      </a:r>
-                    </a:p>
-                  </a:txBody>
-                  <a:tcPr>
-                    <a:solidFill>
-                      <a:srgbClr val="E7E6E6"/>
-                    </a:solidFill>
-                  </a:tcPr>
-                </a:tc>
-                <a:tc>
-                  <a:txBody>
-                    <a:bodyPr/>
-                    <a:lstStyle/>
-                    <a:p>
-                      <a:r>
-                        <a:rPr sz="1100"/>
-                        <a:t>Daily deployments</a:t>
-                      </a:r>
-                    </a:p>
-                  </a:txBody>
-                  <a:tcPr>
-                    <a:solidFill>
-                      <a:srgbClr val="E7E6E6"/>
-                    </a:solidFill>
-                  </a:tcPr>
-                </a:tc>
-              </a:tr>
-              <a:tr h="370840">
-                <a:tc>
-                  <a:txBody>
-                    <a:bodyPr/>
-                    <a:lstStyle/>
-                    <a:p>
-                      <a:r>
-                        <a:rPr sz="1100"/>
-                        <a:t>Environment</a:t>
-                      </a:r>
-                    </a:p>
-                  </a:txBody>
-                  <a:tcPr>
-                    <a:solidFill>
-                      <a:srgbClr val="E7E6E6"/>
-                    </a:solidFill>
-                  </a:tcPr>
-                </a:tc>
-                <a:tc>
-                  <a:txBody>
-                    <a:bodyPr/>
-                    <a:lstStyle/>
-                    <a:p>
-                      <a:r>
-                        <a:rPr sz="1100"/>
+                        <a:rPr b="1" sz="1100"/>
                         <a:t>Deployment Environments</a:t>
                       </a:r>
                     </a:p>
@@ -6084,7 +5972,7 @@
         </p:nvGraphicFramePr>
         <p:xfrm>
           <a:off x="256855" y="677011"/>
-          <a:ext cx="8710929" cy="2225040"/>
+          <a:ext cx="8710929" cy="741680"/>
         </p:xfrm>
         <a:graphic>
           <a:graphicData uri="http://schemas.openxmlformats.org/drawingml/2006/table">
@@ -6093,13 +5981,13 @@
                 <a:tableStyleId>{5C22544A-7EE6-4342-B048-85BDC9FD1C3A}</a:tableStyleId>
               </a:tblPr>
               <a:tblGrid>
-                <a:gridCol w="1742186"/>
-                <a:gridCol w="1045311"/>
-                <a:gridCol w="2003514"/>
-                <a:gridCol w="1132421"/>
+                <a:gridCol w="2177733"/>
+                <a:gridCol w="1306639"/>
+                <a:gridCol w="1306639"/>
+                <a:gridCol w="1306639"/>
                 <a:gridCol w="871093"/>
                 <a:gridCol w="871093"/>
-                <a:gridCol w="1045311"/>
+                <a:gridCol w="871093"/>
               </a:tblGrid>
               <a:tr h="370840">
                 <a:tc>
@@ -6257,490 +6145,6 @@
                     <a:lstStyle/>
                     <a:p>
                       <a:r>
-                        <a:rPr sz="1100"/>
-                        <a:t>Cloud Infrastructure</a:t>
-                      </a:r>
-                    </a:p>
-                  </a:txBody>
-                  <a:tcPr>
-                    <a:solidFill>
-                      <a:srgbClr val="E7E6E6"/>
-                    </a:solidFill>
-                  </a:tcPr>
-                </a:tc>
-                <a:tc>
-                  <a:txBody>
-                    <a:bodyPr/>
-                    <a:lstStyle/>
-                    <a:p>
-                      <a:r>
-                        <a:rPr sz="1100"/>
-                        <a:t>$6,082</a:t>
-                      </a:r>
-                    </a:p>
-                  </a:txBody>
-                  <a:tcPr>
-                    <a:solidFill>
-                      <a:srgbClr val="E7E6E6"/>
-                    </a:solidFill>
-                  </a:tcPr>
-                </a:tc>
-                <a:tc>
-                  <a:txBody>
-                    <a:bodyPr/>
-                    <a:lstStyle/>
-                    <a:p>
-                      <a:r>
-                        <a:rPr sz="1100"/>
-                        <a:t>($1,800)</a:t>
-                      </a:r>
-                    </a:p>
-                  </a:txBody>
-                  <a:tcPr>
-                    <a:solidFill>
-                      <a:srgbClr val="E7E6E6"/>
-                    </a:solidFill>
-                  </a:tcPr>
-                </a:tc>
-                <a:tc>
-                  <a:txBody>
-                    <a:bodyPr/>
-                    <a:lstStyle/>
-                    <a:p>
-                      <a:r>
-                        <a:rPr sz="1100"/>
-                        <a:t>$4,282</a:t>
-                      </a:r>
-                    </a:p>
-                  </a:txBody>
-                  <a:tcPr>
-                    <a:solidFill>
-                      <a:srgbClr val="E7E6E6"/>
-                    </a:solidFill>
-                  </a:tcPr>
-                </a:tc>
-                <a:tc>
-                  <a:txBody>
-                    <a:bodyPr/>
-                    <a:lstStyle/>
-                    <a:p>
-                      <a:r>
-                        <a:rPr sz="1100"/>
-                        <a:t>$6,082</a:t>
-                      </a:r>
-                    </a:p>
-                  </a:txBody>
-                  <a:tcPr>
-                    <a:solidFill>
-                      <a:srgbClr val="E7E6E6"/>
-                    </a:solidFill>
-                  </a:tcPr>
-                </a:tc>
-                <a:tc>
-                  <a:txBody>
-                    <a:bodyPr/>
-                    <a:lstStyle/>
-                    <a:p>
-                      <a:r>
-                        <a:rPr sz="1100"/>
-                        <a:t>$6,082</a:t>
-                      </a:r>
-                    </a:p>
-                  </a:txBody>
-                  <a:tcPr>
-                    <a:solidFill>
-                      <a:srgbClr val="E7E6E6"/>
-                    </a:solidFill>
-                  </a:tcPr>
-                </a:tc>
-                <a:tc>
-                  <a:txBody>
-                    <a:bodyPr/>
-                    <a:lstStyle/>
-                    <a:p>
-                      <a:r>
-                        <a:rPr sz="1100"/>
-                        <a:t>$16,446</a:t>
-                      </a:r>
-                    </a:p>
-                  </a:txBody>
-                  <a:tcPr>
-                    <a:solidFill>
-                      <a:srgbClr val="E7E6E6"/>
-                    </a:solidFill>
-                  </a:tcPr>
-                </a:tc>
-              </a:tr>
-              <a:tr h="370840">
-                <a:tc>
-                  <a:txBody>
-                    <a:bodyPr/>
-                    <a:lstStyle/>
-                    <a:p>
-                      <a:r>
-                        <a:rPr sz="1100"/>
-                        <a:t>Professional Services</a:t>
-                      </a:r>
-                    </a:p>
-                  </a:txBody>
-                  <a:tcPr>
-                    <a:solidFill>
-                      <a:srgbClr val="E7E6E6"/>
-                    </a:solidFill>
-                  </a:tcPr>
-                </a:tc>
-                <a:tc>
-                  <a:txBody>
-                    <a:bodyPr/>
-                    <a:lstStyle/>
-                    <a:p>
-                      <a:r>
-                        <a:rPr sz="1100"/>
-                        <a:t>$64,300</a:t>
-                      </a:r>
-                    </a:p>
-                  </a:txBody>
-                  <a:tcPr>
-                    <a:solidFill>
-                      <a:srgbClr val="E7E6E6"/>
-                    </a:solidFill>
-                  </a:tcPr>
-                </a:tc>
-                <a:tc>
-                  <a:txBody>
-                    <a:bodyPr/>
-                    <a:lstStyle/>
-                    <a:p>
-                      <a:r>
-                        <a:rPr sz="1100"/>
-                        <a:t>($5,000)</a:t>
-                      </a:r>
-                    </a:p>
-                  </a:txBody>
-                  <a:tcPr>
-                    <a:solidFill>
-                      <a:srgbClr val="E7E6E6"/>
-                    </a:solidFill>
-                  </a:tcPr>
-                </a:tc>
-                <a:tc>
-                  <a:txBody>
-                    <a:bodyPr/>
-                    <a:lstStyle/>
-                    <a:p>
-                      <a:r>
-                        <a:rPr sz="1100"/>
-                        <a:t>$59,300</a:t>
-                      </a:r>
-                    </a:p>
-                  </a:txBody>
-                  <a:tcPr>
-                    <a:solidFill>
-                      <a:srgbClr val="E7E6E6"/>
-                    </a:solidFill>
-                  </a:tcPr>
-                </a:tc>
-                <a:tc>
-                  <a:txBody>
-                    <a:bodyPr/>
-                    <a:lstStyle/>
-                    <a:p>
-                      <a:r>
-                        <a:rPr sz="1100"/>
-                        <a:t>$0</a:t>
-                      </a:r>
-                    </a:p>
-                  </a:txBody>
-                  <a:tcPr>
-                    <a:solidFill>
-                      <a:srgbClr val="E7E6E6"/>
-                    </a:solidFill>
-                  </a:tcPr>
-                </a:tc>
-                <a:tc>
-                  <a:txBody>
-                    <a:bodyPr/>
-                    <a:lstStyle/>
-                    <a:p>
-                      <a:r>
-                        <a:rPr sz="1100"/>
-                        <a:t>$0</a:t>
-                      </a:r>
-                    </a:p>
-                  </a:txBody>
-                  <a:tcPr>
-                    <a:solidFill>
-                      <a:srgbClr val="E7E6E6"/>
-                    </a:solidFill>
-                  </a:tcPr>
-                </a:tc>
-                <a:tc>
-                  <a:txBody>
-                    <a:bodyPr/>
-                    <a:lstStyle/>
-                    <a:p>
-                      <a:r>
-                        <a:rPr sz="1100"/>
-                        <a:t>$59,300</a:t>
-                      </a:r>
-                    </a:p>
-                  </a:txBody>
-                  <a:tcPr>
-                    <a:solidFill>
-                      <a:srgbClr val="E7E6E6"/>
-                    </a:solidFill>
-                  </a:tcPr>
-                </a:tc>
-              </a:tr>
-              <a:tr h="370840">
-                <a:tc>
-                  <a:txBody>
-                    <a:bodyPr/>
-                    <a:lstStyle/>
-                    <a:p>
-                      <a:r>
-                        <a:rPr sz="1100"/>
-                        <a:t>Software Licenses &amp; Subscriptions</a:t>
-                      </a:r>
-                    </a:p>
-                  </a:txBody>
-                  <a:tcPr>
-                    <a:solidFill>
-                      <a:srgbClr val="E7E6E6"/>
-                    </a:solidFill>
-                  </a:tcPr>
-                </a:tc>
-                <a:tc>
-                  <a:txBody>
-                    <a:bodyPr/>
-                    <a:lstStyle/>
-                    <a:p>
-                      <a:r>
-                        <a:rPr sz="1100"/>
-                        <a:t>$900</a:t>
-                      </a:r>
-                    </a:p>
-                  </a:txBody>
-                  <a:tcPr>
-                    <a:solidFill>
-                      <a:srgbClr val="E7E6E6"/>
-                    </a:solidFill>
-                  </a:tcPr>
-                </a:tc>
-                <a:tc>
-                  <a:txBody>
-                    <a:bodyPr/>
-                    <a:lstStyle/>
-                    <a:p>
-                      <a:r>
-                        <a:rPr sz="1100"/>
-                        <a:t>$0</a:t>
-                      </a:r>
-                    </a:p>
-                  </a:txBody>
-                  <a:tcPr>
-                    <a:solidFill>
-                      <a:srgbClr val="E7E6E6"/>
-                    </a:solidFill>
-                  </a:tcPr>
-                </a:tc>
-                <a:tc>
-                  <a:txBody>
-                    <a:bodyPr/>
-                    <a:lstStyle/>
-                    <a:p>
-                      <a:r>
-                        <a:rPr sz="1100"/>
-                        <a:t>$900</a:t>
-                      </a:r>
-                    </a:p>
-                  </a:txBody>
-                  <a:tcPr>
-                    <a:solidFill>
-                      <a:srgbClr val="E7E6E6"/>
-                    </a:solidFill>
-                  </a:tcPr>
-                </a:tc>
-                <a:tc>
-                  <a:txBody>
-                    <a:bodyPr/>
-                    <a:lstStyle/>
-                    <a:p>
-                      <a:r>
-                        <a:rPr sz="1100"/>
-                        <a:t>$900</a:t>
-                      </a:r>
-                    </a:p>
-                  </a:txBody>
-                  <a:tcPr>
-                    <a:solidFill>
-                      <a:srgbClr val="E7E6E6"/>
-                    </a:solidFill>
-                  </a:tcPr>
-                </a:tc>
-                <a:tc>
-                  <a:txBody>
-                    <a:bodyPr/>
-                    <a:lstStyle/>
-                    <a:p>
-                      <a:r>
-                        <a:rPr sz="1100"/>
-                        <a:t>$900</a:t>
-                      </a:r>
-                    </a:p>
-                  </a:txBody>
-                  <a:tcPr>
-                    <a:solidFill>
-                      <a:srgbClr val="E7E6E6"/>
-                    </a:solidFill>
-                  </a:tcPr>
-                </a:tc>
-                <a:tc>
-                  <a:txBody>
-                    <a:bodyPr/>
-                    <a:lstStyle/>
-                    <a:p>
-                      <a:r>
-                        <a:rPr sz="1100"/>
-                        <a:t>$2,700</a:t>
-                      </a:r>
-                    </a:p>
-                  </a:txBody>
-                  <a:tcPr>
-                    <a:solidFill>
-                      <a:srgbClr val="E7E6E6"/>
-                    </a:solidFill>
-                  </a:tcPr>
-                </a:tc>
-              </a:tr>
-              <a:tr h="370840">
-                <a:tc>
-                  <a:txBody>
-                    <a:bodyPr/>
-                    <a:lstStyle/>
-                    <a:p>
-                      <a:r>
-                        <a:rPr sz="1100"/>
-                        <a:t>Support &amp; Maintenance</a:t>
-                      </a:r>
-                    </a:p>
-                  </a:txBody>
-                  <a:tcPr>
-                    <a:solidFill>
-                      <a:srgbClr val="E7E6E6"/>
-                    </a:solidFill>
-                  </a:tcPr>
-                </a:tc>
-                <a:tc>
-                  <a:txBody>
-                    <a:bodyPr/>
-                    <a:lstStyle/>
-                    <a:p>
-                      <a:r>
-                        <a:rPr sz="1100"/>
-                        <a:t>$1,200</a:t>
-                      </a:r>
-                    </a:p>
-                  </a:txBody>
-                  <a:tcPr>
-                    <a:solidFill>
-                      <a:srgbClr val="E7E6E6"/>
-                    </a:solidFill>
-                  </a:tcPr>
-                </a:tc>
-                <a:tc>
-                  <a:txBody>
-                    <a:bodyPr/>
-                    <a:lstStyle/>
-                    <a:p>
-                      <a:r>
-                        <a:rPr sz="1100"/>
-                        <a:t>$0</a:t>
-                      </a:r>
-                    </a:p>
-                  </a:txBody>
-                  <a:tcPr>
-                    <a:solidFill>
-                      <a:srgbClr val="E7E6E6"/>
-                    </a:solidFill>
-                  </a:tcPr>
-                </a:tc>
-                <a:tc>
-                  <a:txBody>
-                    <a:bodyPr/>
-                    <a:lstStyle/>
-                    <a:p>
-                      <a:r>
-                        <a:rPr sz="1100"/>
-                        <a:t>$1,200</a:t>
-                      </a:r>
-                    </a:p>
-                  </a:txBody>
-                  <a:tcPr>
-                    <a:solidFill>
-                      <a:srgbClr val="E7E6E6"/>
-                    </a:solidFill>
-                  </a:tcPr>
-                </a:tc>
-                <a:tc>
-                  <a:txBody>
-                    <a:bodyPr/>
-                    <a:lstStyle/>
-                    <a:p>
-                      <a:r>
-                        <a:rPr sz="1100"/>
-                        <a:t>$1,200</a:t>
-                      </a:r>
-                    </a:p>
-                  </a:txBody>
-                  <a:tcPr>
-                    <a:solidFill>
-                      <a:srgbClr val="E7E6E6"/>
-                    </a:solidFill>
-                  </a:tcPr>
-                </a:tc>
-                <a:tc>
-                  <a:txBody>
-                    <a:bodyPr/>
-                    <a:lstStyle/>
-                    <a:p>
-                      <a:r>
-                        <a:rPr sz="1100"/>
-                        <a:t>$1,200</a:t>
-                      </a:r>
-                    </a:p>
-                  </a:txBody>
-                  <a:tcPr>
-                    <a:solidFill>
-                      <a:srgbClr val="E7E6E6"/>
-                    </a:solidFill>
-                  </a:tcPr>
-                </a:tc>
-                <a:tc>
-                  <a:txBody>
-                    <a:bodyPr/>
-                    <a:lstStyle/>
-                    <a:p>
-                      <a:r>
-                        <a:rPr sz="1100"/>
-                        <a:t>$3,600</a:t>
-                      </a:r>
-                    </a:p>
-                  </a:txBody>
-                  <a:tcPr>
-                    <a:solidFill>
-                      <a:srgbClr val="E7E6E6"/>
-                    </a:solidFill>
-                  </a:tcPr>
-                </a:tc>
-              </a:tr>
-              <a:tr h="370840">
-                <a:tc>
-                  <a:txBody>
-                    <a:bodyPr/>
-                    <a:lstStyle/>
-                    <a:p>
-                      <a:r>
                         <a:rPr b="1" sz="1100"/>
                         <a:t>TOTAL INVESTMENT</a:t>
                       </a:r>
@@ -6759,7 +6163,7 @@
                     <a:p>
                       <a:r>
                         <a:rPr b="1" sz="1100"/>
-                        <a:t>$72,482</a:t>
+                        <a:t>$0</a:t>
                       </a:r>
                     </a:p>
                   </a:txBody>
@@ -6776,7 +6180,7 @@
                     <a:p>
                       <a:r>
                         <a:rPr b="1" sz="1100"/>
-                        <a:t>($6,800)</a:t>
+                        <a:t>$0</a:t>
                       </a:r>
                     </a:p>
                   </a:txBody>
@@ -6793,7 +6197,7 @@
                     <a:p>
                       <a:r>
                         <a:rPr b="1" sz="1100"/>
-                        <a:t>$65,682</a:t>
+                        <a:t>$0</a:t>
                       </a:r>
                     </a:p>
                   </a:txBody>
@@ -6810,7 +6214,7 @@
                     <a:p>
                       <a:r>
                         <a:rPr b="1" sz="1100"/>
-                        <a:t>$8,182</a:t>
+                        <a:t>$0</a:t>
                       </a:r>
                     </a:p>
                   </a:txBody>
@@ -6827,7 +6231,7 @@
                     <a:p>
                       <a:r>
                         <a:rPr b="1" sz="1100"/>
-                        <a:t>$8,182</a:t>
+                        <a:t>$0</a:t>
                       </a:r>
                     </a:p>
                   </a:txBody>
@@ -6844,7 +6248,7 @@
                     <a:p>
                       <a:r>
                         <a:rPr b="1" sz="1100"/>
-                        <a:t>$82,046</a:t>
+                        <a:t>$0</a:t>
                       </a:r>
                     </a:p>
                   </a:txBody>

--- a/solutions/azure/devops/enterprise-platform/presales/solution-briefing.pptx
+++ b/solutions/azure/devops/enterprise-platform/presales/solution-briefing.pptx
@@ -3361,7 +3361,7 @@
           <a:lstStyle/>
           <a:p>
             <a:r>
-              <a:t>Alison Smith | November 17, 2025</a:t>
+              <a:t>Alison Smith | November 18, 2025</a:t>
             </a:r>
           </a:p>
         </p:txBody>
@@ -5037,7 +5037,7 @@
               <a:t>Phase 1: Assessment &amp; Planning</a:t>
             </a:r>
             <a:r>
-              <a:t> *(Months 1-2)*</a:t>
+              <a:t> (Months 1-2)</a:t>
             </a:r>
           </a:p>
           <a:p>
@@ -5065,7 +5065,7 @@
               <a:t>Phase 2: Core Platform Setup</a:t>
             </a:r>
             <a:r>
-              <a:t> *(Months 3-4)*</a:t>
+              <a:t> (Months 3-4)</a:t>
             </a:r>
           </a:p>
           <a:p>
@@ -5093,7 +5093,7 @@
               <a:t>Phase 3: Optimization &amp; Adoption</a:t>
             </a:r>
             <a:r>
-              <a:t> *(Months 5-6)*</a:t>
+              <a:t> (Months 5-6)</a:t>
             </a:r>
           </a:p>
           <a:p>

--- a/solutions/azure/devops/enterprise-platform/presales/solution-briefing.pptx
+++ b/solutions/azure/devops/enterprise-platform/presales/solution-briefing.pptx
@@ -118,6 +118,9 @@
     <p:ext uri="{EFAFB233-063F-42B5-8137-9DF3F51BA10A}">
       <p15:sldGuideLst xmlns:p15="http://schemas.microsoft.com/office/powerpoint/2012/main"/>
     </p:ext>
+    <p:ext uri="{2D200454-40CA-4A62-9FC3-DE9A4176ACB9}">
+      <p15:notesGuideLst xmlns:p15="http://schemas.microsoft.com/office/powerpoint/2012/main"/>
+    </p:ext>
   </p:extLst>
 </p:presentation>
 </file>
@@ -144,6 +147,59 @@
           <a:chExt cx="0" cy="0"/>
         </a:xfrm>
       </p:grpSpPr>
+      <p:sp>
+        <p:nvSpPr>
+          <p:cNvPr id="2" name="Slide Image Placeholder 1"/>
+          <p:cNvSpPr>
+            <a:spLocks noGrp="1" noRot="1" noChangeAspect="1"/>
+          </p:cNvSpPr>
+          <p:nvPr>
+            <p:ph type="sldImg"/>
+          </p:nvPr>
+        </p:nvSpPr>
+        <p:spPr>
+          <a:xfrm>
+            <a:off x="-171450" y="1143000"/>
+            <a:ext cx="5486400" cy="3086100"/>
+          </a:xfrm>
+          <a:prstGeom prst="rect">
+            <a:avLst/>
+          </a:prstGeom>
+          <a:noFill/>
+          <a:ln w="12700">
+            <a:solidFill>
+              <a:prstClr val="black"/>
+            </a:solidFill>
+          </a:ln>
+        </p:spPr>
+      </p:sp>
+      <p:sp>
+        <p:nvSpPr>
+          <p:cNvPr id="3" name="Notes Placeholder 2"/>
+          <p:cNvSpPr>
+            <a:spLocks noGrp="1"/>
+          </p:cNvSpPr>
+          <p:nvPr>
+            <p:ph type="body" idx="1"/>
+          </p:nvPr>
+        </p:nvSpPr>
+        <p:spPr>
+          <a:xfrm>
+            <a:off x="514350" y="4400550"/>
+            <a:ext cx="4114800" cy="3600450"/>
+          </a:xfrm>
+          <a:prstGeom prst="rect">
+            <a:avLst/>
+          </a:prstGeom>
+        </p:spPr>
+        <p:txBody>
+          <a:bodyPr/>
+          <a:lstStyle/>
+          <a:p>
+            <a:endParaRPr lang="en-US"/>
+          </a:p>
+        </p:txBody>
+      </p:sp>
     </p:spTree>
     <p:extLst>
       <p:ext uri="{BB962C8B-B14F-4D97-AF65-F5344CB8AC3E}">
@@ -247,131 +303,6 @@
 </p:notesMaster>
 </file>
 
-<file path=ppt/notesSlides/notesSlide1.xml><?xml version="1.0" encoding="utf-8"?>
-<p:notes xmlns:a="http://schemas.openxmlformats.org/drawingml/2006/main" xmlns:p="http://schemas.openxmlformats.org/presentationml/2006/main" xmlns:r="http://schemas.openxmlformats.org/officeDocument/2006/relationships">
-  <p:cSld>
-    <p:spTree>
-      <p:nvGrpSpPr>
-        <p:cNvPr id="1" name=""/>
-        <p:cNvGrpSpPr/>
-        <p:nvPr/>
-      </p:nvGrpSpPr>
-      <p:grpSpPr>
-        <a:xfrm>
-          <a:off x="0" y="0"/>
-          <a:ext cx="0" cy="0"/>
-          <a:chOff x="0" y="0"/>
-          <a:chExt cx="0" cy="0"/>
-        </a:xfrm>
-      </p:grpSpPr>
-    </p:spTree>
-  </p:cSld>
-  <p:clrMapOvr>
-    <a:masterClrMapping/>
-  </p:clrMapOvr>
-</p:notes>
-</file>
-
-<file path=ppt/notesSlides/notesSlide2.xml><?xml version="1.0" encoding="utf-8"?>
-<p:notes xmlns:a="http://schemas.openxmlformats.org/drawingml/2006/main" xmlns:p="http://schemas.openxmlformats.org/presentationml/2006/main" xmlns:r="http://schemas.openxmlformats.org/officeDocument/2006/relationships">
-  <p:cSld>
-    <p:spTree>
-      <p:nvGrpSpPr>
-        <p:cNvPr id="1" name=""/>
-        <p:cNvGrpSpPr/>
-        <p:nvPr/>
-      </p:nvGrpSpPr>
-      <p:grpSpPr>
-        <a:xfrm>
-          <a:off x="0" y="0"/>
-          <a:ext cx="0" cy="0"/>
-          <a:chOff x="0" y="0"/>
-          <a:chExt cx="0" cy="0"/>
-        </a:xfrm>
-      </p:grpSpPr>
-    </p:spTree>
-  </p:cSld>
-  <p:clrMapOvr>
-    <a:masterClrMapping/>
-  </p:clrMapOvr>
-</p:notes>
-</file>
-
-<file path=ppt/notesSlides/notesSlide3.xml><?xml version="1.0" encoding="utf-8"?>
-<p:notes xmlns:a="http://schemas.openxmlformats.org/drawingml/2006/main" xmlns:p="http://schemas.openxmlformats.org/presentationml/2006/main" xmlns:r="http://schemas.openxmlformats.org/officeDocument/2006/relationships">
-  <p:cSld>
-    <p:spTree>
-      <p:nvGrpSpPr>
-        <p:cNvPr id="1" name=""/>
-        <p:cNvGrpSpPr/>
-        <p:nvPr/>
-      </p:nvGrpSpPr>
-      <p:grpSpPr>
-        <a:xfrm>
-          <a:off x="0" y="0"/>
-          <a:ext cx="0" cy="0"/>
-          <a:chOff x="0" y="0"/>
-          <a:chExt cx="0" cy="0"/>
-        </a:xfrm>
-      </p:grpSpPr>
-    </p:spTree>
-  </p:cSld>
-  <p:clrMapOvr>
-    <a:masterClrMapping/>
-  </p:clrMapOvr>
-</p:notes>
-</file>
-
-<file path=ppt/notesSlides/notesSlide4.xml><?xml version="1.0" encoding="utf-8"?>
-<p:notes xmlns:a="http://schemas.openxmlformats.org/drawingml/2006/main" xmlns:p="http://schemas.openxmlformats.org/presentationml/2006/main" xmlns:r="http://schemas.openxmlformats.org/officeDocument/2006/relationships">
-  <p:cSld>
-    <p:spTree>
-      <p:nvGrpSpPr>
-        <p:cNvPr id="1" name=""/>
-        <p:cNvGrpSpPr/>
-        <p:nvPr/>
-      </p:nvGrpSpPr>
-      <p:grpSpPr>
-        <a:xfrm>
-          <a:off x="0" y="0"/>
-          <a:ext cx="0" cy="0"/>
-          <a:chOff x="0" y="0"/>
-          <a:chExt cx="0" cy="0"/>
-        </a:xfrm>
-      </p:grpSpPr>
-    </p:spTree>
-  </p:cSld>
-  <p:clrMapOvr>
-    <a:masterClrMapping/>
-  </p:clrMapOvr>
-</p:notes>
-</file>
-
-<file path=ppt/notesSlides/notesSlide5.xml><?xml version="1.0" encoding="utf-8"?>
-<p:notes xmlns:a="http://schemas.openxmlformats.org/drawingml/2006/main" xmlns:p="http://schemas.openxmlformats.org/presentationml/2006/main" xmlns:r="http://schemas.openxmlformats.org/officeDocument/2006/relationships">
-  <p:cSld>
-    <p:spTree>
-      <p:nvGrpSpPr>
-        <p:cNvPr id="1" name=""/>
-        <p:cNvGrpSpPr/>
-        <p:nvPr/>
-      </p:nvGrpSpPr>
-      <p:grpSpPr>
-        <a:xfrm>
-          <a:off x="0" y="0"/>
-          <a:ext cx="0" cy="0"/>
-          <a:chOff x="0" y="0"/>
-          <a:chExt cx="0" cy="0"/>
-        </a:xfrm>
-      </p:grpSpPr>
-    </p:spTree>
-  </p:cSld>
-  <p:clrMapOvr>
-    <a:masterClrMapping/>
-  </p:clrMapOvr>
-</p:notes>
-</file>
-
 <file path=ppt/slideLayouts/slideLayout1.xml><?xml version="1.0" encoding="utf-8"?>
 <p:sldLayout xmlns:a="http://schemas.openxmlformats.org/drawingml/2006/main" xmlns:r="http://schemas.openxmlformats.org/officeDocument/2006/relationships" xmlns:p="http://schemas.openxmlformats.org/presentationml/2006/main" preserve="1" userDrawn="1">
   <p:cSld name="EO Title Slide">
@@ -887,36 +818,6 @@
           </a:p>
         </p:txBody>
       </p:sp>
-      <p:pic>
-        <p:nvPicPr>
-          <p:cNvPr id="13" name="Image 0" descr="/home/claude/eo-framework-logo.png">
-            <a:extLst>
-              <a:ext uri="{FF2B5EF4-FFF2-40B4-BE49-F238E27FC236}">
-                <a16:creationId xmlns:a16="http://schemas.microsoft.com/office/drawing/2014/main" id="{25116040-BB88-891D-9118-628A78E99872}"/>
-              </a:ext>
-            </a:extLst>
-          </p:cNvPr>
-          <p:cNvPicPr>
-            <a:picLocks noChangeAspect="1"/>
-          </p:cNvPicPr>
-          <p:nvPr userDrawn="1"/>
-        </p:nvPicPr>
-        <p:blipFill>
-          <a:blip r:embed="rId2"/>
-          <a:stretch>
-            <a:fillRect/>
-          </a:stretch>
-        </p:blipFill>
-        <p:spPr>
-          <a:xfrm>
-            <a:off x="6945879" y="4648200"/>
-            <a:ext cx="1952244" cy="417576"/>
-          </a:xfrm>
-          <a:prstGeom prst="rect">
-            <a:avLst/>
-          </a:prstGeom>
-        </p:spPr>
-      </p:pic>
       <p:sp>
         <p:nvSpPr>
           <p:cNvPr id="4" name="Text Placeholder 3">
@@ -946,7 +847,7 @@
           <a:bodyPr/>
           <a:lstStyle>
             <a:lvl1pPr>
-              <a:defRPr sz="2000" baseline="0">
+              <a:defRPr sz="2000" b="1" baseline="0">
                 <a:solidFill>
                   <a:srgbClr val="C00000"/>
                 </a:solidFill>
@@ -992,6 +893,48 @@
             <a:r>
               <a:rPr lang="en-US" dirty="0"/>
               <a:t>Fourth level</a:t>
+            </a:r>
+          </a:p>
+        </p:txBody>
+      </p:sp>
+      <p:sp>
+        <p:nvSpPr>
+          <p:cNvPr id="5" name="Text Placeholder 4">
+            <a:extLst>
+              <a:ext uri="{FF2B5EF4-FFF2-40B4-BE49-F238E27FC236}">
+                <a16:creationId xmlns:a16="http://schemas.microsoft.com/office/drawing/2014/main" id="{57F71806-AFEA-DD6D-E6AA-E2A002E682DE}"/>
+              </a:ext>
+            </a:extLst>
+          </p:cNvPr>
+          <p:cNvSpPr>
+            <a:spLocks noGrp="1"/>
+          </p:cNvSpPr>
+          <p:nvPr>
+            <p:ph type="body" sz="quarter" idx="15" hasCustomPrompt="1"/>
+          </p:nvPr>
+        </p:nvSpPr>
+        <p:spPr>
+          <a:xfrm>
+            <a:off x="5627076" y="4738688"/>
+            <a:ext cx="3218473" cy="238125"/>
+          </a:xfrm>
+          <a:prstGeom prst="rect">
+            <a:avLst/>
+          </a:prstGeom>
+        </p:spPr>
+        <p:txBody>
+          <a:bodyPr/>
+          <a:lstStyle>
+            <a:lvl5pPr algn="r">
+              <a:buNone/>
+              <a:defRPr sz="1100"/>
+            </a:lvl5pPr>
+          </a:lstStyle>
+          <a:p>
+            <a:pPr lvl="4"/>
+            <a:r>
+              <a:rPr lang="en-US" dirty="0"/>
+              <a:t>Project Name</a:t>
             </a:r>
           </a:p>
         </p:txBody>
@@ -1153,36 +1096,6 @@
           </a:p>
         </p:txBody>
       </p:sp>
-      <p:pic>
-        <p:nvPicPr>
-          <p:cNvPr id="13" name="Image 0" descr="/home/claude/eo-framework-logo.png">
-            <a:extLst>
-              <a:ext uri="{FF2B5EF4-FFF2-40B4-BE49-F238E27FC236}">
-                <a16:creationId xmlns:a16="http://schemas.microsoft.com/office/drawing/2014/main" id="{25116040-BB88-891D-9118-628A78E99872}"/>
-              </a:ext>
-            </a:extLst>
-          </p:cNvPr>
-          <p:cNvPicPr>
-            <a:picLocks noChangeAspect="1"/>
-          </p:cNvPicPr>
-          <p:nvPr userDrawn="1"/>
-        </p:nvPicPr>
-        <p:blipFill>
-          <a:blip r:embed="rId2"/>
-          <a:stretch>
-            <a:fillRect/>
-          </a:stretch>
-        </p:blipFill>
-        <p:spPr>
-          <a:xfrm>
-            <a:off x="6945879" y="4648200"/>
-            <a:ext cx="1952244" cy="417576"/>
-          </a:xfrm>
-          <a:prstGeom prst="rect">
-            <a:avLst/>
-          </a:prstGeom>
-        </p:spPr>
-      </p:pic>
       <p:sp>
         <p:nvSpPr>
           <p:cNvPr id="4" name="Text Placeholder 3">
@@ -1244,6 +1157,48 @@
             <a:r>
               <a:rPr lang="en-US" dirty="0"/>
               <a:t>Bullet Point 2</a:t>
+            </a:r>
+          </a:p>
+        </p:txBody>
+      </p:sp>
+      <p:sp>
+        <p:nvSpPr>
+          <p:cNvPr id="5" name="Text Placeholder 4">
+            <a:extLst>
+              <a:ext uri="{FF2B5EF4-FFF2-40B4-BE49-F238E27FC236}">
+                <a16:creationId xmlns:a16="http://schemas.microsoft.com/office/drawing/2014/main" id="{162079A5-28FD-9D2F-2B9B-2FC8F9339A31}"/>
+              </a:ext>
+            </a:extLst>
+          </p:cNvPr>
+          <p:cNvSpPr>
+            <a:spLocks noGrp="1"/>
+          </p:cNvSpPr>
+          <p:nvPr>
+            <p:ph type="body" sz="quarter" idx="15" hasCustomPrompt="1"/>
+          </p:nvPr>
+        </p:nvSpPr>
+        <p:spPr>
+          <a:xfrm>
+            <a:off x="5627076" y="4738688"/>
+            <a:ext cx="3218473" cy="238125"/>
+          </a:xfrm>
+          <a:prstGeom prst="rect">
+            <a:avLst/>
+          </a:prstGeom>
+        </p:spPr>
+        <p:txBody>
+          <a:bodyPr/>
+          <a:lstStyle>
+            <a:lvl5pPr algn="r">
+              <a:buNone/>
+              <a:defRPr sz="1100"/>
+            </a:lvl5pPr>
+          </a:lstStyle>
+          <a:p>
+            <a:pPr lvl="4"/>
+            <a:r>
+              <a:rPr lang="en-US" dirty="0"/>
+              <a:t>Project Name</a:t>
             </a:r>
           </a:p>
         </p:txBody>
@@ -1372,36 +1327,6 @@
           </a:p>
         </p:txBody>
       </p:sp>
-      <p:pic>
-        <p:nvPicPr>
-          <p:cNvPr id="8" name="Image 0" descr="/home/claude/eo-framework-logo.png">
-            <a:extLst>
-              <a:ext uri="{FF2B5EF4-FFF2-40B4-BE49-F238E27FC236}">
-                <a16:creationId xmlns:a16="http://schemas.microsoft.com/office/drawing/2014/main" id="{4B7035C6-0EF1-6BD3-318E-553D1AAD6709}"/>
-              </a:ext>
-            </a:extLst>
-          </p:cNvPr>
-          <p:cNvPicPr>
-            <a:picLocks noChangeAspect="1"/>
-          </p:cNvPicPr>
-          <p:nvPr userDrawn="1"/>
-        </p:nvPicPr>
-        <p:blipFill>
-          <a:blip r:embed="rId2"/>
-          <a:stretch>
-            <a:fillRect/>
-          </a:stretch>
-        </p:blipFill>
-        <p:spPr>
-          <a:xfrm>
-            <a:off x="6945879" y="4648200"/>
-            <a:ext cx="1952244" cy="417576"/>
-          </a:xfrm>
-          <a:prstGeom prst="rect">
-            <a:avLst/>
-          </a:prstGeom>
-        </p:spPr>
-      </p:pic>
       <p:sp>
         <p:nvSpPr>
           <p:cNvPr id="10" name="Picture Placeholder 13">
@@ -1464,7 +1389,7 @@
           <a:bodyPr/>
           <a:lstStyle>
             <a:lvl1pPr>
-              <a:defRPr sz="1800">
+              <a:defRPr sz="1800" b="1">
                 <a:solidFill>
                   <a:srgbClr val="C00000"/>
                 </a:solidFill>
@@ -1549,7 +1474,7 @@
           <a:bodyPr/>
           <a:lstStyle>
             <a:lvl1pPr>
-              <a:defRPr sz="1800">
+              <a:defRPr sz="1800" b="1">
                 <a:solidFill>
                   <a:srgbClr val="C00000"/>
                 </a:solidFill>
@@ -1601,6 +1526,48 @@
             <a:r>
               <a:rPr lang="en-US" dirty="0"/>
               <a:t>Fifth level</a:t>
+            </a:r>
+          </a:p>
+        </p:txBody>
+      </p:sp>
+      <p:sp>
+        <p:nvSpPr>
+          <p:cNvPr id="4" name="Text Placeholder 4">
+            <a:extLst>
+              <a:ext uri="{FF2B5EF4-FFF2-40B4-BE49-F238E27FC236}">
+                <a16:creationId xmlns:a16="http://schemas.microsoft.com/office/drawing/2014/main" id="{5DF49ED0-89F0-F008-ADD7-D71F338C8B9B}"/>
+              </a:ext>
+            </a:extLst>
+          </p:cNvPr>
+          <p:cNvSpPr>
+            <a:spLocks noGrp="1"/>
+          </p:cNvSpPr>
+          <p:nvPr>
+            <p:ph type="body" sz="quarter" idx="15" hasCustomPrompt="1"/>
+          </p:nvPr>
+        </p:nvSpPr>
+        <p:spPr>
+          <a:xfrm>
+            <a:off x="5697414" y="4681864"/>
+            <a:ext cx="3218473" cy="238125"/>
+          </a:xfrm>
+          <a:prstGeom prst="rect">
+            <a:avLst/>
+          </a:prstGeom>
+        </p:spPr>
+        <p:txBody>
+          <a:bodyPr/>
+          <a:lstStyle>
+            <a:lvl5pPr algn="r">
+              <a:buNone/>
+              <a:defRPr sz="1100"/>
+            </a:lvl5pPr>
+          </a:lstStyle>
+          <a:p>
+            <a:pPr lvl="4"/>
+            <a:r>
+              <a:rPr lang="en-US" dirty="0"/>
+              <a:t>Project Name</a:t>
             </a:r>
           </a:p>
         </p:txBody>
@@ -1789,36 +1756,6 @@
           </a:p>
         </p:txBody>
       </p:sp>
-      <p:pic>
-        <p:nvPicPr>
-          <p:cNvPr id="13" name="Image 0" descr="/home/claude/eo-framework-logo.png">
-            <a:extLst>
-              <a:ext uri="{FF2B5EF4-FFF2-40B4-BE49-F238E27FC236}">
-                <a16:creationId xmlns:a16="http://schemas.microsoft.com/office/drawing/2014/main" id="{25116040-BB88-891D-9118-628A78E99872}"/>
-              </a:ext>
-            </a:extLst>
-          </p:cNvPr>
-          <p:cNvPicPr>
-            <a:picLocks noChangeAspect="1"/>
-          </p:cNvPicPr>
-          <p:nvPr userDrawn="1"/>
-        </p:nvPicPr>
-        <p:blipFill>
-          <a:blip r:embed="rId2"/>
-          <a:stretch>
-            <a:fillRect/>
-          </a:stretch>
-        </p:blipFill>
-        <p:spPr>
-          <a:xfrm>
-            <a:off x="6945879" y="4648200"/>
-            <a:ext cx="1952244" cy="417576"/>
-          </a:xfrm>
-          <a:prstGeom prst="rect">
-            <a:avLst/>
-          </a:prstGeom>
-        </p:spPr>
-      </p:pic>
       <p:sp>
         <p:nvSpPr>
           <p:cNvPr id="5" name="Table Placeholder 4">
@@ -1849,6 +1786,48 @@
           <a:lstStyle/>
           <a:p>
             <a:endParaRPr lang="en-US"/>
+          </a:p>
+        </p:txBody>
+      </p:sp>
+      <p:sp>
+        <p:nvSpPr>
+          <p:cNvPr id="4" name="Text Placeholder 4">
+            <a:extLst>
+              <a:ext uri="{FF2B5EF4-FFF2-40B4-BE49-F238E27FC236}">
+                <a16:creationId xmlns:a16="http://schemas.microsoft.com/office/drawing/2014/main" id="{A00DC936-676C-1BAA-B4B4-D45CC5951D6E}"/>
+              </a:ext>
+            </a:extLst>
+          </p:cNvPr>
+          <p:cNvSpPr>
+            <a:spLocks noGrp="1"/>
+          </p:cNvSpPr>
+          <p:nvPr>
+            <p:ph type="body" sz="quarter" idx="15" hasCustomPrompt="1"/>
+          </p:nvPr>
+        </p:nvSpPr>
+        <p:spPr>
+          <a:xfrm>
+            <a:off x="5749315" y="4681864"/>
+            <a:ext cx="3218473" cy="238125"/>
+          </a:xfrm>
+          <a:prstGeom prst="rect">
+            <a:avLst/>
+          </a:prstGeom>
+        </p:spPr>
+        <p:txBody>
+          <a:bodyPr/>
+          <a:lstStyle>
+            <a:lvl5pPr algn="r">
+              <a:buNone/>
+              <a:defRPr sz="1100"/>
+            </a:lvl5pPr>
+          </a:lstStyle>
+          <a:p>
+            <a:pPr lvl="4"/>
+            <a:r>
+              <a:rPr lang="en-US" dirty="0"/>
+              <a:t>Project Name</a:t>
+            </a:r>
           </a:p>
         </p:txBody>
       </p:sp>
@@ -1976,36 +1955,6 @@
           </a:p>
         </p:txBody>
       </p:sp>
-      <p:pic>
-        <p:nvPicPr>
-          <p:cNvPr id="8" name="Image 0" descr="/home/claude/eo-framework-logo.png">
-            <a:extLst>
-              <a:ext uri="{FF2B5EF4-FFF2-40B4-BE49-F238E27FC236}">
-                <a16:creationId xmlns:a16="http://schemas.microsoft.com/office/drawing/2014/main" id="{4B7035C6-0EF1-6BD3-318E-553D1AAD6709}"/>
-              </a:ext>
-            </a:extLst>
-          </p:cNvPr>
-          <p:cNvPicPr>
-            <a:picLocks noChangeAspect="1"/>
-          </p:cNvPicPr>
-          <p:nvPr userDrawn="1"/>
-        </p:nvPicPr>
-        <p:blipFill>
-          <a:blip r:embed="rId2"/>
-          <a:stretch>
-            <a:fillRect/>
-          </a:stretch>
-        </p:blipFill>
-        <p:spPr>
-          <a:xfrm>
-            <a:off x="6945879" y="4648200"/>
-            <a:ext cx="1952244" cy="417576"/>
-          </a:xfrm>
-          <a:prstGeom prst="rect">
-            <a:avLst/>
-          </a:prstGeom>
-        </p:spPr>
-      </p:pic>
       <p:sp>
         <p:nvSpPr>
           <p:cNvPr id="10" name="Picture Placeholder 13">
@@ -2101,7 +2050,7 @@
           <a:bodyPr/>
           <a:lstStyle>
             <a:lvl1pPr>
-              <a:defRPr sz="1800">
+              <a:defRPr sz="1800" b="1">
                 <a:solidFill>
                   <a:srgbClr val="C00000"/>
                 </a:solidFill>
@@ -2153,6 +2102,48 @@
             <a:r>
               <a:rPr lang="en-US" dirty="0"/>
               <a:t>Fifth level</a:t>
+            </a:r>
+          </a:p>
+        </p:txBody>
+      </p:sp>
+      <p:sp>
+        <p:nvSpPr>
+          <p:cNvPr id="2" name="Text Placeholder 4">
+            <a:extLst>
+              <a:ext uri="{FF2B5EF4-FFF2-40B4-BE49-F238E27FC236}">
+                <a16:creationId xmlns:a16="http://schemas.microsoft.com/office/drawing/2014/main" id="{6D03683B-7C4B-D474-74C5-EC53E3BB515B}"/>
+              </a:ext>
+            </a:extLst>
+          </p:cNvPr>
+          <p:cNvSpPr>
+            <a:spLocks noGrp="1"/>
+          </p:cNvSpPr>
+          <p:nvPr>
+            <p:ph type="body" sz="quarter" idx="17" hasCustomPrompt="1"/>
+          </p:nvPr>
+        </p:nvSpPr>
+        <p:spPr>
+          <a:xfrm>
+            <a:off x="5781065" y="4729530"/>
+            <a:ext cx="3218473" cy="238125"/>
+          </a:xfrm>
+          <a:prstGeom prst="rect">
+            <a:avLst/>
+          </a:prstGeom>
+        </p:spPr>
+        <p:txBody>
+          <a:bodyPr/>
+          <a:lstStyle>
+            <a:lvl5pPr algn="r">
+              <a:buNone/>
+              <a:defRPr sz="1100"/>
+            </a:lvl5pPr>
+          </a:lstStyle>
+          <a:p>
+            <a:pPr lvl="4"/>
+            <a:r>
+              <a:rPr lang="en-US" dirty="0"/>
+              <a:t>Project Name</a:t>
             </a:r>
           </a:p>
         </p:txBody>
@@ -2281,36 +2272,6 @@
           </a:p>
         </p:txBody>
       </p:sp>
-      <p:pic>
-        <p:nvPicPr>
-          <p:cNvPr id="8" name="Image 0" descr="/home/claude/eo-framework-logo.png">
-            <a:extLst>
-              <a:ext uri="{FF2B5EF4-FFF2-40B4-BE49-F238E27FC236}">
-                <a16:creationId xmlns:a16="http://schemas.microsoft.com/office/drawing/2014/main" id="{4B7035C6-0EF1-6BD3-318E-553D1AAD6709}"/>
-              </a:ext>
-            </a:extLst>
-          </p:cNvPr>
-          <p:cNvPicPr>
-            <a:picLocks noChangeAspect="1"/>
-          </p:cNvPicPr>
-          <p:nvPr userDrawn="1"/>
-        </p:nvPicPr>
-        <p:blipFill>
-          <a:blip r:embed="rId2"/>
-          <a:stretch>
-            <a:fillRect/>
-          </a:stretch>
-        </p:blipFill>
-        <p:spPr>
-          <a:xfrm>
-            <a:off x="6945879" y="4648200"/>
-            <a:ext cx="1952244" cy="417576"/>
-          </a:xfrm>
-          <a:prstGeom prst="rect">
-            <a:avLst/>
-          </a:prstGeom>
-        </p:spPr>
-      </p:pic>
       <p:sp>
         <p:nvSpPr>
           <p:cNvPr id="10" name="Picture Placeholder 13">
@@ -2406,7 +2367,7 @@
           <a:bodyPr/>
           <a:lstStyle>
             <a:lvl1pPr>
-              <a:defRPr sz="1800">
+              <a:defRPr sz="1800" b="1">
                 <a:solidFill>
                   <a:srgbClr val="C00000"/>
                 </a:solidFill>
@@ -2458,6 +2419,48 @@
             <a:r>
               <a:rPr lang="en-US" dirty="0"/>
               <a:t>Fifth level</a:t>
+            </a:r>
+          </a:p>
+        </p:txBody>
+      </p:sp>
+      <p:sp>
+        <p:nvSpPr>
+          <p:cNvPr id="4" name="Text Placeholder 4">
+            <a:extLst>
+              <a:ext uri="{FF2B5EF4-FFF2-40B4-BE49-F238E27FC236}">
+                <a16:creationId xmlns:a16="http://schemas.microsoft.com/office/drawing/2014/main" id="{A1231DFE-6A5A-950E-159E-9E1D3D45FD36}"/>
+              </a:ext>
+            </a:extLst>
+          </p:cNvPr>
+          <p:cNvSpPr>
+            <a:spLocks noGrp="1"/>
+          </p:cNvSpPr>
+          <p:nvPr>
+            <p:ph type="body" sz="quarter" idx="17" hasCustomPrompt="1"/>
+          </p:nvPr>
+        </p:nvSpPr>
+        <p:spPr>
+          <a:xfrm>
+            <a:off x="5679465" y="4681864"/>
+            <a:ext cx="3218473" cy="238125"/>
+          </a:xfrm>
+          <a:prstGeom prst="rect">
+            <a:avLst/>
+          </a:prstGeom>
+        </p:spPr>
+        <p:txBody>
+          <a:bodyPr/>
+          <a:lstStyle>
+            <a:lvl5pPr algn="r">
+              <a:buNone/>
+              <a:defRPr sz="900"/>
+            </a:lvl5pPr>
+          </a:lstStyle>
+          <a:p>
+            <a:pPr lvl="4"/>
+            <a:r>
+              <a:rPr lang="en-US" dirty="0"/>
+              <a:t>Project Name</a:t>
             </a:r>
           </a:p>
         </p:txBody>
@@ -3265,25 +3268,6 @@
         <p:nvPr/>
       </p:nvGrpSpPr>
       <p:grpSpPr/>
-      <p:pic>
-        <p:nvPicPr>
-          <p:cNvPr id="2" name="Picture Placeholder 1" descr="client_logo.png"/>
-          <p:cNvPicPr>
-            <a:picLocks noGrp="1" noChangeAspect="1"/>
-          </p:cNvPicPr>
-          <p:nvPr>
-            <p:ph type="pic" idx="10" sz="quarter"/>
-          </p:nvPr>
-        </p:nvPicPr>
-        <p:blipFill>
-          <a:blip r:embed="rId2"/>
-          <a:srcRect t="433" b="433"/>
-          <a:stretch>
-            <a:fillRect/>
-          </a:stretch>
-        </p:blipFill>
-        <p:spPr/>
-      </p:pic>
       <p:sp>
         <p:nvSpPr>
           <p:cNvPr id="3" name="Text Placeholder 2"/>
@@ -3305,25 +3289,6 @@
           </a:p>
         </p:txBody>
       </p:sp>
-      <p:pic>
-        <p:nvPicPr>
-          <p:cNvPr id="4" name="Picture Placeholder 3" descr="consulting_company_logo.png"/>
-          <p:cNvPicPr>
-            <a:picLocks noGrp="1" noChangeAspect="1"/>
-          </p:cNvPicPr>
-          <p:nvPr>
-            <p:ph type="pic" idx="13" sz="quarter"/>
-          </p:nvPr>
-        </p:nvPicPr>
-        <p:blipFill>
-          <a:blip r:embed="rId3"/>
-          <a:srcRect t="5856" b="5856"/>
-          <a:stretch>
-            <a:fillRect/>
-          </a:stretch>
-        </p:blipFill>
-        <p:spPr/>
-      </p:pic>
       <p:sp>
         <p:nvSpPr>
           <p:cNvPr id="5" name="Text Placeholder 4"/>
@@ -3361,14 +3326,62 @@
           <a:lstStyle/>
           <a:p>
             <a:r>
-              <a:t>Alison Smith | November 18, 2025</a:t>
+              <a:t>Alison Smith | November 22, 2025</a:t>
             </a:r>
           </a:p>
         </p:txBody>
       </p:sp>
       <p:pic>
         <p:nvPicPr>
-          <p:cNvPr id="7" name="Picture 6" descr="eo-framework-logo-real.png"/>
+          <p:cNvPr id="7" name="Picture 6" descr="client_logo.png"/>
+          <p:cNvPicPr>
+            <a:picLocks noChangeAspect="1"/>
+          </p:cNvPicPr>
+          <p:nvPr/>
+        </p:nvPicPr>
+        <p:blipFill>
+          <a:blip r:embed="rId2"/>
+          <a:stretch>
+            <a:fillRect/>
+          </a:stretch>
+        </p:blipFill>
+        <p:spPr>
+          <a:xfrm>
+            <a:off x="2180492" y="171206"/>
+            <a:ext cx="3978520" cy="1314694"/>
+          </a:xfrm>
+          <a:prstGeom prst="rect">
+            <a:avLst/>
+          </a:prstGeom>
+        </p:spPr>
+      </p:pic>
+      <p:pic>
+        <p:nvPicPr>
+          <p:cNvPr id="8" name="Picture 7" descr="consulting_company_logo.png"/>
+          <p:cNvPicPr>
+            <a:picLocks noChangeAspect="1"/>
+          </p:cNvPicPr>
+          <p:nvPr/>
+        </p:nvPicPr>
+        <p:blipFill>
+          <a:blip r:embed="rId3"/>
+          <a:stretch>
+            <a:fillRect/>
+          </a:stretch>
+        </p:blipFill>
+        <p:spPr>
+          <a:xfrm>
+            <a:off x="313591" y="4536078"/>
+            <a:ext cx="2099897" cy="529698"/>
+          </a:xfrm>
+          <a:prstGeom prst="rect">
+            <a:avLst/>
+          </a:prstGeom>
+        </p:spPr>
+      </p:pic>
+      <p:pic>
+        <p:nvPicPr>
+          <p:cNvPr id="9" name="Picture 8" descr="eo-framework-logo-real.png"/>
           <p:cNvPicPr>
             <a:picLocks noChangeAspect="1"/>
           </p:cNvPicPr>
@@ -3423,31 +3436,13 @@
           <a:bodyPr/>
           <a:lstStyle/>
           <a:p>
+            <a:pPr algn="l"/>
             <a:r>
               <a:t>Next Steps</a:t>
             </a:r>
           </a:p>
         </p:txBody>
       </p:sp>
-      <p:pic>
-        <p:nvPicPr>
-          <p:cNvPr id="3" name="Picture Placeholder 2" descr="consulting_company_logo.png"/>
-          <p:cNvPicPr>
-            <a:picLocks noGrp="1" noChangeAspect="1"/>
-          </p:cNvPicPr>
-          <p:nvPr>
-            <p:ph type="pic" idx="13" sz="quarter"/>
-          </p:nvPr>
-        </p:nvPicPr>
-        <p:blipFill>
-          <a:blip r:embed="rId2"/>
-          <a:srcRect t="6762" b="6762"/>
-          <a:stretch>
-            <a:fillRect/>
-          </a:stretch>
-        </p:blipFill>
-        <p:spPr/>
-      </p:pic>
       <p:sp>
         <p:nvSpPr>
           <p:cNvPr id="4" name="Text Placeholder 3"/>
@@ -3469,7 +3464,7 @@
               <a:t>Decision:</a:t>
             </a:r>
             <a:r>
-              <a:t> Confirm DevOps platform investment by [specific date]</a:t>
+              <a:t> Confirm DevOps platform investment by [Target Date]</a:t>
             </a:r>
           </a:p>
           <a:p>
@@ -3479,7 +3474,7 @@
               <a:t>Kickoff:</a:t>
             </a:r>
             <a:r>
-              <a:t> Target project start in [Month]</a:t>
+              <a:t> Project start scheduled for [Start Date] with platform owner and pilot team</a:t>
             </a:r>
           </a:p>
           <a:p>
@@ -3489,69 +3484,78 @@
               <a:t>Team Formation:</a:t>
             </a:r>
             <a:r>
-              <a:t> Identify platform owner and pilot team</a:t>
+              <a:t> Identify platform owner, pilot team lead, and security approver</a:t>
             </a:r>
           </a:p>
           <a:p>
             <a:pPr/>
             <a:r>
               <a:rPr b="1"/>
-              <a:t>Week 1:</a:t>
-            </a:r>
-            <a:r>
-              <a:t> Contract finalization and Azure DevOps organization setup</a:t>
+              <a:t>Week 1-2:</a:t>
+            </a:r>
+            <a:r>
+              <a:t> Contract finalization, Azure DevOps organization setup, and stakeholder interviews</a:t>
             </a:r>
           </a:p>
           <a:p>
             <a:pPr/>
             <a:r>
               <a:rPr b="1"/>
-              <a:t>Week 2:</a:t>
-            </a:r>
-            <a:r>
-              <a:t> Current state assessment and stakeholder interviews</a:t>
-            </a:r>
-          </a:p>
-          <a:p>
-            <a:pPr/>
-            <a:r>
-              <a:rPr b="1"/>
-              <a:t>Week 3:</a:t>
-            </a:r>
-            <a:r>
-              <a:t> Pipeline strategy workshop with development leads</a:t>
-            </a:r>
-          </a:p>
-          <a:p>
-            <a:pPr/>
-            <a:r>
-              <a:rPr b="1"/>
-              <a:t>Week 4:</a:t>
-            </a:r>
-            <a:r>
-              <a:t> Pilot project selection and migration planning</a:t>
+              <a:t>Week 3-4:</a:t>
+            </a:r>
+            <a:r>
+              <a:t> Pipeline strategy workshop and pilot project selection with first automated pipeline running</a:t>
+            </a:r>
+          </a:p>
+        </p:txBody>
+      </p:sp>
+      <p:sp>
+        <p:nvSpPr>
+          <p:cNvPr id="5" name="Text Placeholder 4"/>
+          <p:cNvSpPr>
+            <a:spLocks noGrp="1"/>
+          </p:cNvSpPr>
+          <p:nvPr>
+            <p:ph type="body" idx="15" sz="quarter"/>
+          </p:nvPr>
+        </p:nvSpPr>
+        <p:spPr/>
+        <p:txBody>
+          <a:bodyPr/>
+          <a:lstStyle/>
+          <a:p>
+            <a:pPr algn="r">
+              <a:buNone/>
+            </a:pPr>
+            <a:r>
+              <a:rPr sz="1100">
+                <a:solidFill>
+                  <a:srgbClr val="CC0000"/>
+                </a:solidFill>
+              </a:rPr>
+              <a:t>Azure DevOps Enterprise Platform</a:t>
             </a:r>
           </a:p>
         </p:txBody>
       </p:sp>
       <p:pic>
         <p:nvPicPr>
-          <p:cNvPr id="5" name="Picture 4" descr="eo-framework-logo-real.png"/>
+          <p:cNvPr id="6" name="Picture 5" descr="consulting_company_logo.png"/>
           <p:cNvPicPr>
             <a:picLocks noChangeAspect="1"/>
           </p:cNvPicPr>
           <p:nvPr/>
         </p:nvPicPr>
         <p:blipFill>
-          <a:blip r:embed="rId3"/>
+          <a:blip r:embed="rId2"/>
           <a:stretch>
             <a:fillRect/>
           </a:stretch>
         </p:blipFill>
         <p:spPr>
           <a:xfrm>
-            <a:off x="6684264" y="4535424"/>
-            <a:ext cx="2139696" cy="530352"/>
+            <a:off x="313593" y="4536078"/>
+            <a:ext cx="2143858" cy="529698"/>
           </a:xfrm>
           <a:prstGeom prst="rect">
             <a:avLst/>
@@ -3576,25 +3580,6 @@
         <p:nvPr/>
       </p:nvGrpSpPr>
       <p:grpSpPr/>
-      <p:pic>
-        <p:nvPicPr>
-          <p:cNvPr id="2" name="Picture Placeholder 1" descr="client_logo.png"/>
-          <p:cNvPicPr>
-            <a:picLocks noGrp="1" noChangeAspect="1"/>
-          </p:cNvPicPr>
-          <p:nvPr>
-            <p:ph type="pic" idx="10" sz="quarter"/>
-          </p:nvPr>
-        </p:nvPicPr>
-        <p:blipFill>
-          <a:blip r:embed="rId2"/>
-          <a:srcRect t="433" b="433"/>
-          <a:stretch>
-            <a:fillRect/>
-          </a:stretch>
-        </p:blipFill>
-        <p:spPr/>
-      </p:pic>
       <p:sp>
         <p:nvSpPr>
           <p:cNvPr id="3" name="Text Placeholder 2"/>
@@ -3616,25 +3601,6 @@
           </a:p>
         </p:txBody>
       </p:sp>
-      <p:pic>
-        <p:nvPicPr>
-          <p:cNvPr id="4" name="Picture Placeholder 3" descr="consulting_company_logo.png"/>
-          <p:cNvPicPr>
-            <a:picLocks noGrp="1" noChangeAspect="1"/>
-          </p:cNvPicPr>
-          <p:nvPr>
-            <p:ph type="pic" idx="13" sz="quarter"/>
-          </p:nvPr>
-        </p:nvPicPr>
-        <p:blipFill>
-          <a:blip r:embed="rId3"/>
-          <a:srcRect t="7166" b="7166"/>
-          <a:stretch>
-            <a:fillRect/>
-          </a:stretch>
-        </p:blipFill>
-        <p:spPr/>
-      </p:pic>
       <p:sp>
         <p:nvSpPr>
           <p:cNvPr id="5" name="Text Placeholder 4"/>
@@ -3666,21 +3632,60 @@
         <p:txBody>
           <a:bodyPr/>
           <a:lstStyle/>
-          <a:p>
-            <a:pPr/>
-            <a:r>
-              <a:rPr b="1"/>
-              <a:t>Your Account Manager:</a:t>
-            </a:r>
-            <a:r>
-              <a:t> [Name, Title] | [Email] | [Phone]</a:t>
-            </a:r>
-          </a:p>
+          <a:p/>
         </p:txBody>
       </p:sp>
       <p:pic>
         <p:nvPicPr>
-          <p:cNvPr id="7" name="Picture 6" descr="eo-framework-logo-real.png"/>
+          <p:cNvPr id="7" name="Picture 6" descr="client_logo.png"/>
+          <p:cNvPicPr>
+            <a:picLocks noChangeAspect="1"/>
+          </p:cNvPicPr>
+          <p:nvPr/>
+        </p:nvPicPr>
+        <p:blipFill>
+          <a:blip r:embed="rId2"/>
+          <a:stretch>
+            <a:fillRect/>
+          </a:stretch>
+        </p:blipFill>
+        <p:spPr>
+          <a:xfrm>
+            <a:off x="2180492" y="171206"/>
+            <a:ext cx="3978520" cy="1314694"/>
+          </a:xfrm>
+          <a:prstGeom prst="rect">
+            <a:avLst/>
+          </a:prstGeom>
+        </p:spPr>
+      </p:pic>
+      <p:pic>
+        <p:nvPicPr>
+          <p:cNvPr id="8" name="Picture 7" descr="consulting_company_logo.png"/>
+          <p:cNvPicPr>
+            <a:picLocks noChangeAspect="1"/>
+          </p:cNvPicPr>
+          <p:nvPr/>
+        </p:nvPicPr>
+        <p:blipFill>
+          <a:blip r:embed="rId3"/>
+          <a:stretch>
+            <a:fillRect/>
+          </a:stretch>
+        </p:blipFill>
+        <p:spPr>
+          <a:xfrm>
+            <a:off x="313592" y="4536078"/>
+            <a:ext cx="2164114" cy="529698"/>
+          </a:xfrm>
+          <a:prstGeom prst="rect">
+            <a:avLst/>
+          </a:prstGeom>
+        </p:spPr>
+      </p:pic>
+      <p:pic>
+        <p:nvPicPr>
+          <p:cNvPr id="9" name="Picture 8" descr="eo-framework-logo-real.png"/>
           <p:cNvPicPr>
             <a:picLocks noChangeAspect="1"/>
           </p:cNvPicPr>
@@ -3735,31 +3740,13 @@
           <a:bodyPr/>
           <a:lstStyle/>
           <a:p>
+            <a:pPr algn="l"/>
             <a:r>
               <a:t>Business Opportunity</a:t>
             </a:r>
           </a:p>
         </p:txBody>
       </p:sp>
-      <p:pic>
-        <p:nvPicPr>
-          <p:cNvPr id="3" name="Picture Placeholder 2" descr="consulting_company_logo.png"/>
-          <p:cNvPicPr>
-            <a:picLocks noGrp="1" noChangeAspect="1"/>
-          </p:cNvPicPr>
-          <p:nvPr>
-            <p:ph type="pic" idx="14" sz="quarter"/>
-          </p:nvPr>
-        </p:nvPicPr>
-        <p:blipFill>
-          <a:blip r:embed="rId2"/>
-          <a:srcRect t="6314" b="6314"/>
-          <a:stretch>
-            <a:fillRect/>
-          </a:stretch>
-        </p:blipFill>
-        <p:spPr/>
-      </p:pic>
       <p:sp>
         <p:nvSpPr>
           <p:cNvPr id="4" name="Text Placeholder 3"/>
@@ -3842,24 +3829,53 @@
           </a:p>
         </p:txBody>
       </p:sp>
+      <p:sp>
+        <p:nvSpPr>
+          <p:cNvPr id="6" name="Text Placeholder 5"/>
+          <p:cNvSpPr>
+            <a:spLocks noGrp="1"/>
+          </p:cNvSpPr>
+          <p:nvPr>
+            <p:ph type="body" idx="15" sz="quarter"/>
+          </p:nvPr>
+        </p:nvSpPr>
+        <p:spPr/>
+        <p:txBody>
+          <a:bodyPr/>
+          <a:lstStyle/>
+          <a:p>
+            <a:pPr algn="r">
+              <a:buNone/>
+            </a:pPr>
+            <a:r>
+              <a:rPr sz="1100">
+                <a:solidFill>
+                  <a:srgbClr val="CC0000"/>
+                </a:solidFill>
+              </a:rPr>
+              <a:t>Azure DevOps Enterprise Platform</a:t>
+            </a:r>
+          </a:p>
+        </p:txBody>
+      </p:sp>
       <p:pic>
         <p:nvPicPr>
-          <p:cNvPr id="6" name="Picture 5" descr="eo-framework-logo-real.png"/>
+          <p:cNvPr id="7" name="Picture 6" descr="consulting_company_logo.png"/>
           <p:cNvPicPr>
             <a:picLocks noChangeAspect="1"/>
           </p:cNvPicPr>
           <p:nvPr/>
         </p:nvPicPr>
         <p:blipFill>
-          <a:blip r:embed="rId3"/>
+          <a:blip r:embed="rId2"/>
           <a:stretch>
             <a:fillRect/>
           </a:stretch>
         </p:blipFill>
         <p:spPr>
           <a:xfrm>
-            <a:off x="6684264" y="4535424"/>
-            <a:ext cx="2139696" cy="530352"/>
+            <a:off x="313592" y="4536078"/>
+            <a:ext cx="2121877" cy="529698"/>
           </a:xfrm>
           <a:prstGeom prst="rect">
             <a:avLst/>
@@ -3901,31 +3917,11 @@
           <a:p>
             <a:pPr algn="l"/>
             <a:r>
-              <a:rPr b="1"/>
               <a:t>Engagement Scope</a:t>
             </a:r>
           </a:p>
         </p:txBody>
       </p:sp>
-      <p:pic>
-        <p:nvPicPr>
-          <p:cNvPr id="3" name="Picture Placeholder 2" descr="consulting_company_logo.png"/>
-          <p:cNvPicPr>
-            <a:picLocks noGrp="1" noChangeAspect="1"/>
-          </p:cNvPicPr>
-          <p:nvPr>
-            <p:ph type="pic" idx="13" sz="quarter"/>
-          </p:nvPr>
-        </p:nvPicPr>
-        <p:blipFill>
-          <a:blip r:embed="rId2"/>
-          <a:srcRect t="6404" b="6404"/>
-          <a:stretch>
-            <a:fillRect/>
-          </a:stretch>
-        </p:blipFill>
-        <p:spPr/>
-      </p:pic>
       <p:graphicFrame>
         <p:nvGraphicFramePr>
           <p:cNvPr id="4" name="Table Placeholder 3"/>
@@ -4006,11 +4002,6 @@
                     <a:solidFill>
                       <a:srgbClr val="FFFFFF"/>
                     </a:solidFill>
-                    <a:lnL w="12700">
-                      <a:solidFill>
-                        <a:srgbClr val="D0D0D0"/>
-                      </a:solidFill>
-                    </a:lnL>
                   </a:tcPr>
                 </a:tc>
                 <a:tc>
@@ -4101,11 +4092,580 @@
                     <a:solidFill>
                       <a:srgbClr val="FFFFFF"/>
                     </a:solidFill>
-                    <a:lnL w="12700">
-                      <a:solidFill>
-                        <a:srgbClr val="D0D0D0"/>
-                      </a:solidFill>
-                    </a:lnL>
+                  </a:tcPr>
+                </a:tc>
+                <a:tc>
+                  <a:txBody>
+                    <a:bodyPr/>
+                    <a:lstStyle/>
+                    <a:p>
+                      <a:r>
+                        <a:rPr b="1" sz="1100"/>
+                        <a:t>Availability Requirements</a:t>
+                      </a:r>
+                    </a:p>
+                  </a:txBody>
+                  <a:tcPr>
+                    <a:solidFill>
+                      <a:srgbClr val="E7E6E6"/>
+                    </a:solidFill>
+                  </a:tcPr>
+                </a:tc>
+                <a:tc>
+                  <a:txBody>
+                    <a:bodyPr/>
+                    <a:lstStyle/>
+                    <a:p>
+                      <a:r>
+                        <a:rPr sz="1100"/>
+                        <a:t>Standard (99.5%)</a:t>
+                      </a:r>
+                    </a:p>
+                  </a:txBody>
+                  <a:tcPr>
+                    <a:solidFill>
+                      <a:srgbClr val="E7E6E6"/>
+                    </a:solidFill>
+                  </a:tcPr>
+                </a:tc>
+              </a:tr>
+              <a:tr h="370840">
+                <a:tc>
+                  <a:txBody>
+                    <a:bodyPr/>
+                    <a:lstStyle/>
+                    <a:p>
+                      <a:r>
+                        <a:rPr b="1" sz="1100"/>
+                        <a:t>CI/CD Pipelines</a:t>
+                      </a:r>
+                    </a:p>
+                  </a:txBody>
+                  <a:tcPr>
+                    <a:solidFill>
+                      <a:srgbClr val="E7E6E6"/>
+                    </a:solidFill>
+                  </a:tcPr>
+                </a:tc>
+                <a:tc>
+                  <a:txBody>
+                    <a:bodyPr/>
+                    <a:lstStyle/>
+                    <a:p>
+                      <a:r>
+                        <a:rPr sz="1100"/>
+                        <a:t>25-50 pipelines</a:t>
+                      </a:r>
+                    </a:p>
+                  </a:txBody>
+                  <a:tcPr>
+                    <a:solidFill>
+                      <a:srgbClr val="E7E6E6"/>
+                    </a:solidFill>
+                  </a:tcPr>
+                </a:tc>
+                <a:tc>
+                  <a:txBody>
+                    <a:bodyPr/>
+                    <a:lstStyle/>
+                    <a:p/>
+                  </a:txBody>
+                  <a:tcPr>
+                    <a:solidFill>
+                      <a:srgbClr val="FFFFFF"/>
+                    </a:solidFill>
+                  </a:tcPr>
+                </a:tc>
+                <a:tc>
+                  <a:txBody>
+                    <a:bodyPr/>
+                    <a:lstStyle/>
+                    <a:p>
+                      <a:r>
+                        <a:rPr b="1" sz="1100"/>
+                        <a:t>Infrastructure Complexity</a:t>
+                      </a:r>
+                    </a:p>
+                  </a:txBody>
+                  <a:tcPr>
+                    <a:solidFill>
+                      <a:srgbClr val="E7E6E6"/>
+                    </a:solidFill>
+                  </a:tcPr>
+                </a:tc>
+                <a:tc>
+                  <a:txBody>
+                    <a:bodyPr/>
+                    <a:lstStyle/>
+                    <a:p>
+                      <a:r>
+                        <a:rPr sz="1100"/>
+                        <a:t>Azure DevOps + self-hosted agents</a:t>
+                      </a:r>
+                    </a:p>
+                  </a:txBody>
+                  <a:tcPr>
+                    <a:solidFill>
+                      <a:srgbClr val="E7E6E6"/>
+                    </a:solidFill>
+                  </a:tcPr>
+                </a:tc>
+              </a:tr>
+              <a:tr h="370840">
+                <a:tc>
+                  <a:txBody>
+                    <a:bodyPr/>
+                    <a:lstStyle/>
+                    <a:p>
+                      <a:r>
+                        <a:rPr b="1" sz="1100"/>
+                        <a:t>External Integrations</a:t>
+                      </a:r>
+                    </a:p>
+                  </a:txBody>
+                  <a:tcPr>
+                    <a:solidFill>
+                      <a:srgbClr val="E7E6E6"/>
+                    </a:solidFill>
+                  </a:tcPr>
+                </a:tc>
+                <a:tc>
+                  <a:txBody>
+                    <a:bodyPr/>
+                    <a:lstStyle/>
+                    <a:p>
+                      <a:r>
+                        <a:rPr sz="1100"/>
+                        <a:t>GitHub SonarQube Artifactory</a:t>
+                      </a:r>
+                    </a:p>
+                  </a:txBody>
+                  <a:tcPr>
+                    <a:solidFill>
+                      <a:srgbClr val="E7E6E6"/>
+                    </a:solidFill>
+                  </a:tcPr>
+                </a:tc>
+                <a:tc>
+                  <a:txBody>
+                    <a:bodyPr/>
+                    <a:lstStyle/>
+                    <a:p/>
+                  </a:txBody>
+                  <a:tcPr>
+                    <a:solidFill>
+                      <a:srgbClr val="FFFFFF"/>
+                    </a:solidFill>
+                  </a:tcPr>
+                </a:tc>
+                <a:tc>
+                  <a:txBody>
+                    <a:bodyPr/>
+                    <a:lstStyle/>
+                    <a:p>
+                      <a:r>
+                        <a:rPr b="1" sz="1100"/>
+                        <a:t>Security Requirements</a:t>
+                      </a:r>
+                    </a:p>
+                  </a:txBody>
+                  <a:tcPr>
+                    <a:solidFill>
+                      <a:srgbClr val="E7E6E6"/>
+                    </a:solidFill>
+                  </a:tcPr>
+                </a:tc>
+                <a:tc>
+                  <a:txBody>
+                    <a:bodyPr/>
+                    <a:lstStyle/>
+                    <a:p>
+                      <a:r>
+                        <a:rPr sz="1100"/>
+                        <a:t>Service connections branch policies</a:t>
+                      </a:r>
+                    </a:p>
+                  </a:txBody>
+                  <a:tcPr>
+                    <a:solidFill>
+                      <a:srgbClr val="E7E6E6"/>
+                    </a:solidFill>
+                  </a:tcPr>
+                </a:tc>
+              </a:tr>
+              <a:tr h="370840">
+                <a:tc>
+                  <a:txBody>
+                    <a:bodyPr/>
+                    <a:lstStyle/>
+                    <a:p>
+                      <a:r>
+                        <a:rPr b="1" sz="1100"/>
+                        <a:t>Deployment Targets</a:t>
+                      </a:r>
+                    </a:p>
+                  </a:txBody>
+                  <a:tcPr>
+                    <a:solidFill>
+                      <a:srgbClr val="E7E6E6"/>
+                    </a:solidFill>
+                  </a:tcPr>
+                </a:tc>
+                <a:tc>
+                  <a:txBody>
+                    <a:bodyPr/>
+                    <a:lstStyle/>
+                    <a:p>
+                      <a:r>
+                        <a:rPr sz="1100"/>
+                        <a:t>Azure Kubernetes Service VMs</a:t>
+                      </a:r>
+                    </a:p>
+                  </a:txBody>
+                  <a:tcPr>
+                    <a:solidFill>
+                      <a:srgbClr val="E7E6E6"/>
+                    </a:solidFill>
+                  </a:tcPr>
+                </a:tc>
+                <a:tc>
+                  <a:txBody>
+                    <a:bodyPr/>
+                    <a:lstStyle/>
+                    <a:p/>
+                  </a:txBody>
+                  <a:tcPr>
+                    <a:solidFill>
+                      <a:srgbClr val="FFFFFF"/>
+                    </a:solidFill>
+                  </a:tcPr>
+                </a:tc>
+                <a:tc>
+                  <a:txBody>
+                    <a:bodyPr/>
+                    <a:lstStyle/>
+                    <a:p>
+                      <a:r>
+                        <a:rPr b="1" sz="1100"/>
+                        <a:t>Compliance Frameworks</a:t>
+                      </a:r>
+                    </a:p>
+                  </a:txBody>
+                  <a:tcPr>
+                    <a:solidFill>
+                      <a:srgbClr val="E7E6E6"/>
+                    </a:solidFill>
+                  </a:tcPr>
+                </a:tc>
+                <a:tc>
+                  <a:txBody>
+                    <a:bodyPr/>
+                    <a:lstStyle/>
+                    <a:p>
+                      <a:r>
+                        <a:rPr sz="1100"/>
+                        <a:t>SOC2</a:t>
+                      </a:r>
+                    </a:p>
+                  </a:txBody>
+                  <a:tcPr>
+                    <a:solidFill>
+                      <a:srgbClr val="E7E6E6"/>
+                    </a:solidFill>
+                  </a:tcPr>
+                </a:tc>
+              </a:tr>
+              <a:tr h="370840">
+                <a:tc>
+                  <a:txBody>
+                    <a:bodyPr/>
+                    <a:lstStyle/>
+                    <a:p>
+                      <a:r>
+                        <a:rPr b="1" sz="1100"/>
+                        <a:t>Total Users</a:t>
+                      </a:r>
+                    </a:p>
+                  </a:txBody>
+                  <a:tcPr>
+                    <a:solidFill>
+                      <a:srgbClr val="E7E6E6"/>
+                    </a:solidFill>
+                  </a:tcPr>
+                </a:tc>
+                <a:tc>
+                  <a:txBody>
+                    <a:bodyPr/>
+                    <a:lstStyle/>
+                    <a:p>
+                      <a:r>
+                        <a:rPr sz="1100"/>
+                        <a:t>50 developers</a:t>
+                      </a:r>
+                    </a:p>
+                  </a:txBody>
+                  <a:tcPr>
+                    <a:solidFill>
+                      <a:srgbClr val="E7E6E6"/>
+                    </a:solidFill>
+                  </a:tcPr>
+                </a:tc>
+                <a:tc>
+                  <a:txBody>
+                    <a:bodyPr/>
+                    <a:lstStyle/>
+                    <a:p/>
+                  </a:txBody>
+                  <a:tcPr>
+                    <a:solidFill>
+                      <a:srgbClr val="FFFFFF"/>
+                    </a:solidFill>
+                  </a:tcPr>
+                </a:tc>
+                <a:tc>
+                  <a:txBody>
+                    <a:bodyPr/>
+                    <a:lstStyle/>
+                    <a:p>
+                      <a:r>
+                        <a:rPr b="1" sz="1100"/>
+                        <a:t>Build Performance</a:t>
+                      </a:r>
+                    </a:p>
+                  </a:txBody>
+                  <a:tcPr>
+                    <a:solidFill>
+                      <a:srgbClr val="E7E6E6"/>
+                    </a:solidFill>
+                  </a:tcPr>
+                </a:tc>
+                <a:tc>
+                  <a:txBody>
+                    <a:bodyPr/>
+                    <a:lstStyle/>
+                    <a:p>
+                      <a:r>
+                        <a:rPr sz="1100"/>
+                        <a:t>Standard build times</a:t>
+                      </a:r>
+                    </a:p>
+                  </a:txBody>
+                  <a:tcPr>
+                    <a:solidFill>
+                      <a:srgbClr val="E7E6E6"/>
+                    </a:solidFill>
+                  </a:tcPr>
+                </a:tc>
+              </a:tr>
+              <a:tr h="370840">
+                <a:tc>
+                  <a:txBody>
+                    <a:bodyPr/>
+                    <a:lstStyle/>
+                    <a:p>
+                      <a:r>
+                        <a:rPr b="1" sz="1100"/>
+                        <a:t>User Roles</a:t>
+                      </a:r>
+                    </a:p>
+                  </a:txBody>
+                  <a:tcPr>
+                    <a:solidFill>
+                      <a:srgbClr val="E7E6E6"/>
+                    </a:solidFill>
+                  </a:tcPr>
+                </a:tc>
+                <a:tc>
+                  <a:txBody>
+                    <a:bodyPr/>
+                    <a:lstStyle/>
+                    <a:p>
+                      <a:r>
+                        <a:rPr sz="1100"/>
+                        <a:t>4 roles (dev lead ops admin)</a:t>
+                      </a:r>
+                    </a:p>
+                  </a:txBody>
+                  <a:tcPr>
+                    <a:solidFill>
+                      <a:srgbClr val="E7E6E6"/>
+                    </a:solidFill>
+                  </a:tcPr>
+                </a:tc>
+                <a:tc>
+                  <a:txBody>
+                    <a:bodyPr/>
+                    <a:lstStyle/>
+                    <a:p/>
+                  </a:txBody>
+                  <a:tcPr>
+                    <a:solidFill>
+                      <a:srgbClr val="FFFFFF"/>
+                    </a:solidFill>
+                  </a:tcPr>
+                </a:tc>
+                <a:tc>
+                  <a:txBody>
+                    <a:bodyPr/>
+                    <a:lstStyle/>
+                    <a:p>
+                      <a:r>
+                        <a:rPr b="1" sz="1100"/>
+                        <a:t>Deployment Frequency</a:t>
+                      </a:r>
+                    </a:p>
+                  </a:txBody>
+                  <a:tcPr>
+                    <a:solidFill>
+                      <a:srgbClr val="E7E6E6"/>
+                    </a:solidFill>
+                  </a:tcPr>
+                </a:tc>
+                <a:tc>
+                  <a:txBody>
+                    <a:bodyPr/>
+                    <a:lstStyle/>
+                    <a:p>
+                      <a:r>
+                        <a:rPr sz="1100"/>
+                        <a:t>Daily deployments</a:t>
+                      </a:r>
+                    </a:p>
+                  </a:txBody>
+                  <a:tcPr>
+                    <a:solidFill>
+                      <a:srgbClr val="E7E6E6"/>
+                    </a:solidFill>
+                  </a:tcPr>
+                </a:tc>
+              </a:tr>
+              <a:tr h="370840">
+                <a:tc>
+                  <a:txBody>
+                    <a:bodyPr/>
+                    <a:lstStyle/>
+                    <a:p>
+                      <a:r>
+                        <a:rPr b="1" sz="1100"/>
+                        <a:t>Build Artifacts</a:t>
+                      </a:r>
+                    </a:p>
+                  </a:txBody>
+                  <a:tcPr>
+                    <a:solidFill>
+                      <a:srgbClr val="E7E6E6"/>
+                    </a:solidFill>
+                  </a:tcPr>
+                </a:tc>
+                <a:tc>
+                  <a:txBody>
+                    <a:bodyPr/>
+                    <a:lstStyle/>
+                    <a:p>
+                      <a:r>
+                        <a:rPr sz="1100"/>
+                        <a:t>100 GB storage</a:t>
+                      </a:r>
+                    </a:p>
+                  </a:txBody>
+                  <a:tcPr>
+                    <a:solidFill>
+                      <a:srgbClr val="E7E6E6"/>
+                    </a:solidFill>
+                  </a:tcPr>
+                </a:tc>
+                <a:tc>
+                  <a:txBody>
+                    <a:bodyPr/>
+                    <a:lstStyle/>
+                    <a:p/>
+                  </a:txBody>
+                  <a:tcPr>
+                    <a:solidFill>
+                      <a:srgbClr val="FFFFFF"/>
+                    </a:solidFill>
+                  </a:tcPr>
+                </a:tc>
+                <a:tc>
+                  <a:txBody>
+                    <a:bodyPr/>
+                    <a:lstStyle/>
+                    <a:p>
+                      <a:r>
+                        <a:rPr b="1" sz="1100"/>
+                        <a:t>Deployment Environments</a:t>
+                      </a:r>
+                    </a:p>
+                  </a:txBody>
+                  <a:tcPr>
+                    <a:solidFill>
+                      <a:srgbClr val="E7E6E6"/>
+                    </a:solidFill>
+                  </a:tcPr>
+                </a:tc>
+                <a:tc>
+                  <a:txBody>
+                    <a:bodyPr/>
+                    <a:lstStyle/>
+                    <a:p>
+                      <a:r>
+                        <a:rPr sz="1100"/>
+                        <a:t>3 environments (dev staging prod)</a:t>
+                      </a:r>
+                    </a:p>
+                  </a:txBody>
+                  <a:tcPr>
+                    <a:solidFill>
+                      <a:srgbClr val="E7E6E6"/>
+                    </a:solidFill>
+                  </a:tcPr>
+                </a:tc>
+              </a:tr>
+              <a:tr h="370840">
+                <a:tc>
+                  <a:txBody>
+                    <a:bodyPr/>
+                    <a:lstStyle/>
+                    <a:p>
+                      <a:r>
+                        <a:rPr b="1" sz="1100"/>
+                        <a:t>Pipeline Runs</a:t>
+                      </a:r>
+                    </a:p>
+                  </a:txBody>
+                  <a:tcPr>
+                    <a:solidFill>
+                      <a:srgbClr val="E7E6E6"/>
+                    </a:solidFill>
+                  </a:tcPr>
+                </a:tc>
+                <a:tc>
+                  <a:txBody>
+                    <a:bodyPr/>
+                    <a:lstStyle/>
+                    <a:p>
+                      <a:r>
+                        <a:rPr sz="1100"/>
+                        <a:t>500 runs/month</a:t>
+                      </a:r>
+                    </a:p>
+                  </a:txBody>
+                  <a:tcPr>
+                    <a:solidFill>
+                      <a:srgbClr val="E7E6E6"/>
+                    </a:solidFill>
+                  </a:tcPr>
+                </a:tc>
+                <a:tc>
+                  <a:txBody>
+                    <a:bodyPr/>
+                    <a:lstStyle/>
+                    <a:p/>
+                  </a:txBody>
+                  <a:tcPr>
+                    <a:solidFill>
+                      <a:srgbClr val="FFFFFF"/>
+                    </a:solidFill>
                   </a:tcPr>
                 </a:tc>
                 <a:tc>
@@ -4133,615 +4693,6 @@
                       <a:r>
                         <a:rPr sz="1100"/>
                         <a:t>Single Azure region</a:t>
-                      </a:r>
-                    </a:p>
-                  </a:txBody>
-                  <a:tcPr>
-                    <a:solidFill>
-                      <a:srgbClr val="E7E6E6"/>
-                    </a:solidFill>
-                  </a:tcPr>
-                </a:tc>
-              </a:tr>
-              <a:tr h="370840">
-                <a:tc>
-                  <a:txBody>
-                    <a:bodyPr/>
-                    <a:lstStyle/>
-                    <a:p>
-                      <a:r>
-                        <a:rPr b="1" sz="1100"/>
-                        <a:t>CI/CD Pipelines</a:t>
-                      </a:r>
-                    </a:p>
-                  </a:txBody>
-                  <a:tcPr>
-                    <a:solidFill>
-                      <a:srgbClr val="E7E6E6"/>
-                    </a:solidFill>
-                  </a:tcPr>
-                </a:tc>
-                <a:tc>
-                  <a:txBody>
-                    <a:bodyPr/>
-                    <a:lstStyle/>
-                    <a:p>
-                      <a:r>
-                        <a:rPr sz="1100"/>
-                        <a:t>25-50 pipelines</a:t>
-                      </a:r>
-                    </a:p>
-                  </a:txBody>
-                  <a:tcPr>
-                    <a:solidFill>
-                      <a:srgbClr val="E7E6E6"/>
-                    </a:solidFill>
-                  </a:tcPr>
-                </a:tc>
-                <a:tc>
-                  <a:txBody>
-                    <a:bodyPr/>
-                    <a:lstStyle/>
-                    <a:p/>
-                  </a:txBody>
-                  <a:tcPr>
-                    <a:solidFill>
-                      <a:srgbClr val="FFFFFF"/>
-                    </a:solidFill>
-                    <a:lnL w="12700">
-                      <a:solidFill>
-                        <a:srgbClr val="D0D0D0"/>
-                      </a:solidFill>
-                    </a:lnL>
-                  </a:tcPr>
-                </a:tc>
-                <a:tc>
-                  <a:txBody>
-                    <a:bodyPr/>
-                    <a:lstStyle/>
-                    <a:p>
-                      <a:r>
-                        <a:rPr b="1" sz="1100"/>
-                        <a:t>Availability Requirements</a:t>
-                      </a:r>
-                    </a:p>
-                  </a:txBody>
-                  <a:tcPr>
-                    <a:solidFill>
-                      <a:srgbClr val="E7E6E6"/>
-                    </a:solidFill>
-                  </a:tcPr>
-                </a:tc>
-                <a:tc>
-                  <a:txBody>
-                    <a:bodyPr/>
-                    <a:lstStyle/>
-                    <a:p>
-                      <a:r>
-                        <a:rPr sz="1100"/>
-                        <a:t>Standard (99.5%)</a:t>
-                      </a:r>
-                    </a:p>
-                  </a:txBody>
-                  <a:tcPr>
-                    <a:solidFill>
-                      <a:srgbClr val="E7E6E6"/>
-                    </a:solidFill>
-                  </a:tcPr>
-                </a:tc>
-              </a:tr>
-              <a:tr h="370840">
-                <a:tc>
-                  <a:txBody>
-                    <a:bodyPr/>
-                    <a:lstStyle/>
-                    <a:p>
-                      <a:r>
-                        <a:rPr b="1" sz="1100"/>
-                        <a:t>External Integrations</a:t>
-                      </a:r>
-                    </a:p>
-                  </a:txBody>
-                  <a:tcPr>
-                    <a:solidFill>
-                      <a:srgbClr val="E7E6E6"/>
-                    </a:solidFill>
-                  </a:tcPr>
-                </a:tc>
-                <a:tc>
-                  <a:txBody>
-                    <a:bodyPr/>
-                    <a:lstStyle/>
-                    <a:p>
-                      <a:r>
-                        <a:rPr sz="1100"/>
-                        <a:t>GitHub SonarQube Artifactory</a:t>
-                      </a:r>
-                    </a:p>
-                  </a:txBody>
-                  <a:tcPr>
-                    <a:solidFill>
-                      <a:srgbClr val="E7E6E6"/>
-                    </a:solidFill>
-                  </a:tcPr>
-                </a:tc>
-                <a:tc>
-                  <a:txBody>
-                    <a:bodyPr/>
-                    <a:lstStyle/>
-                    <a:p/>
-                  </a:txBody>
-                  <a:tcPr>
-                    <a:solidFill>
-                      <a:srgbClr val="FFFFFF"/>
-                    </a:solidFill>
-                    <a:lnL w="12700">
-                      <a:solidFill>
-                        <a:srgbClr val="D0D0D0"/>
-                      </a:solidFill>
-                    </a:lnL>
-                  </a:tcPr>
-                </a:tc>
-                <a:tc>
-                  <a:txBody>
-                    <a:bodyPr/>
-                    <a:lstStyle/>
-                    <a:p>
-                      <a:r>
-                        <a:rPr b="1" sz="1100"/>
-                        <a:t>Infrastructure Complexity</a:t>
-                      </a:r>
-                    </a:p>
-                  </a:txBody>
-                  <a:tcPr>
-                    <a:solidFill>
-                      <a:srgbClr val="E7E6E6"/>
-                    </a:solidFill>
-                  </a:tcPr>
-                </a:tc>
-                <a:tc>
-                  <a:txBody>
-                    <a:bodyPr/>
-                    <a:lstStyle/>
-                    <a:p>
-                      <a:r>
-                        <a:rPr sz="1100"/>
-                        <a:t>Azure DevOps + self-hosted agents</a:t>
-                      </a:r>
-                    </a:p>
-                  </a:txBody>
-                  <a:tcPr>
-                    <a:solidFill>
-                      <a:srgbClr val="E7E6E6"/>
-                    </a:solidFill>
-                  </a:tcPr>
-                </a:tc>
-              </a:tr>
-              <a:tr h="370840">
-                <a:tc>
-                  <a:txBody>
-                    <a:bodyPr/>
-                    <a:lstStyle/>
-                    <a:p>
-                      <a:r>
-                        <a:rPr b="1" sz="1100"/>
-                        <a:t>Deployment Targets</a:t>
-                      </a:r>
-                    </a:p>
-                  </a:txBody>
-                  <a:tcPr>
-                    <a:solidFill>
-                      <a:srgbClr val="E7E6E6"/>
-                    </a:solidFill>
-                  </a:tcPr>
-                </a:tc>
-                <a:tc>
-                  <a:txBody>
-                    <a:bodyPr/>
-                    <a:lstStyle/>
-                    <a:p>
-                      <a:r>
-                        <a:rPr sz="1100"/>
-                        <a:t>Azure Kubernetes Service VMs</a:t>
-                      </a:r>
-                    </a:p>
-                  </a:txBody>
-                  <a:tcPr>
-                    <a:solidFill>
-                      <a:srgbClr val="E7E6E6"/>
-                    </a:solidFill>
-                  </a:tcPr>
-                </a:tc>
-                <a:tc>
-                  <a:txBody>
-                    <a:bodyPr/>
-                    <a:lstStyle/>
-                    <a:p/>
-                  </a:txBody>
-                  <a:tcPr>
-                    <a:solidFill>
-                      <a:srgbClr val="FFFFFF"/>
-                    </a:solidFill>
-                    <a:lnL w="12700">
-                      <a:solidFill>
-                        <a:srgbClr val="D0D0D0"/>
-                      </a:solidFill>
-                    </a:lnL>
-                  </a:tcPr>
-                </a:tc>
-                <a:tc>
-                  <a:txBody>
-                    <a:bodyPr/>
-                    <a:lstStyle/>
-                    <a:p>
-                      <a:r>
-                        <a:rPr b="1" sz="1100"/>
-                        <a:t>Security Requirements</a:t>
-                      </a:r>
-                    </a:p>
-                  </a:txBody>
-                  <a:tcPr>
-                    <a:solidFill>
-                      <a:srgbClr val="E7E6E6"/>
-                    </a:solidFill>
-                  </a:tcPr>
-                </a:tc>
-                <a:tc>
-                  <a:txBody>
-                    <a:bodyPr/>
-                    <a:lstStyle/>
-                    <a:p>
-                      <a:r>
-                        <a:rPr sz="1100"/>
-                        <a:t>Service connections branch policies</a:t>
-                      </a:r>
-                    </a:p>
-                  </a:txBody>
-                  <a:tcPr>
-                    <a:solidFill>
-                      <a:srgbClr val="E7E6E6"/>
-                    </a:solidFill>
-                  </a:tcPr>
-                </a:tc>
-              </a:tr>
-              <a:tr h="370840">
-                <a:tc>
-                  <a:txBody>
-                    <a:bodyPr/>
-                    <a:lstStyle/>
-                    <a:p>
-                      <a:r>
-                        <a:rPr b="1" sz="1100"/>
-                        <a:t>Total Users</a:t>
-                      </a:r>
-                    </a:p>
-                  </a:txBody>
-                  <a:tcPr>
-                    <a:solidFill>
-                      <a:srgbClr val="E7E6E6"/>
-                    </a:solidFill>
-                  </a:tcPr>
-                </a:tc>
-                <a:tc>
-                  <a:txBody>
-                    <a:bodyPr/>
-                    <a:lstStyle/>
-                    <a:p>
-                      <a:r>
-                        <a:rPr sz="1100"/>
-                        <a:t>50 developers</a:t>
-                      </a:r>
-                    </a:p>
-                  </a:txBody>
-                  <a:tcPr>
-                    <a:solidFill>
-                      <a:srgbClr val="E7E6E6"/>
-                    </a:solidFill>
-                  </a:tcPr>
-                </a:tc>
-                <a:tc>
-                  <a:txBody>
-                    <a:bodyPr/>
-                    <a:lstStyle/>
-                    <a:p/>
-                  </a:txBody>
-                  <a:tcPr>
-                    <a:solidFill>
-                      <a:srgbClr val="FFFFFF"/>
-                    </a:solidFill>
-                    <a:lnL w="12700">
-                      <a:solidFill>
-                        <a:srgbClr val="D0D0D0"/>
-                      </a:solidFill>
-                    </a:lnL>
-                  </a:tcPr>
-                </a:tc>
-                <a:tc>
-                  <a:txBody>
-                    <a:bodyPr/>
-                    <a:lstStyle/>
-                    <a:p>
-                      <a:r>
-                        <a:rPr b="1" sz="1100"/>
-                        <a:t>Compliance Frameworks</a:t>
-                      </a:r>
-                    </a:p>
-                  </a:txBody>
-                  <a:tcPr>
-                    <a:solidFill>
-                      <a:srgbClr val="E7E6E6"/>
-                    </a:solidFill>
-                  </a:tcPr>
-                </a:tc>
-                <a:tc>
-                  <a:txBody>
-                    <a:bodyPr/>
-                    <a:lstStyle/>
-                    <a:p>
-                      <a:r>
-                        <a:rPr sz="1100"/>
-                        <a:t>SOC2</a:t>
-                      </a:r>
-                    </a:p>
-                  </a:txBody>
-                  <a:tcPr>
-                    <a:solidFill>
-                      <a:srgbClr val="E7E6E6"/>
-                    </a:solidFill>
-                  </a:tcPr>
-                </a:tc>
-              </a:tr>
-              <a:tr h="370840">
-                <a:tc>
-                  <a:txBody>
-                    <a:bodyPr/>
-                    <a:lstStyle/>
-                    <a:p>
-                      <a:r>
-                        <a:rPr b="1" sz="1100"/>
-                        <a:t>User Roles</a:t>
-                      </a:r>
-                    </a:p>
-                  </a:txBody>
-                  <a:tcPr>
-                    <a:solidFill>
-                      <a:srgbClr val="E7E6E6"/>
-                    </a:solidFill>
-                  </a:tcPr>
-                </a:tc>
-                <a:tc>
-                  <a:txBody>
-                    <a:bodyPr/>
-                    <a:lstStyle/>
-                    <a:p>
-                      <a:r>
-                        <a:rPr sz="1100"/>
-                        <a:t>4 roles (dev lead ops admin)</a:t>
-                      </a:r>
-                    </a:p>
-                  </a:txBody>
-                  <a:tcPr>
-                    <a:solidFill>
-                      <a:srgbClr val="E7E6E6"/>
-                    </a:solidFill>
-                  </a:tcPr>
-                </a:tc>
-                <a:tc>
-                  <a:txBody>
-                    <a:bodyPr/>
-                    <a:lstStyle/>
-                    <a:p/>
-                  </a:txBody>
-                  <a:tcPr>
-                    <a:solidFill>
-                      <a:srgbClr val="FFFFFF"/>
-                    </a:solidFill>
-                    <a:lnL w="12700">
-                      <a:solidFill>
-                        <a:srgbClr val="D0D0D0"/>
-                      </a:solidFill>
-                    </a:lnL>
-                  </a:tcPr>
-                </a:tc>
-                <a:tc>
-                  <a:txBody>
-                    <a:bodyPr/>
-                    <a:lstStyle/>
-                    <a:p>
-                      <a:r>
-                        <a:rPr b="1" sz="1100"/>
-                        <a:t>Build Performance</a:t>
-                      </a:r>
-                    </a:p>
-                  </a:txBody>
-                  <a:tcPr>
-                    <a:solidFill>
-                      <a:srgbClr val="E7E6E6"/>
-                    </a:solidFill>
-                  </a:tcPr>
-                </a:tc>
-                <a:tc>
-                  <a:txBody>
-                    <a:bodyPr/>
-                    <a:lstStyle/>
-                    <a:p>
-                      <a:r>
-                        <a:rPr sz="1100"/>
-                        <a:t>Standard build times</a:t>
-                      </a:r>
-                    </a:p>
-                  </a:txBody>
-                  <a:tcPr>
-                    <a:solidFill>
-                      <a:srgbClr val="E7E6E6"/>
-                    </a:solidFill>
-                  </a:tcPr>
-                </a:tc>
-              </a:tr>
-              <a:tr h="370840">
-                <a:tc>
-                  <a:txBody>
-                    <a:bodyPr/>
-                    <a:lstStyle/>
-                    <a:p>
-                      <a:r>
-                        <a:rPr b="1" sz="1100"/>
-                        <a:t>Build Artifacts</a:t>
-                      </a:r>
-                    </a:p>
-                  </a:txBody>
-                  <a:tcPr>
-                    <a:solidFill>
-                      <a:srgbClr val="E7E6E6"/>
-                    </a:solidFill>
-                  </a:tcPr>
-                </a:tc>
-                <a:tc>
-                  <a:txBody>
-                    <a:bodyPr/>
-                    <a:lstStyle/>
-                    <a:p>
-                      <a:r>
-                        <a:rPr sz="1100"/>
-                        <a:t>100 GB storage</a:t>
-                      </a:r>
-                    </a:p>
-                  </a:txBody>
-                  <a:tcPr>
-                    <a:solidFill>
-                      <a:srgbClr val="E7E6E6"/>
-                    </a:solidFill>
-                  </a:tcPr>
-                </a:tc>
-                <a:tc>
-                  <a:txBody>
-                    <a:bodyPr/>
-                    <a:lstStyle/>
-                    <a:p/>
-                  </a:txBody>
-                  <a:tcPr>
-                    <a:solidFill>
-                      <a:srgbClr val="FFFFFF"/>
-                    </a:solidFill>
-                    <a:lnL w="12700">
-                      <a:solidFill>
-                        <a:srgbClr val="D0D0D0"/>
-                      </a:solidFill>
-                    </a:lnL>
-                  </a:tcPr>
-                </a:tc>
-                <a:tc>
-                  <a:txBody>
-                    <a:bodyPr/>
-                    <a:lstStyle/>
-                    <a:p>
-                      <a:r>
-                        <a:rPr b="1" sz="1100"/>
-                        <a:t>Deployment Frequency</a:t>
-                      </a:r>
-                    </a:p>
-                  </a:txBody>
-                  <a:tcPr>
-                    <a:solidFill>
-                      <a:srgbClr val="E7E6E6"/>
-                    </a:solidFill>
-                  </a:tcPr>
-                </a:tc>
-                <a:tc>
-                  <a:txBody>
-                    <a:bodyPr/>
-                    <a:lstStyle/>
-                    <a:p>
-                      <a:r>
-                        <a:rPr sz="1100"/>
-                        <a:t>Daily deployments</a:t>
-                      </a:r>
-                    </a:p>
-                  </a:txBody>
-                  <a:tcPr>
-                    <a:solidFill>
-                      <a:srgbClr val="E7E6E6"/>
-                    </a:solidFill>
-                  </a:tcPr>
-                </a:tc>
-              </a:tr>
-              <a:tr h="370840">
-                <a:tc>
-                  <a:txBody>
-                    <a:bodyPr/>
-                    <a:lstStyle/>
-                    <a:p>
-                      <a:r>
-                        <a:rPr b="1" sz="1100"/>
-                        <a:t>Pipeline Runs</a:t>
-                      </a:r>
-                    </a:p>
-                  </a:txBody>
-                  <a:tcPr>
-                    <a:solidFill>
-                      <a:srgbClr val="E7E6E6"/>
-                    </a:solidFill>
-                  </a:tcPr>
-                </a:tc>
-                <a:tc>
-                  <a:txBody>
-                    <a:bodyPr/>
-                    <a:lstStyle/>
-                    <a:p>
-                      <a:r>
-                        <a:rPr sz="1100"/>
-                        <a:t>500 runs/month</a:t>
-                      </a:r>
-                    </a:p>
-                  </a:txBody>
-                  <a:tcPr>
-                    <a:solidFill>
-                      <a:srgbClr val="E7E6E6"/>
-                    </a:solidFill>
-                  </a:tcPr>
-                </a:tc>
-                <a:tc>
-                  <a:txBody>
-                    <a:bodyPr/>
-                    <a:lstStyle/>
-                    <a:p/>
-                  </a:txBody>
-                  <a:tcPr>
-                    <a:solidFill>
-                      <a:srgbClr val="FFFFFF"/>
-                    </a:solidFill>
-                    <a:lnL w="12700">
-                      <a:solidFill>
-                        <a:srgbClr val="D0D0D0"/>
-                      </a:solidFill>
-                    </a:lnL>
-                  </a:tcPr>
-                </a:tc>
-                <a:tc>
-                  <a:txBody>
-                    <a:bodyPr/>
-                    <a:lstStyle/>
-                    <a:p>
-                      <a:r>
-                        <a:rPr b="1" sz="1100"/>
-                        <a:t>Deployment Environments</a:t>
-                      </a:r>
-                    </a:p>
-                  </a:txBody>
-                  <a:tcPr>
-                    <a:solidFill>
-                      <a:srgbClr val="E7E6E6"/>
-                    </a:solidFill>
-                  </a:tcPr>
-                </a:tc>
-                <a:tc>
-                  <a:txBody>
-                    <a:bodyPr/>
-                    <a:lstStyle/>
-                    <a:p>
-                      <a:r>
-                        <a:rPr sz="1100"/>
-                        <a:t>3 environments (dev staging prod)</a:t>
                       </a:r>
                     </a:p>
                   </a:txBody>
@@ -4756,24 +4707,53 @@
           </a:graphicData>
         </a:graphic>
       </p:graphicFrame>
+      <p:sp>
+        <p:nvSpPr>
+          <p:cNvPr id="5" name="Text Placeholder 4"/>
+          <p:cNvSpPr>
+            <a:spLocks noGrp="1"/>
+          </p:cNvSpPr>
+          <p:nvPr>
+            <p:ph type="body" idx="15" sz="quarter"/>
+          </p:nvPr>
+        </p:nvSpPr>
+        <p:spPr/>
+        <p:txBody>
+          <a:bodyPr/>
+          <a:lstStyle/>
+          <a:p>
+            <a:pPr algn="r">
+              <a:buNone/>
+            </a:pPr>
+            <a:r>
+              <a:rPr sz="1100">
+                <a:solidFill>
+                  <a:srgbClr val="CC0000"/>
+                </a:solidFill>
+              </a:rPr>
+              <a:t>Azure DevOps Enterprise Platform</a:t>
+            </a:r>
+          </a:p>
+        </p:txBody>
+      </p:sp>
       <p:pic>
         <p:nvPicPr>
-          <p:cNvPr id="5" name="Picture 4" descr="eo-framework-logo-real.png"/>
+          <p:cNvPr id="6" name="Picture 5" descr="consulting_company_logo.png"/>
           <p:cNvPicPr>
             <a:picLocks noChangeAspect="1"/>
           </p:cNvPicPr>
           <p:nvPr/>
         </p:nvPicPr>
         <p:blipFill>
-          <a:blip r:embed="rId3"/>
+          <a:blip r:embed="rId2"/>
           <a:stretch>
             <a:fillRect/>
           </a:stretch>
         </p:blipFill>
         <p:spPr>
           <a:xfrm>
-            <a:off x="6684264" y="4535424"/>
-            <a:ext cx="2139696" cy="530352"/>
+            <a:off x="313592" y="4536078"/>
+            <a:ext cx="2126273" cy="529698"/>
           </a:xfrm>
           <a:prstGeom prst="rect">
             <a:avLst/>
@@ -4813,42 +4793,12 @@
           <a:bodyPr/>
           <a:lstStyle/>
           <a:p>
+            <a:pPr algn="l"/>
             <a:r>
               <a:t>Solution Overview</a:t>
             </a:r>
           </a:p>
         </p:txBody>
-      </p:sp>
-      <p:pic>
-        <p:nvPicPr>
-          <p:cNvPr id="3" name="Picture Placeholder 2" descr="consulting_company_logo.png"/>
-          <p:cNvPicPr>
-            <a:picLocks noGrp="1" noChangeAspect="1"/>
-          </p:cNvPicPr>
-          <p:nvPr>
-            <p:ph type="pic" idx="14" sz="quarter"/>
-          </p:nvPr>
-        </p:nvPicPr>
-        <p:blipFill>
-          <a:blip r:embed="rId2"/>
-          <a:srcRect t="6494" b="6494"/>
-          <a:stretch>
-            <a:fillRect/>
-          </a:stretch>
-        </p:blipFill>
-        <p:spPr/>
-      </p:pic>
-      <p:sp>
-        <p:nvSpPr>
-          <p:cNvPr id="4" name="Picture Placeholder 3"/>
-          <p:cNvSpPr>
-            <a:spLocks noGrp="1"/>
-          </p:cNvSpPr>
-          <p:nvPr>
-            <p:ph type="pic" idx="15" sz="quarter"/>
-          </p:nvPr>
-        </p:nvSpPr>
-        <p:spPr/>
       </p:sp>
       <p:sp>
         <p:nvSpPr>
@@ -4934,24 +4884,83 @@
           </a:p>
         </p:txBody>
       </p:sp>
+      <p:sp>
+        <p:nvSpPr>
+          <p:cNvPr id="6" name="Text Placeholder 5"/>
+          <p:cNvSpPr>
+            <a:spLocks noGrp="1"/>
+          </p:cNvSpPr>
+          <p:nvPr>
+            <p:ph type="body" idx="17" sz="quarter"/>
+          </p:nvPr>
+        </p:nvSpPr>
+        <p:spPr/>
+        <p:txBody>
+          <a:bodyPr/>
+          <a:lstStyle/>
+          <a:p>
+            <a:pPr algn="r">
+              <a:buNone/>
+            </a:pPr>
+            <a:r>
+              <a:rPr sz="1100">
+                <a:solidFill>
+                  <a:srgbClr val="CC0000"/>
+                </a:solidFill>
+              </a:rPr>
+              <a:t>Azure DevOps Enterprise Platform</a:t>
+            </a:r>
+          </a:p>
+        </p:txBody>
+      </p:sp>
       <p:pic>
         <p:nvPicPr>
-          <p:cNvPr id="6" name="Picture 5" descr="architecture-diagram.png"/>
+          <p:cNvPr id="7" name="Picture 6" descr="architecture-diagram.png"/>
           <p:cNvPicPr>
             <a:picLocks noChangeAspect="1"/>
           </p:cNvPicPr>
           <p:nvPr/>
         </p:nvPicPr>
         <p:blipFill>
-          <a:blip r:embed="rId4"/>
+          <a:blip r:embed="rId2"/>
           <a:stretch>
             <a:fillRect/>
           </a:stretch>
         </p:blipFill>
         <p:spPr>
           <a:xfrm>
-            <a:off x="4662488" y="1238400"/>
-            <a:ext cx="4337050" cy="2710656"/>
+            <a:off x="4662488" y="685799"/>
+            <a:ext cx="4337050" cy="3815859"/>
+          </a:xfrm>
+          <a:prstGeom prst="rect">
+            <a:avLst/>
+          </a:prstGeom>
+          <a:ln w="12700">
+            <a:solidFill>
+              <a:srgbClr val="C0C0C0"/>
+            </a:solidFill>
+            <a:prstDash val="solid"/>
+          </a:ln>
+        </p:spPr>
+      </p:pic>
+      <p:pic>
+        <p:nvPicPr>
+          <p:cNvPr id="8" name="Picture 7" descr="consulting_company_logo.png"/>
+          <p:cNvPicPr>
+            <a:picLocks noChangeAspect="1"/>
+          </p:cNvPicPr>
+          <p:nvPr/>
+        </p:nvPicPr>
+        <p:blipFill>
+          <a:blip r:embed="rId3"/>
+          <a:stretch>
+            <a:fillRect/>
+          </a:stretch>
+        </p:blipFill>
+        <p:spPr>
+          <a:xfrm>
+            <a:off x="313592" y="4536078"/>
+            <a:ext cx="2130670" cy="529698"/>
           </a:xfrm>
           <a:prstGeom prst="rect">
             <a:avLst/>
@@ -4991,31 +5000,13 @@
           <a:bodyPr/>
           <a:lstStyle/>
           <a:p>
+            <a:pPr algn="l"/>
             <a:r>
               <a:t>Implementation Approach</a:t>
             </a:r>
           </a:p>
         </p:txBody>
       </p:sp>
-      <p:pic>
-        <p:nvPicPr>
-          <p:cNvPr id="3" name="Picture Placeholder 2" descr="consulting_company_logo.png"/>
-          <p:cNvPicPr>
-            <a:picLocks noGrp="1" noChangeAspect="1"/>
-          </p:cNvPicPr>
-          <p:nvPr>
-            <p:ph type="pic" idx="13" sz="quarter"/>
-          </p:nvPr>
-        </p:nvPicPr>
-        <p:blipFill>
-          <a:blip r:embed="rId2"/>
-          <a:srcRect t="6762" b="6762"/>
-          <a:stretch>
-            <a:fillRect/>
-          </a:stretch>
-        </p:blipFill>
-        <p:spPr/>
-      </p:pic>
       <p:sp>
         <p:nvSpPr>
           <p:cNvPr id="4" name="Text Placeholder 3"/>
@@ -5116,24 +5107,53 @@
           </a:p>
         </p:txBody>
       </p:sp>
+      <p:sp>
+        <p:nvSpPr>
+          <p:cNvPr id="5" name="Text Placeholder 4"/>
+          <p:cNvSpPr>
+            <a:spLocks noGrp="1"/>
+          </p:cNvSpPr>
+          <p:nvPr>
+            <p:ph type="body" idx="15" sz="quarter"/>
+          </p:nvPr>
+        </p:nvSpPr>
+        <p:spPr/>
+        <p:txBody>
+          <a:bodyPr/>
+          <a:lstStyle/>
+          <a:p>
+            <a:pPr algn="r">
+              <a:buNone/>
+            </a:pPr>
+            <a:r>
+              <a:rPr sz="1100">
+                <a:solidFill>
+                  <a:srgbClr val="CC0000"/>
+                </a:solidFill>
+              </a:rPr>
+              <a:t>Azure DevOps Enterprise Platform</a:t>
+            </a:r>
+          </a:p>
+        </p:txBody>
+      </p:sp>
       <p:pic>
         <p:nvPicPr>
-          <p:cNvPr id="5" name="Picture 4" descr="eo-framework-logo-real.png"/>
+          <p:cNvPr id="6" name="Picture 5" descr="consulting_company_logo.png"/>
           <p:cNvPicPr>
             <a:picLocks noChangeAspect="1"/>
           </p:cNvPicPr>
           <p:nvPr/>
         </p:nvPicPr>
         <p:blipFill>
-          <a:blip r:embed="rId3"/>
+          <a:blip r:embed="rId2"/>
           <a:stretch>
             <a:fillRect/>
           </a:stretch>
         </p:blipFill>
         <p:spPr>
           <a:xfrm>
-            <a:off x="6684264" y="4535424"/>
-            <a:ext cx="2139696" cy="530352"/>
+            <a:off x="313593" y="4536078"/>
+            <a:ext cx="2143858" cy="529698"/>
           </a:xfrm>
           <a:prstGeom prst="rect">
             <a:avLst/>
@@ -5175,31 +5195,11 @@
           <a:p>
             <a:pPr algn="l"/>
             <a:r>
-              <a:rPr b="1"/>
               <a:t>Timeline &amp; Milestones</a:t>
             </a:r>
           </a:p>
         </p:txBody>
       </p:sp>
-      <p:pic>
-        <p:nvPicPr>
-          <p:cNvPr id="3" name="Picture Placeholder 2" descr="consulting_company_logo.png"/>
-          <p:cNvPicPr>
-            <a:picLocks noGrp="1" noChangeAspect="1"/>
-          </p:cNvPicPr>
-          <p:nvPr>
-            <p:ph type="pic" idx="13" sz="quarter"/>
-          </p:nvPr>
-        </p:nvPicPr>
-        <p:blipFill>
-          <a:blip r:embed="rId2"/>
-          <a:srcRect t="6404" b="6404"/>
-          <a:stretch>
-            <a:fillRect/>
-          </a:stretch>
-        </p:blipFill>
-        <p:spPr/>
-      </p:pic>
       <p:graphicFrame>
         <p:nvGraphicFramePr>
           <p:cNvPr id="4" name="Table Placeholder 3"/>
@@ -5526,24 +5526,53 @@
           </a:graphicData>
         </a:graphic>
       </p:graphicFrame>
+      <p:sp>
+        <p:nvSpPr>
+          <p:cNvPr id="5" name="Text Placeholder 4"/>
+          <p:cNvSpPr>
+            <a:spLocks noGrp="1"/>
+          </p:cNvSpPr>
+          <p:nvPr>
+            <p:ph type="body" idx="15" sz="quarter"/>
+          </p:nvPr>
+        </p:nvSpPr>
+        <p:spPr/>
+        <p:txBody>
+          <a:bodyPr/>
+          <a:lstStyle/>
+          <a:p>
+            <a:pPr algn="r">
+              <a:buNone/>
+            </a:pPr>
+            <a:r>
+              <a:rPr sz="1100">
+                <a:solidFill>
+                  <a:srgbClr val="CC0000"/>
+                </a:solidFill>
+              </a:rPr>
+              <a:t>Azure DevOps Enterprise Platform</a:t>
+            </a:r>
+          </a:p>
+        </p:txBody>
+      </p:sp>
       <p:pic>
         <p:nvPicPr>
-          <p:cNvPr id="5" name="Picture 4" descr="eo-framework-logo-real.png"/>
+          <p:cNvPr id="6" name="Picture 5" descr="consulting_company_logo.png"/>
           <p:cNvPicPr>
             <a:picLocks noChangeAspect="1"/>
           </p:cNvPicPr>
           <p:nvPr/>
         </p:nvPicPr>
         <p:blipFill>
-          <a:blip r:embed="rId3"/>
+          <a:blip r:embed="rId2"/>
           <a:stretch>
             <a:fillRect/>
           </a:stretch>
         </p:blipFill>
         <p:spPr>
           <a:xfrm>
-            <a:off x="6684264" y="4535424"/>
-            <a:ext cx="2139696" cy="530352"/>
+            <a:off x="313592" y="4536078"/>
+            <a:ext cx="2126273" cy="529698"/>
           </a:xfrm>
           <a:prstGeom prst="rect">
             <a:avLst/>
@@ -5583,31 +5612,13 @@
           <a:bodyPr/>
           <a:lstStyle/>
           <a:p>
+            <a:pPr algn="l"/>
             <a:r>
               <a:t>Success Stories</a:t>
             </a:r>
           </a:p>
         </p:txBody>
       </p:sp>
-      <p:pic>
-        <p:nvPicPr>
-          <p:cNvPr id="3" name="Picture Placeholder 2" descr="consulting_company_logo.png"/>
-          <p:cNvPicPr>
-            <a:picLocks noGrp="1" noChangeAspect="1"/>
-          </p:cNvPicPr>
-          <p:nvPr>
-            <p:ph type="pic" idx="13" sz="quarter"/>
-          </p:nvPr>
-        </p:nvPicPr>
-        <p:blipFill>
-          <a:blip r:embed="rId2"/>
-          <a:srcRect t="6762" b="6762"/>
-          <a:stretch>
-            <a:fillRect/>
-          </a:stretch>
-        </p:blipFill>
-        <p:spPr/>
-      </p:pic>
       <p:sp>
         <p:nvSpPr>
           <p:cNvPr id="4" name="Text Placeholder 3"/>
@@ -5636,7 +5647,7 @@
               <a:t>Client:</a:t>
             </a:r>
             <a:r>
-              <a:t> Mid-size software company with 200+ developers across 8 product teams</a:t>
+              <a:t> Software company with 200+ developers across 8 product teams</a:t>
             </a:r>
           </a:p>
           <a:p>
@@ -5656,7 +5667,7 @@
               <a:t>Solution:</a:t>
             </a:r>
             <a:r>
-              <a:t> Deployed Azure DevOps platform with standardized YAML pipelines, automated testing integration, and centralized artifact management across all development teams</a:t>
+              <a:t> Deployed Azure DevOps platform with standardized YAML pipelines, automated testing integration, and centralized artifact management</a:t>
             </a:r>
           </a:p>
           <a:p>
@@ -5676,36 +5687,65 @@
               <a:t>Testimonial:</a:t>
             </a:r>
             <a:r>
-              <a:t> "Azure DevOps transformed how our teams deliver software. We went from dreading release days to confidently deploying multiple times per week. The standardization has improved quality while giving teams the flexibility they need. Our developers can focus on building features instead of fighting deployment issues." — </a:t>
+              <a:t> "Azure DevOps transformed how our teams deliver software. We went from dreading release days to confidently deploying multiple times per week. Our developers focus on building features instead of fighting deployments." — </a:t>
             </a:r>
             <a:r>
               <a:rPr b="1"/>
-              <a:t>Sarah Martinez, VP of Engineering</a:t>
+              <a:t>Sarah Martinez, VP Engineering</a:t>
             </a:r>
             <a:r>
               <a:t>, Enterprise Software Corp</a:t>
+            </a:r>
+          </a:p>
+        </p:txBody>
+      </p:sp>
+      <p:sp>
+        <p:nvSpPr>
+          <p:cNvPr id="5" name="Text Placeholder 4"/>
+          <p:cNvSpPr>
+            <a:spLocks noGrp="1"/>
+          </p:cNvSpPr>
+          <p:nvPr>
+            <p:ph type="body" idx="15" sz="quarter"/>
+          </p:nvPr>
+        </p:nvSpPr>
+        <p:spPr/>
+        <p:txBody>
+          <a:bodyPr/>
+          <a:lstStyle/>
+          <a:p>
+            <a:pPr algn="r">
+              <a:buNone/>
+            </a:pPr>
+            <a:r>
+              <a:rPr sz="1100">
+                <a:solidFill>
+                  <a:srgbClr val="CC0000"/>
+                </a:solidFill>
+              </a:rPr>
+              <a:t>Azure DevOps Enterprise Platform</a:t>
             </a:r>
           </a:p>
         </p:txBody>
       </p:sp>
       <p:pic>
         <p:nvPicPr>
-          <p:cNvPr id="5" name="Picture 4" descr="eo-framework-logo-real.png"/>
+          <p:cNvPr id="6" name="Picture 5" descr="consulting_company_logo.png"/>
           <p:cNvPicPr>
             <a:picLocks noChangeAspect="1"/>
           </p:cNvPicPr>
           <p:nvPr/>
         </p:nvPicPr>
         <p:blipFill>
-          <a:blip r:embed="rId3"/>
+          <a:blip r:embed="rId2"/>
           <a:stretch>
             <a:fillRect/>
           </a:stretch>
         </p:blipFill>
         <p:spPr>
           <a:xfrm>
-            <a:off x="6684264" y="4535424"/>
-            <a:ext cx="2139696" cy="530352"/>
+            <a:off x="313593" y="4536078"/>
+            <a:ext cx="2143858" cy="529698"/>
           </a:xfrm>
           <a:prstGeom prst="rect">
             <a:avLst/>
@@ -5745,31 +5785,13 @@
           <a:bodyPr/>
           <a:lstStyle/>
           <a:p>
+            <a:pPr algn="l"/>
             <a:r>
               <a:t>Our Partnership Advantage</a:t>
             </a:r>
           </a:p>
         </p:txBody>
       </p:sp>
-      <p:pic>
-        <p:nvPicPr>
-          <p:cNvPr id="3" name="Picture Placeholder 2" descr="consulting_company_logo.png"/>
-          <p:cNvPicPr>
-            <a:picLocks noGrp="1" noChangeAspect="1"/>
-          </p:cNvPicPr>
-          <p:nvPr>
-            <p:ph type="pic" idx="14" sz="quarter"/>
-          </p:nvPr>
-        </p:nvPicPr>
-        <p:blipFill>
-          <a:blip r:embed="rId2"/>
-          <a:srcRect t="6314" b="6314"/>
-          <a:stretch>
-            <a:fillRect/>
-          </a:stretch>
-        </p:blipFill>
-        <p:spPr/>
-      </p:pic>
       <p:sp>
         <p:nvSpPr>
           <p:cNvPr id="4" name="Text Placeholder 3"/>
@@ -5815,12 +5837,6 @@
               <a:t>Pre-built pipeline templates and migration accelerators</a:t>
             </a:r>
           </a:p>
-          <a:p>
-            <a:pPr lvl="1"/>
-            <a:r>
-              <a:t>24/7 support with dedicated DevOps expertise</a:t>
-            </a:r>
-          </a:p>
         </p:txBody>
       </p:sp>
       <p:sp>
@@ -5859,41 +5875,64 @@
           <a:p>
             <a:pPr lvl="1"/>
             <a:r>
-              <a:t>Direct Microsoft escalation for complex technical issues</a:t>
+              <a:t>Comprehensive training program ensures team self-sufficiency</a:t>
             </a:r>
           </a:p>
           <a:p>
             <a:pPr lvl="1"/>
             <a:r>
-              <a:t>Comprehensive training program ensures team self-sufficiency</a:t>
-            </a:r>
-          </a:p>
-          <a:p>
-            <a:pPr lvl="1"/>
-            <a:r>
               <a:t>Best practices from 100+ enterprise DevOps transformations</a:t>
+            </a:r>
+          </a:p>
+        </p:txBody>
+      </p:sp>
+      <p:sp>
+        <p:nvSpPr>
+          <p:cNvPr id="6" name="Text Placeholder 5"/>
+          <p:cNvSpPr>
+            <a:spLocks noGrp="1"/>
+          </p:cNvSpPr>
+          <p:nvPr>
+            <p:ph type="body" idx="15" sz="quarter"/>
+          </p:nvPr>
+        </p:nvSpPr>
+        <p:spPr/>
+        <p:txBody>
+          <a:bodyPr/>
+          <a:lstStyle/>
+          <a:p>
+            <a:pPr algn="r">
+              <a:buNone/>
+            </a:pPr>
+            <a:r>
+              <a:rPr sz="1100">
+                <a:solidFill>
+                  <a:srgbClr val="CC0000"/>
+                </a:solidFill>
+              </a:rPr>
+              <a:t>Azure DevOps Enterprise Platform</a:t>
             </a:r>
           </a:p>
         </p:txBody>
       </p:sp>
       <p:pic>
         <p:nvPicPr>
-          <p:cNvPr id="6" name="Picture 5" descr="eo-framework-logo-real.png"/>
+          <p:cNvPr id="7" name="Picture 6" descr="consulting_company_logo.png"/>
           <p:cNvPicPr>
             <a:picLocks noChangeAspect="1"/>
           </p:cNvPicPr>
           <p:nvPr/>
         </p:nvPicPr>
         <p:blipFill>
-          <a:blip r:embed="rId3"/>
+          <a:blip r:embed="rId2"/>
           <a:stretch>
             <a:fillRect/>
           </a:stretch>
         </p:blipFill>
         <p:spPr>
           <a:xfrm>
-            <a:off x="6684264" y="4535424"/>
-            <a:ext cx="2139696" cy="530352"/>
+            <a:off x="313592" y="4536078"/>
+            <a:ext cx="2121877" cy="529698"/>
           </a:xfrm>
           <a:prstGeom prst="rect">
             <a:avLst/>
@@ -5935,31 +5974,11 @@
           <a:p>
             <a:pPr algn="l"/>
             <a:r>
-              <a:rPr b="1"/>
               <a:t>Investment Summary</a:t>
             </a:r>
           </a:p>
         </p:txBody>
       </p:sp>
-      <p:pic>
-        <p:nvPicPr>
-          <p:cNvPr id="3" name="Picture Placeholder 2" descr="consulting_company_logo.png"/>
-          <p:cNvPicPr>
-            <a:picLocks noGrp="1" noChangeAspect="1"/>
-          </p:cNvPicPr>
-          <p:nvPr>
-            <p:ph type="pic" idx="13" sz="quarter"/>
-          </p:nvPr>
-        </p:nvPicPr>
-        <p:blipFill>
-          <a:blip r:embed="rId2"/>
-          <a:srcRect t="6404" b="6404"/>
-          <a:stretch>
-            <a:fillRect/>
-          </a:stretch>
-        </p:blipFill>
-        <p:spPr/>
-      </p:pic>
       <p:graphicFrame>
         <p:nvGraphicFramePr>
           <p:cNvPr id="4" name="Table Placeholder 3"/>
@@ -5972,7 +5991,7 @@
         </p:nvGraphicFramePr>
         <p:xfrm>
           <a:off x="256855" y="677011"/>
-          <a:ext cx="8710929" cy="741680"/>
+          <a:ext cx="8710930" cy="1854200"/>
         </p:xfrm>
         <a:graphic>
           <a:graphicData uri="http://schemas.openxmlformats.org/drawingml/2006/table">
@@ -5981,13 +6000,13 @@
                 <a:tableStyleId>{5C22544A-7EE6-4342-B048-85BDC9FD1C3A}</a:tableStyleId>
               </a:tblPr>
               <a:tblGrid>
-                <a:gridCol w="2177733"/>
-                <a:gridCol w="1306639"/>
-                <a:gridCol w="1306639"/>
-                <a:gridCol w="1306639"/>
-                <a:gridCol w="871093"/>
-                <a:gridCol w="871093"/>
-                <a:gridCol w="871093"/>
+                <a:gridCol w="1997920"/>
+                <a:gridCol w="1198752"/>
+                <a:gridCol w="1198752"/>
+                <a:gridCol w="1198752"/>
+                <a:gridCol w="959001"/>
+                <a:gridCol w="959001"/>
+                <a:gridCol w="1198752"/>
               </a:tblGrid>
               <a:tr h="370840">
                 <a:tc>
@@ -6043,7 +6062,7 @@
                             <a:srgbClr val="FFFFFF"/>
                           </a:solidFill>
                         </a:rPr>
-                        <a:t>Provider/Partner Credits</a:t>
+                        <a:t>Year 1 Credits</a:t>
                       </a:r>
                     </a:p>
                   </a:txBody>
@@ -6145,8 +6164,371 @@
                     <a:lstStyle/>
                     <a:p>
                       <a:r>
+                        <a:rPr sz="1100"/>
+                        <a:t>Professional Services</a:t>
+                      </a:r>
+                    </a:p>
+                  </a:txBody>
+                  <a:tcPr>
+                    <a:solidFill>
+                      <a:srgbClr val="E7E6E6"/>
+                    </a:solidFill>
+                  </a:tcPr>
+                </a:tc>
+                <a:tc>
+                  <a:txBody>
+                    <a:bodyPr/>
+                    <a:lstStyle/>
+                    <a:p>
+                      <a:r>
+                        <a:rPr sz="1100"/>
+                        <a:t>$100,000</a:t>
+                      </a:r>
+                    </a:p>
+                  </a:txBody>
+                  <a:tcPr>
+                    <a:solidFill>
+                      <a:srgbClr val="E7E6E6"/>
+                    </a:solidFill>
+                  </a:tcPr>
+                </a:tc>
+                <a:tc>
+                  <a:txBody>
+                    <a:bodyPr/>
+                    <a:lstStyle/>
+                    <a:p>
+                      <a:r>
+                        <a:rPr sz="1100"/>
+                        <a:t>($8,000)</a:t>
+                      </a:r>
+                    </a:p>
+                  </a:txBody>
+                  <a:tcPr>
+                    <a:solidFill>
+                      <a:srgbClr val="E7E6E6"/>
+                    </a:solidFill>
+                  </a:tcPr>
+                </a:tc>
+                <a:tc>
+                  <a:txBody>
+                    <a:bodyPr/>
+                    <a:lstStyle/>
+                    <a:p>
+                      <a:r>
+                        <a:rPr sz="1100"/>
+                        <a:t>$92,000</a:t>
+                      </a:r>
+                    </a:p>
+                  </a:txBody>
+                  <a:tcPr>
+                    <a:solidFill>
+                      <a:srgbClr val="E7E6E6"/>
+                    </a:solidFill>
+                  </a:tcPr>
+                </a:tc>
+                <a:tc>
+                  <a:txBody>
+                    <a:bodyPr/>
+                    <a:lstStyle/>
+                    <a:p>
+                      <a:r>
+                        <a:rPr sz="1100"/>
+                        <a:t>$0</a:t>
+                      </a:r>
+                    </a:p>
+                  </a:txBody>
+                  <a:tcPr>
+                    <a:solidFill>
+                      <a:srgbClr val="E7E6E6"/>
+                    </a:solidFill>
+                  </a:tcPr>
+                </a:tc>
+                <a:tc>
+                  <a:txBody>
+                    <a:bodyPr/>
+                    <a:lstStyle/>
+                    <a:p>
+                      <a:r>
+                        <a:rPr sz="1100"/>
+                        <a:t>$0</a:t>
+                      </a:r>
+                    </a:p>
+                  </a:txBody>
+                  <a:tcPr>
+                    <a:solidFill>
+                      <a:srgbClr val="E7E6E6"/>
+                    </a:solidFill>
+                  </a:tcPr>
+                </a:tc>
+                <a:tc>
+                  <a:txBody>
+                    <a:bodyPr/>
+                    <a:lstStyle/>
+                    <a:p>
+                      <a:r>
+                        <a:rPr sz="1100"/>
+                        <a:t>$92,000</a:t>
+                      </a:r>
+                    </a:p>
+                  </a:txBody>
+                  <a:tcPr>
+                    <a:solidFill>
+                      <a:srgbClr val="E7E6E6"/>
+                    </a:solidFill>
+                  </a:tcPr>
+                </a:tc>
+              </a:tr>
+              <a:tr h="370840">
+                <a:tc>
+                  <a:txBody>
+                    <a:bodyPr/>
+                    <a:lstStyle/>
+                    <a:p>
+                      <a:r>
+                        <a:rPr sz="1100"/>
+                        <a:t>Cloud Infrastructure</a:t>
+                      </a:r>
+                    </a:p>
+                  </a:txBody>
+                  <a:tcPr>
+                    <a:solidFill>
+                      <a:srgbClr val="E7E6E6"/>
+                    </a:solidFill>
+                  </a:tcPr>
+                </a:tc>
+                <a:tc>
+                  <a:txBody>
+                    <a:bodyPr/>
+                    <a:lstStyle/>
+                    <a:p>
+                      <a:r>
+                        <a:rPr sz="1100"/>
+                        <a:t>$6,200</a:t>
+                      </a:r>
+                    </a:p>
+                  </a:txBody>
+                  <a:tcPr>
+                    <a:solidFill>
+                      <a:srgbClr val="E7E6E6"/>
+                    </a:solidFill>
+                  </a:tcPr>
+                </a:tc>
+                <a:tc>
+                  <a:txBody>
+                    <a:bodyPr/>
+                    <a:lstStyle/>
+                    <a:p>
+                      <a:r>
+                        <a:rPr sz="1100"/>
+                        <a:t>$0</a:t>
+                      </a:r>
+                    </a:p>
+                  </a:txBody>
+                  <a:tcPr>
+                    <a:solidFill>
+                      <a:srgbClr val="E7E6E6"/>
+                    </a:solidFill>
+                  </a:tcPr>
+                </a:tc>
+                <a:tc>
+                  <a:txBody>
+                    <a:bodyPr/>
+                    <a:lstStyle/>
+                    <a:p>
+                      <a:r>
+                        <a:rPr sz="1100"/>
+                        <a:t>$6,200</a:t>
+                      </a:r>
+                    </a:p>
+                  </a:txBody>
+                  <a:tcPr>
+                    <a:solidFill>
+                      <a:srgbClr val="E7E6E6"/>
+                    </a:solidFill>
+                  </a:tcPr>
+                </a:tc>
+                <a:tc>
+                  <a:txBody>
+                    <a:bodyPr/>
+                    <a:lstStyle/>
+                    <a:p>
+                      <a:r>
+                        <a:rPr sz="1100"/>
+                        <a:t>$6,200</a:t>
+                      </a:r>
+                    </a:p>
+                  </a:txBody>
+                  <a:tcPr>
+                    <a:solidFill>
+                      <a:srgbClr val="E7E6E6"/>
+                    </a:solidFill>
+                  </a:tcPr>
+                </a:tc>
+                <a:tc>
+                  <a:txBody>
+                    <a:bodyPr/>
+                    <a:lstStyle/>
+                    <a:p>
+                      <a:r>
+                        <a:rPr sz="1100"/>
+                        <a:t>$6,200</a:t>
+                      </a:r>
+                    </a:p>
+                  </a:txBody>
+                  <a:tcPr>
+                    <a:solidFill>
+                      <a:srgbClr val="E7E6E6"/>
+                    </a:solidFill>
+                  </a:tcPr>
+                </a:tc>
+                <a:tc>
+                  <a:txBody>
+                    <a:bodyPr/>
+                    <a:lstStyle/>
+                    <a:p>
+                      <a:r>
+                        <a:rPr sz="1100"/>
+                        <a:t>$18,600</a:t>
+                      </a:r>
+                    </a:p>
+                  </a:txBody>
+                  <a:tcPr>
+                    <a:solidFill>
+                      <a:srgbClr val="E7E6E6"/>
+                    </a:solidFill>
+                  </a:tcPr>
+                </a:tc>
+              </a:tr>
+              <a:tr h="370840">
+                <a:tc>
+                  <a:txBody>
+                    <a:bodyPr/>
+                    <a:lstStyle/>
+                    <a:p>
+                      <a:r>
+                        <a:rPr sz="1100"/>
+                        <a:t>Support &amp; Maintenance</a:t>
+                      </a:r>
+                    </a:p>
+                  </a:txBody>
+                  <a:tcPr>
+                    <a:solidFill>
+                      <a:srgbClr val="E7E6E6"/>
+                    </a:solidFill>
+                  </a:tcPr>
+                </a:tc>
+                <a:tc>
+                  <a:txBody>
+                    <a:bodyPr/>
+                    <a:lstStyle/>
+                    <a:p>
+                      <a:r>
+                        <a:rPr sz="1100"/>
+                        <a:t>$1,524</a:t>
+                      </a:r>
+                    </a:p>
+                  </a:txBody>
+                  <a:tcPr>
+                    <a:solidFill>
+                      <a:srgbClr val="E7E6E6"/>
+                    </a:solidFill>
+                  </a:tcPr>
+                </a:tc>
+                <a:tc>
+                  <a:txBody>
+                    <a:bodyPr/>
+                    <a:lstStyle/>
+                    <a:p>
+                      <a:r>
+                        <a:rPr sz="1100"/>
+                        <a:t>$0</a:t>
+                      </a:r>
+                    </a:p>
+                  </a:txBody>
+                  <a:tcPr>
+                    <a:solidFill>
+                      <a:srgbClr val="E7E6E6"/>
+                    </a:solidFill>
+                  </a:tcPr>
+                </a:tc>
+                <a:tc>
+                  <a:txBody>
+                    <a:bodyPr/>
+                    <a:lstStyle/>
+                    <a:p>
+                      <a:r>
+                        <a:rPr sz="1100"/>
+                        <a:t>$1,524</a:t>
+                      </a:r>
+                    </a:p>
+                  </a:txBody>
+                  <a:tcPr>
+                    <a:solidFill>
+                      <a:srgbClr val="E7E6E6"/>
+                    </a:solidFill>
+                  </a:tcPr>
+                </a:tc>
+                <a:tc>
+                  <a:txBody>
+                    <a:bodyPr/>
+                    <a:lstStyle/>
+                    <a:p>
+                      <a:r>
+                        <a:rPr sz="1100"/>
+                        <a:t>$1,524</a:t>
+                      </a:r>
+                    </a:p>
+                  </a:txBody>
+                  <a:tcPr>
+                    <a:solidFill>
+                      <a:srgbClr val="E7E6E6"/>
+                    </a:solidFill>
+                  </a:tcPr>
+                </a:tc>
+                <a:tc>
+                  <a:txBody>
+                    <a:bodyPr/>
+                    <a:lstStyle/>
+                    <a:p>
+                      <a:r>
+                        <a:rPr sz="1100"/>
+                        <a:t>$1,524</a:t>
+                      </a:r>
+                    </a:p>
+                  </a:txBody>
+                  <a:tcPr>
+                    <a:solidFill>
+                      <a:srgbClr val="E7E6E6"/>
+                    </a:solidFill>
+                  </a:tcPr>
+                </a:tc>
+                <a:tc>
+                  <a:txBody>
+                    <a:bodyPr/>
+                    <a:lstStyle/>
+                    <a:p>
+                      <a:r>
+                        <a:rPr sz="1100"/>
+                        <a:t>$4,572</a:t>
+                      </a:r>
+                    </a:p>
+                  </a:txBody>
+                  <a:tcPr>
+                    <a:solidFill>
+                      <a:srgbClr val="E7E6E6"/>
+                    </a:solidFill>
+                  </a:tcPr>
+                </a:tc>
+              </a:tr>
+              <a:tr h="370840">
+                <a:tc>
+                  <a:txBody>
+                    <a:bodyPr/>
+                    <a:lstStyle/>
+                    <a:p>
+                      <a:r>
                         <a:rPr b="1" sz="1100"/>
-                        <a:t>TOTAL INVESTMENT</a:t>
+                        <a:t>TOTAL</a:t>
                       </a:r>
                     </a:p>
                   </a:txBody>
@@ -6163,7 +6545,7 @@
                     <a:p>
                       <a:r>
                         <a:rPr b="1" sz="1100"/>
-                        <a:t>$0</a:t>
+                        <a:t>$107,724</a:t>
                       </a:r>
                     </a:p>
                   </a:txBody>
@@ -6180,7 +6562,7 @@
                     <a:p>
                       <a:r>
                         <a:rPr b="1" sz="1100"/>
-                        <a:t>$0</a:t>
+                        <a:t>($8,000)</a:t>
                       </a:r>
                     </a:p>
                   </a:txBody>
@@ -6197,7 +6579,7 @@
                     <a:p>
                       <a:r>
                         <a:rPr b="1" sz="1100"/>
-                        <a:t>$0</a:t>
+                        <a:t>$99,724</a:t>
                       </a:r>
                     </a:p>
                   </a:txBody>
@@ -6214,7 +6596,7 @@
                     <a:p>
                       <a:r>
                         <a:rPr b="1" sz="1100"/>
-                        <a:t>$0</a:t>
+                        <a:t>$7,724</a:t>
                       </a:r>
                     </a:p>
                   </a:txBody>
@@ -6231,7 +6613,7 @@
                     <a:p>
                       <a:r>
                         <a:rPr b="1" sz="1100"/>
-                        <a:t>$0</a:t>
+                        <a:t>$7,724</a:t>
                       </a:r>
                     </a:p>
                   </a:txBody>
@@ -6248,7 +6630,7 @@
                     <a:p>
                       <a:r>
                         <a:rPr b="1" sz="1100"/>
-                        <a:t>$0</a:t>
+                        <a:t>$115,172</a:t>
                       </a:r>
                     </a:p>
                   </a:txBody>
@@ -6263,24 +6645,53 @@
           </a:graphicData>
         </a:graphic>
       </p:graphicFrame>
+      <p:sp>
+        <p:nvSpPr>
+          <p:cNvPr id="5" name="Text Placeholder 4"/>
+          <p:cNvSpPr>
+            <a:spLocks noGrp="1"/>
+          </p:cNvSpPr>
+          <p:nvPr>
+            <p:ph type="body" idx="15" sz="quarter"/>
+          </p:nvPr>
+        </p:nvSpPr>
+        <p:spPr/>
+        <p:txBody>
+          <a:bodyPr/>
+          <a:lstStyle/>
+          <a:p>
+            <a:pPr algn="r">
+              <a:buNone/>
+            </a:pPr>
+            <a:r>
+              <a:rPr sz="1100">
+                <a:solidFill>
+                  <a:srgbClr val="CC0000"/>
+                </a:solidFill>
+              </a:rPr>
+              <a:t>Azure DevOps Enterprise Platform</a:t>
+            </a:r>
+          </a:p>
+        </p:txBody>
+      </p:sp>
       <p:pic>
         <p:nvPicPr>
-          <p:cNvPr id="5" name="Picture 4" descr="eo-framework-logo-real.png"/>
+          <p:cNvPr id="6" name="Picture 5" descr="consulting_company_logo.png"/>
           <p:cNvPicPr>
             <a:picLocks noChangeAspect="1"/>
           </p:cNvPicPr>
           <p:nvPr/>
         </p:nvPicPr>
         <p:blipFill>
-          <a:blip r:embed="rId3"/>
+          <a:blip r:embed="rId2"/>
           <a:stretch>
             <a:fillRect/>
           </a:stretch>
         </p:blipFill>
         <p:spPr>
           <a:xfrm>
-            <a:off x="6684264" y="4535424"/>
-            <a:ext cx="2139696" cy="530352"/>
+            <a:off x="313592" y="4536078"/>
+            <a:ext cx="2126273" cy="529698"/>
           </a:xfrm>
           <a:prstGeom prst="rect">
             <a:avLst/>

--- a/solutions/azure/devops/enterprise-platform/presales/solution-briefing.pptx
+++ b/solutions/azure/devops/enterprise-platform/presales/solution-briefing.pptx
@@ -4861,25 +4861,19 @@
           <a:p>
             <a:pPr lvl="1"/>
             <a:r>
-              <a:t>Platform: Azure DevOps Services</a:t>
+              <a:t>Platform: Azure DevOps Services with Git-based Azure Repos</a:t>
             </a:r>
           </a:p>
           <a:p>
             <a:pPr lvl="1"/>
             <a:r>
-              <a:t>Source Control: Git with Azure Repos</a:t>
+              <a:t>Build &amp; Release: YAML-based Azure Pipelines with multi-stage workflows</a:t>
             </a:r>
           </a:p>
           <a:p>
             <a:pPr lvl="1"/>
             <a:r>
-              <a:t>Build Automation: YAML-based Azure Pipelines</a:t>
-            </a:r>
-          </a:p>
-          <a:p>
-            <a:pPr lvl="1"/>
-            <a:r>
-              <a:t>Package Management: Azure Artifacts feeds</a:t>
+              <a:t>Package Management: Azure Artifacts feeds for dependencies</a:t>
             </a:r>
           </a:p>
         </p:txBody>

--- a/solutions/azure/devops/enterprise-platform/presales/solution-briefing.pptx
+++ b/solutions/azure/devops/enterprise-platform/presales/solution-briefing.pptx
@@ -693,6 +693,39 @@
       </p:grpSpPr>
       <p:sp>
         <p:nvSpPr>
+          <p:cNvPr id="12" name="Picture Placeholder 13">
+            <a:extLst>
+              <a:ext uri="{FF2B5EF4-FFF2-40B4-BE49-F238E27FC236}">
+                <a16:creationId xmlns:a16="http://schemas.microsoft.com/office/drawing/2014/main" id="{2DB97592-C4D5-B315-7F11-AA14F6EE8A62}"/>
+              </a:ext>
+            </a:extLst>
+          </p:cNvPr>
+          <p:cNvSpPr>
+            <a:spLocks noGrp="1"/>
+          </p:cNvSpPr>
+          <p:nvPr>
+            <p:ph type="pic" sz="quarter" idx="13"/>
+          </p:nvPr>
+        </p:nvSpPr>
+        <p:spPr>
+          <a:xfrm>
+            <a:off x="313593" y="4536078"/>
+            <a:ext cx="2143858" cy="529698"/>
+          </a:xfrm>
+          <a:prstGeom prst="rect">
+            <a:avLst/>
+          </a:prstGeom>
+        </p:spPr>
+        <p:txBody>
+          <a:bodyPr/>
+          <a:lstStyle/>
+          <a:p>
+            <a:endParaRPr lang="en-US" dirty="0"/>
+          </a:p>
+        </p:txBody>
+      </p:sp>
+      <p:sp>
+        <p:nvSpPr>
           <p:cNvPr id="3" name="Shape 1">
             <a:extLst>
               <a:ext uri="{FF2B5EF4-FFF2-40B4-BE49-F238E27FC236}">
@@ -782,39 +815,6 @@
               <a:rPr lang="en-US" dirty="0"/>
               <a:t>Slide Title</a:t>
             </a:r>
-          </a:p>
-        </p:txBody>
-      </p:sp>
-      <p:sp>
-        <p:nvSpPr>
-          <p:cNvPr id="12" name="Picture Placeholder 13">
-            <a:extLst>
-              <a:ext uri="{FF2B5EF4-FFF2-40B4-BE49-F238E27FC236}">
-                <a16:creationId xmlns:a16="http://schemas.microsoft.com/office/drawing/2014/main" id="{2DB97592-C4D5-B315-7F11-AA14F6EE8A62}"/>
-              </a:ext>
-            </a:extLst>
-          </p:cNvPr>
-          <p:cNvSpPr>
-            <a:spLocks noGrp="1"/>
-          </p:cNvSpPr>
-          <p:nvPr>
-            <p:ph type="pic" sz="quarter" idx="13"/>
-          </p:nvPr>
-        </p:nvSpPr>
-        <p:spPr>
-          <a:xfrm>
-            <a:off x="313593" y="4536078"/>
-            <a:ext cx="2143858" cy="529698"/>
-          </a:xfrm>
-          <a:prstGeom prst="rect">
-            <a:avLst/>
-          </a:prstGeom>
-        </p:spPr>
-        <p:txBody>
-          <a:bodyPr/>
-          <a:lstStyle/>
-          <a:p>
-            <a:endParaRPr lang="en-US" dirty="0"/>
           </a:p>
         </p:txBody>
       </p:sp>
@@ -971,6 +971,39 @@
       </p:grpSpPr>
       <p:sp>
         <p:nvSpPr>
+          <p:cNvPr id="12" name="Picture Placeholder 13">
+            <a:extLst>
+              <a:ext uri="{FF2B5EF4-FFF2-40B4-BE49-F238E27FC236}">
+                <a16:creationId xmlns:a16="http://schemas.microsoft.com/office/drawing/2014/main" id="{2DB97592-C4D5-B315-7F11-AA14F6EE8A62}"/>
+              </a:ext>
+            </a:extLst>
+          </p:cNvPr>
+          <p:cNvSpPr>
+            <a:spLocks noGrp="1"/>
+          </p:cNvSpPr>
+          <p:nvPr>
+            <p:ph type="pic" sz="quarter" idx="13"/>
+          </p:nvPr>
+        </p:nvSpPr>
+        <p:spPr>
+          <a:xfrm>
+            <a:off x="313593" y="4536078"/>
+            <a:ext cx="2143858" cy="529698"/>
+          </a:xfrm>
+          <a:prstGeom prst="rect">
+            <a:avLst/>
+          </a:prstGeom>
+        </p:spPr>
+        <p:txBody>
+          <a:bodyPr/>
+          <a:lstStyle/>
+          <a:p>
+            <a:endParaRPr lang="en-US" dirty="0"/>
+          </a:p>
+        </p:txBody>
+      </p:sp>
+      <p:sp>
+        <p:nvSpPr>
           <p:cNvPr id="3" name="Shape 1">
             <a:extLst>
               <a:ext uri="{FF2B5EF4-FFF2-40B4-BE49-F238E27FC236}">
@@ -1060,39 +1093,6 @@
               <a:rPr lang="en-US" dirty="0"/>
               <a:t>Bullet Points</a:t>
             </a:r>
-          </a:p>
-        </p:txBody>
-      </p:sp>
-      <p:sp>
-        <p:nvSpPr>
-          <p:cNvPr id="12" name="Picture Placeholder 13">
-            <a:extLst>
-              <a:ext uri="{FF2B5EF4-FFF2-40B4-BE49-F238E27FC236}">
-                <a16:creationId xmlns:a16="http://schemas.microsoft.com/office/drawing/2014/main" id="{2DB97592-C4D5-B315-7F11-AA14F6EE8A62}"/>
-              </a:ext>
-            </a:extLst>
-          </p:cNvPr>
-          <p:cNvSpPr>
-            <a:spLocks noGrp="1"/>
-          </p:cNvSpPr>
-          <p:nvPr>
-            <p:ph type="pic" sz="quarter" idx="13"/>
-          </p:nvPr>
-        </p:nvSpPr>
-        <p:spPr>
-          <a:xfrm>
-            <a:off x="313593" y="4536078"/>
-            <a:ext cx="2143858" cy="529698"/>
-          </a:xfrm>
-          <a:prstGeom prst="rect">
-            <a:avLst/>
-          </a:prstGeom>
-        </p:spPr>
-        <p:txBody>
-          <a:bodyPr/>
-          <a:lstStyle/>
-          <a:p>
-            <a:endParaRPr lang="en-US" dirty="0"/>
           </a:p>
         </p:txBody>
       </p:sp>
@@ -1235,6 +1235,39 @@
       </p:grpSpPr>
       <p:sp>
         <p:nvSpPr>
+          <p:cNvPr id="10" name="Picture Placeholder 13">
+            <a:extLst>
+              <a:ext uri="{FF2B5EF4-FFF2-40B4-BE49-F238E27FC236}">
+                <a16:creationId xmlns:a16="http://schemas.microsoft.com/office/drawing/2014/main" id="{6A0FA445-7602-F06E-EC73-5504EBF827CC}"/>
+              </a:ext>
+            </a:extLst>
+          </p:cNvPr>
+          <p:cNvSpPr>
+            <a:spLocks noGrp="1"/>
+          </p:cNvSpPr>
+          <p:nvPr>
+            <p:ph type="pic" sz="quarter" idx="14"/>
+          </p:nvPr>
+        </p:nvSpPr>
+        <p:spPr>
+          <a:xfrm>
+            <a:off x="313592" y="4536078"/>
+            <a:ext cx="2121877" cy="529698"/>
+          </a:xfrm>
+          <a:prstGeom prst="rect">
+            <a:avLst/>
+          </a:prstGeom>
+        </p:spPr>
+        <p:txBody>
+          <a:bodyPr/>
+          <a:lstStyle/>
+          <a:p>
+            <a:endParaRPr lang="en-US" dirty="0"/>
+          </a:p>
+        </p:txBody>
+      </p:sp>
+      <p:sp>
+        <p:nvSpPr>
           <p:cNvPr id="3" name="Shape 1">
             <a:extLst>
               <a:ext uri="{FF2B5EF4-FFF2-40B4-BE49-F238E27FC236}">
@@ -1324,39 +1357,6 @@
               <a:rPr lang="en-US" dirty="0"/>
               <a:t>Two Column Layout</a:t>
             </a:r>
-          </a:p>
-        </p:txBody>
-      </p:sp>
-      <p:sp>
-        <p:nvSpPr>
-          <p:cNvPr id="10" name="Picture Placeholder 13">
-            <a:extLst>
-              <a:ext uri="{FF2B5EF4-FFF2-40B4-BE49-F238E27FC236}">
-                <a16:creationId xmlns:a16="http://schemas.microsoft.com/office/drawing/2014/main" id="{6A0FA445-7602-F06E-EC73-5504EBF827CC}"/>
-              </a:ext>
-            </a:extLst>
-          </p:cNvPr>
-          <p:cNvSpPr>
-            <a:spLocks noGrp="1"/>
-          </p:cNvSpPr>
-          <p:nvPr>
-            <p:ph type="pic" sz="quarter" idx="14"/>
-          </p:nvPr>
-        </p:nvSpPr>
-        <p:spPr>
-          <a:xfrm>
-            <a:off x="313592" y="4536078"/>
-            <a:ext cx="2121877" cy="529698"/>
-          </a:xfrm>
-          <a:prstGeom prst="rect">
-            <a:avLst/>
-          </a:prstGeom>
-        </p:spPr>
-        <p:txBody>
-          <a:bodyPr/>
-          <a:lstStyle/>
-          <a:p>
-            <a:endParaRPr lang="en-US" dirty="0"/>
           </a:p>
         </p:txBody>
       </p:sp>
@@ -1604,6 +1604,39 @@
       </p:grpSpPr>
       <p:sp>
         <p:nvSpPr>
+          <p:cNvPr id="12" name="Picture Placeholder 13">
+            <a:extLst>
+              <a:ext uri="{FF2B5EF4-FFF2-40B4-BE49-F238E27FC236}">
+                <a16:creationId xmlns:a16="http://schemas.microsoft.com/office/drawing/2014/main" id="{2DB97592-C4D5-B315-7F11-AA14F6EE8A62}"/>
+              </a:ext>
+            </a:extLst>
+          </p:cNvPr>
+          <p:cNvSpPr>
+            <a:spLocks noGrp="1"/>
+          </p:cNvSpPr>
+          <p:nvPr>
+            <p:ph type="pic" sz="quarter" idx="13"/>
+          </p:nvPr>
+        </p:nvSpPr>
+        <p:spPr>
+          <a:xfrm>
+            <a:off x="313592" y="4536078"/>
+            <a:ext cx="2126273" cy="529698"/>
+          </a:xfrm>
+          <a:prstGeom prst="rect">
+            <a:avLst/>
+          </a:prstGeom>
+        </p:spPr>
+        <p:txBody>
+          <a:bodyPr/>
+          <a:lstStyle/>
+          <a:p>
+            <a:endParaRPr lang="en-US" dirty="0"/>
+          </a:p>
+        </p:txBody>
+      </p:sp>
+      <p:sp>
+        <p:nvSpPr>
           <p:cNvPr id="3" name="Shape 1">
             <a:extLst>
               <a:ext uri="{FF2B5EF4-FFF2-40B4-BE49-F238E27FC236}">
@@ -1719,39 +1752,6 @@
           </a:p>
           <a:p>
             <a:pPr lvl="0"/>
-            <a:endParaRPr lang="en-US" dirty="0"/>
-          </a:p>
-        </p:txBody>
-      </p:sp>
-      <p:sp>
-        <p:nvSpPr>
-          <p:cNvPr id="12" name="Picture Placeholder 13">
-            <a:extLst>
-              <a:ext uri="{FF2B5EF4-FFF2-40B4-BE49-F238E27FC236}">
-                <a16:creationId xmlns:a16="http://schemas.microsoft.com/office/drawing/2014/main" id="{2DB97592-C4D5-B315-7F11-AA14F6EE8A62}"/>
-              </a:ext>
-            </a:extLst>
-          </p:cNvPr>
-          <p:cNvSpPr>
-            <a:spLocks noGrp="1"/>
-          </p:cNvSpPr>
-          <p:nvPr>
-            <p:ph type="pic" sz="quarter" idx="13"/>
-          </p:nvPr>
-        </p:nvSpPr>
-        <p:spPr>
-          <a:xfrm>
-            <a:off x="313592" y="4536078"/>
-            <a:ext cx="2126273" cy="529698"/>
-          </a:xfrm>
-          <a:prstGeom prst="rect">
-            <a:avLst/>
-          </a:prstGeom>
-        </p:spPr>
-        <p:txBody>
-          <a:bodyPr/>
-          <a:lstStyle/>
-          <a:p>
             <a:endParaRPr lang="en-US" dirty="0"/>
           </a:p>
         </p:txBody>
@@ -1863,6 +1863,39 @@
       </p:grpSpPr>
       <p:sp>
         <p:nvSpPr>
+          <p:cNvPr id="10" name="Picture Placeholder 13">
+            <a:extLst>
+              <a:ext uri="{FF2B5EF4-FFF2-40B4-BE49-F238E27FC236}">
+                <a16:creationId xmlns:a16="http://schemas.microsoft.com/office/drawing/2014/main" id="{6A0FA445-7602-F06E-EC73-5504EBF827CC}"/>
+              </a:ext>
+            </a:extLst>
+          </p:cNvPr>
+          <p:cNvSpPr>
+            <a:spLocks noGrp="1"/>
+          </p:cNvSpPr>
+          <p:nvPr>
+            <p:ph type="pic" sz="quarter" idx="14"/>
+          </p:nvPr>
+        </p:nvSpPr>
+        <p:spPr>
+          <a:xfrm>
+            <a:off x="313592" y="4536078"/>
+            <a:ext cx="2130670" cy="529698"/>
+          </a:xfrm>
+          <a:prstGeom prst="rect">
+            <a:avLst/>
+          </a:prstGeom>
+        </p:spPr>
+        <p:txBody>
+          <a:bodyPr/>
+          <a:lstStyle/>
+          <a:p>
+            <a:endParaRPr lang="en-US" dirty="0"/>
+          </a:p>
+        </p:txBody>
+      </p:sp>
+      <p:sp>
+        <p:nvSpPr>
           <p:cNvPr id="3" name="Shape 1">
             <a:extLst>
               <a:ext uri="{FF2B5EF4-FFF2-40B4-BE49-F238E27FC236}">
@@ -1952,39 +1985,6 @@
               <a:rPr lang="en-US" dirty="0"/>
               <a:t>Visual Content</a:t>
             </a:r>
-          </a:p>
-        </p:txBody>
-      </p:sp>
-      <p:sp>
-        <p:nvSpPr>
-          <p:cNvPr id="10" name="Picture Placeholder 13">
-            <a:extLst>
-              <a:ext uri="{FF2B5EF4-FFF2-40B4-BE49-F238E27FC236}">
-                <a16:creationId xmlns:a16="http://schemas.microsoft.com/office/drawing/2014/main" id="{6A0FA445-7602-F06E-EC73-5504EBF827CC}"/>
-              </a:ext>
-            </a:extLst>
-          </p:cNvPr>
-          <p:cNvSpPr>
-            <a:spLocks noGrp="1"/>
-          </p:cNvSpPr>
-          <p:nvPr>
-            <p:ph type="pic" sz="quarter" idx="14"/>
-          </p:nvPr>
-        </p:nvSpPr>
-        <p:spPr>
-          <a:xfrm>
-            <a:off x="313592" y="4536078"/>
-            <a:ext cx="2130670" cy="529698"/>
-          </a:xfrm>
-          <a:prstGeom prst="rect">
-            <a:avLst/>
-          </a:prstGeom>
-        </p:spPr>
-        <p:txBody>
-          <a:bodyPr/>
-          <a:lstStyle/>
-          <a:p>
-            <a:endParaRPr lang="en-US" dirty="0"/>
           </a:p>
         </p:txBody>
       </p:sp>
@@ -2180,6 +2180,39 @@
       </p:grpSpPr>
       <p:sp>
         <p:nvSpPr>
+          <p:cNvPr id="10" name="Picture Placeholder 13">
+            <a:extLst>
+              <a:ext uri="{FF2B5EF4-FFF2-40B4-BE49-F238E27FC236}">
+                <a16:creationId xmlns:a16="http://schemas.microsoft.com/office/drawing/2014/main" id="{6A0FA445-7602-F06E-EC73-5504EBF827CC}"/>
+              </a:ext>
+            </a:extLst>
+          </p:cNvPr>
+          <p:cNvSpPr>
+            <a:spLocks noGrp="1"/>
+          </p:cNvSpPr>
+          <p:nvPr>
+            <p:ph type="pic" sz="quarter" idx="14"/>
+          </p:nvPr>
+        </p:nvSpPr>
+        <p:spPr>
+          <a:xfrm>
+            <a:off x="313592" y="4536078"/>
+            <a:ext cx="2104294" cy="529698"/>
+          </a:xfrm>
+          <a:prstGeom prst="rect">
+            <a:avLst/>
+          </a:prstGeom>
+        </p:spPr>
+        <p:txBody>
+          <a:bodyPr/>
+          <a:lstStyle/>
+          <a:p>
+            <a:endParaRPr lang="en-US" dirty="0"/>
+          </a:p>
+        </p:txBody>
+      </p:sp>
+      <p:sp>
+        <p:nvSpPr>
           <p:cNvPr id="3" name="Shape 1">
             <a:extLst>
               <a:ext uri="{FF2B5EF4-FFF2-40B4-BE49-F238E27FC236}">
@@ -2269,39 +2302,6 @@
               <a:rPr lang="en-US" dirty="0"/>
               <a:t>Data Visualization</a:t>
             </a:r>
-          </a:p>
-        </p:txBody>
-      </p:sp>
-      <p:sp>
-        <p:nvSpPr>
-          <p:cNvPr id="10" name="Picture Placeholder 13">
-            <a:extLst>
-              <a:ext uri="{FF2B5EF4-FFF2-40B4-BE49-F238E27FC236}">
-                <a16:creationId xmlns:a16="http://schemas.microsoft.com/office/drawing/2014/main" id="{6A0FA445-7602-F06E-EC73-5504EBF827CC}"/>
-              </a:ext>
-            </a:extLst>
-          </p:cNvPr>
-          <p:cNvSpPr>
-            <a:spLocks noGrp="1"/>
-          </p:cNvSpPr>
-          <p:nvPr>
-            <p:ph type="pic" sz="quarter" idx="14"/>
-          </p:nvPr>
-        </p:nvSpPr>
-        <p:spPr>
-          <a:xfrm>
-            <a:off x="313592" y="4536078"/>
-            <a:ext cx="2104294" cy="529698"/>
-          </a:xfrm>
-          <a:prstGeom prst="rect">
-            <a:avLst/>
-          </a:prstGeom>
-        </p:spPr>
-        <p:txBody>
-          <a:bodyPr/>
-          <a:lstStyle/>
-          <a:p>
-            <a:endParaRPr lang="en-US" dirty="0"/>
           </a:p>
         </p:txBody>
       </p:sp>
@@ -3423,7 +3423,7 @@
       <p:grpSpPr/>
       <p:sp>
         <p:nvSpPr>
-          <p:cNvPr id="2" name="Text Placeholder 1"/>
+          <p:cNvPr id="3" name="Text Placeholder 2"/>
           <p:cNvSpPr>
             <a:spLocks noGrp="1"/>
           </p:cNvSpPr>
@@ -3727,7 +3727,7 @@
       <p:grpSpPr/>
       <p:sp>
         <p:nvSpPr>
-          <p:cNvPr id="2" name="Text Placeholder 1"/>
+          <p:cNvPr id="3" name="Text Placeholder 2"/>
           <p:cNvSpPr>
             <a:spLocks noGrp="1"/>
           </p:cNvSpPr>
@@ -3902,7 +3902,7 @@
       <p:grpSpPr/>
       <p:sp>
         <p:nvSpPr>
-          <p:cNvPr id="2" name="Text Placeholder 1"/>
+          <p:cNvPr id="3" name="Text Placeholder 2"/>
           <p:cNvSpPr>
             <a:spLocks noGrp="1"/>
           </p:cNvSpPr>
@@ -4780,7 +4780,7 @@
       <p:grpSpPr/>
       <p:sp>
         <p:nvSpPr>
-          <p:cNvPr id="2" name="Text Placeholder 1"/>
+          <p:cNvPr id="3" name="Text Placeholder 2"/>
           <p:cNvSpPr>
             <a:spLocks noGrp="1"/>
           </p:cNvSpPr>
@@ -4981,7 +4981,7 @@
       <p:grpSpPr/>
       <p:sp>
         <p:nvSpPr>
-          <p:cNvPr id="2" name="Text Placeholder 1"/>
+          <p:cNvPr id="3" name="Text Placeholder 2"/>
           <p:cNvSpPr>
             <a:spLocks noGrp="1"/>
           </p:cNvSpPr>
@@ -5174,7 +5174,7 @@
       <p:grpSpPr/>
       <p:sp>
         <p:nvSpPr>
-          <p:cNvPr id="2" name="Text Placeholder 1"/>
+          <p:cNvPr id="3" name="Text Placeholder 2"/>
           <p:cNvSpPr>
             <a:spLocks noGrp="1"/>
           </p:cNvSpPr>
@@ -5593,7 +5593,7 @@
       <p:grpSpPr/>
       <p:sp>
         <p:nvSpPr>
-          <p:cNvPr id="2" name="Text Placeholder 1"/>
+          <p:cNvPr id="3" name="Text Placeholder 2"/>
           <p:cNvSpPr>
             <a:spLocks noGrp="1"/>
           </p:cNvSpPr>
@@ -5766,7 +5766,7 @@
       <p:grpSpPr/>
       <p:sp>
         <p:nvSpPr>
-          <p:cNvPr id="2" name="Text Placeholder 1"/>
+          <p:cNvPr id="3" name="Text Placeholder 2"/>
           <p:cNvSpPr>
             <a:spLocks noGrp="1"/>
           </p:cNvSpPr>
@@ -5953,7 +5953,7 @@
       <p:grpSpPr/>
       <p:sp>
         <p:nvSpPr>
-          <p:cNvPr id="2" name="Text Placeholder 1"/>
+          <p:cNvPr id="3" name="Text Placeholder 2"/>
           <p:cNvSpPr>
             <a:spLocks noGrp="1"/>
           </p:cNvSpPr>

--- a/solutions/azure/devops/enterprise-platform/presales/solution-briefing.pptx
+++ b/solutions/azure/devops/enterprise-platform/presales/solution-briefing.pptx
@@ -3326,7 +3326,7 @@
           <a:lstStyle/>
           <a:p>
             <a:r>
-              <a:t>Alison Smith | November 22, 2025</a:t>
+              <a:t>Alison Smith | November 24, 2025</a:t>
             </a:r>
           </a:p>
         </p:txBody>
@@ -6176,41 +6176,7 @@
                     <a:p>
                       <a:r>
                         <a:rPr sz="1100"/>
-                        <a:t>$100,000</a:t>
-                      </a:r>
-                    </a:p>
-                  </a:txBody>
-                  <a:tcPr>
-                    <a:solidFill>
-                      <a:srgbClr val="E7E6E6"/>
-                    </a:solidFill>
-                  </a:tcPr>
-                </a:tc>
-                <a:tc>
-                  <a:txBody>
-                    <a:bodyPr/>
-                    <a:lstStyle/>
-                    <a:p>
-                      <a:r>
-                        <a:rPr sz="1100"/>
-                        <a:t>($8,000)</a:t>
-                      </a:r>
-                    </a:p>
-                  </a:txBody>
-                  <a:tcPr>
-                    <a:solidFill>
-                      <a:srgbClr val="E7E6E6"/>
-                    </a:solidFill>
-                  </a:tcPr>
-                </a:tc>
-                <a:tc>
-                  <a:txBody>
-                    <a:bodyPr/>
-                    <a:lstStyle/>
-                    <a:p>
-                      <a:r>
-                        <a:rPr sz="1100"/>
-                        <a:t>$92,000</a:t>
+                        <a:t>$0</a:t>
                       </a:r>
                     </a:p>
                   </a:txBody>
@@ -6261,7 +6227,41 @@
                     <a:p>
                       <a:r>
                         <a:rPr sz="1100"/>
-                        <a:t>$92,000</a:t>
+                        <a:t>$0</a:t>
+                      </a:r>
+                    </a:p>
+                  </a:txBody>
+                  <a:tcPr>
+                    <a:solidFill>
+                      <a:srgbClr val="E7E6E6"/>
+                    </a:solidFill>
+                  </a:tcPr>
+                </a:tc>
+                <a:tc>
+                  <a:txBody>
+                    <a:bodyPr/>
+                    <a:lstStyle/>
+                    <a:p>
+                      <a:r>
+                        <a:rPr sz="1100"/>
+                        <a:t>$0</a:t>
+                      </a:r>
+                    </a:p>
+                  </a:txBody>
+                  <a:tcPr>
+                    <a:solidFill>
+                      <a:srgbClr val="E7E6E6"/>
+                    </a:solidFill>
+                  </a:tcPr>
+                </a:tc>
+                <a:tc>
+                  <a:txBody>
+                    <a:bodyPr/>
+                    <a:lstStyle/>
+                    <a:p>
+                      <a:r>
+                        <a:rPr sz="1100"/>
+                        <a:t>$0</a:t>
                       </a:r>
                     </a:p>
                   </a:txBody>
@@ -6280,7 +6280,7 @@
                     <a:p>
                       <a:r>
                         <a:rPr sz="1100"/>
-                        <a:t>Cloud Infrastructure</a:t>
+                        <a:t>Cloud Services</a:t>
                       </a:r>
                     </a:p>
                   </a:txBody>
@@ -6539,7 +6539,7 @@
                     <a:p>
                       <a:r>
                         <a:rPr b="1" sz="1100"/>
-                        <a:t>$107,724</a:t>
+                        <a:t>$7,724</a:t>
                       </a:r>
                     </a:p>
                   </a:txBody>
@@ -6556,24 +6556,7 @@
                     <a:p>
                       <a:r>
                         <a:rPr b="1" sz="1100"/>
-                        <a:t>($8,000)</a:t>
-                      </a:r>
-                    </a:p>
-                  </a:txBody>
-                  <a:tcPr>
-                    <a:solidFill>
-                      <a:srgbClr val="E7E6E6"/>
-                    </a:solidFill>
-                  </a:tcPr>
-                </a:tc>
-                <a:tc>
-                  <a:txBody>
-                    <a:bodyPr/>
-                    <a:lstStyle/>
-                    <a:p>
-                      <a:r>
-                        <a:rPr b="1" sz="1100"/>
-                        <a:t>$99,724</a:t>
+                        <a:t>$0</a:t>
                       </a:r>
                     </a:p>
                   </a:txBody>
@@ -6624,7 +6607,24 @@
                     <a:p>
                       <a:r>
                         <a:rPr b="1" sz="1100"/>
-                        <a:t>$115,172</a:t>
+                        <a:t>$7,724</a:t>
+                      </a:r>
+                    </a:p>
+                  </a:txBody>
+                  <a:tcPr>
+                    <a:solidFill>
+                      <a:srgbClr val="E7E6E6"/>
+                    </a:solidFill>
+                  </a:tcPr>
+                </a:tc>
+                <a:tc>
+                  <a:txBody>
+                    <a:bodyPr/>
+                    <a:lstStyle/>
+                    <a:p>
+                      <a:r>
+                        <a:rPr b="1" sz="1100"/>
+                        <a:t>$23,172</a:t>
                       </a:r>
                     </a:p>
                   </a:txBody>
